--- a/reports/Project Status 4.pptx
+++ b/reports/Project Status 4.pptx
@@ -4,10 +4,22 @@
   <p:sldMasterIdLst>
     <p:sldMasterId id="2147483648" r:id="rId1"/>
   </p:sldMasterIdLst>
+  <p:notesMasterIdLst>
+    <p:notesMasterId r:id="rId14"/>
+  </p:notesMasterIdLst>
   <p:sldIdLst>
     <p:sldId id="256" r:id="rId2"/>
     <p:sldId id="257" r:id="rId3"/>
     <p:sldId id="258" r:id="rId4"/>
+    <p:sldId id="259" r:id="rId5"/>
+    <p:sldId id="260" r:id="rId6"/>
+    <p:sldId id="261" r:id="rId7"/>
+    <p:sldId id="262" r:id="rId8"/>
+    <p:sldId id="263" r:id="rId9"/>
+    <p:sldId id="264" r:id="rId10"/>
+    <p:sldId id="265" r:id="rId11"/>
+    <p:sldId id="266" r:id="rId12"/>
+    <p:sldId id="267" r:id="rId13"/>
   </p:sldIdLst>
   <p:sldSz cx="12192000" cy="6858000"/>
   <p:notesSz cx="6858000" cy="9144000"/>
@@ -117,7 +129,7 @@
 <file path=ppt/revisionInfo.xml><?xml version="1.0" encoding="utf-8"?>
 <p1510:revInfo xmlns:a="http://schemas.openxmlformats.org/drawingml/2006/main" xmlns:r="http://schemas.openxmlformats.org/officeDocument/2006/relationships" xmlns:p1510="http://schemas.microsoft.com/office/powerpoint/2015/10/main">
   <p1510:revLst>
-    <p1510:client id="{C4DB1577-FF31-AC41-B4ED-71663BE73819}" v="872" dt="2018-07-18T13:03:45.577"/>
+    <p1510:client id="{C4DB1577-FF31-AC41-B4ED-71663BE73819}" v="4047" dt="2018-07-18T15:46:36.194"/>
   </p1510:revLst>
 </p1510:revInfo>
 </file>
@@ -126,19 +138,19 @@
 <pc:chgInfo xmlns:a="http://schemas.openxmlformats.org/drawingml/2006/main" xmlns:r="http://schemas.openxmlformats.org/officeDocument/2006/relationships" xmlns:ac="http://schemas.microsoft.com/office/drawing/2013/main/command" xmlns:pc="http://schemas.microsoft.com/office/powerpoint/2013/main/command">
   <pc:docChgLst>
     <pc:chgData name="Arunabh Ghosh" userId="7064b204c6fa9c53" providerId="LiveId" clId="{C4DB1577-FF31-AC41-B4ED-71663BE73819}"/>
-    <pc:docChg chg="undo custSel addSld modSld">
-      <pc:chgData name="Arunabh Ghosh" userId="7064b204c6fa9c53" providerId="LiveId" clId="{C4DB1577-FF31-AC41-B4ED-71663BE73819}" dt="2018-07-18T13:03:45.577" v="869" actId="20577"/>
+    <pc:docChg chg="undo redo custSel addSld delSld modSld sldOrd">
+      <pc:chgData name="Arunabh Ghosh" userId="7064b204c6fa9c53" providerId="LiveId" clId="{C4DB1577-FF31-AC41-B4ED-71663BE73819}" dt="2018-07-18T15:41:41.215" v="4035" actId="1076"/>
       <pc:docMkLst>
         <pc:docMk/>
       </pc:docMkLst>
-      <pc:sldChg chg="addSp modSp mod setBg">
-        <pc:chgData name="Arunabh Ghosh" userId="7064b204c6fa9c53" providerId="LiveId" clId="{C4DB1577-FF31-AC41-B4ED-71663BE73819}" dt="2018-07-18T12:07:18.600" v="155" actId="26606"/>
+      <pc:sldChg chg="addSp delSp modSp mod setBg setClrOvrMap delDesignElem">
+        <pc:chgData name="Arunabh Ghosh" userId="7064b204c6fa9c53" providerId="LiveId" clId="{C4DB1577-FF31-AC41-B4ED-71663BE73819}" dt="2018-07-18T14:32:57.470" v="2260" actId="26606"/>
         <pc:sldMkLst>
           <pc:docMk/>
           <pc:sldMk cId="2746130241" sldId="256"/>
         </pc:sldMkLst>
-        <pc:spChg chg="mod">
-          <ac:chgData name="Arunabh Ghosh" userId="7064b204c6fa9c53" providerId="LiveId" clId="{C4DB1577-FF31-AC41-B4ED-71663BE73819}" dt="2018-07-18T12:07:18.600" v="155" actId="26606"/>
+        <pc:spChg chg="mod ord">
+          <ac:chgData name="Arunabh Ghosh" userId="7064b204c6fa9c53" providerId="LiveId" clId="{C4DB1577-FF31-AC41-B4ED-71663BE73819}" dt="2018-07-18T14:32:57.470" v="2260" actId="26606"/>
           <ac:spMkLst>
             <pc:docMk/>
             <pc:sldMk cId="2746130241" sldId="256"/>
@@ -146,70 +158,358 @@
           </ac:spMkLst>
         </pc:spChg>
         <pc:spChg chg="mod">
-          <ac:chgData name="Arunabh Ghosh" userId="7064b204c6fa9c53" providerId="LiveId" clId="{C4DB1577-FF31-AC41-B4ED-71663BE73819}" dt="2018-07-18T12:07:18.600" v="155" actId="26606"/>
+          <ac:chgData name="Arunabh Ghosh" userId="7064b204c6fa9c53" providerId="LiveId" clId="{C4DB1577-FF31-AC41-B4ED-71663BE73819}" dt="2018-07-18T14:32:57.470" v="2260" actId="26606"/>
           <ac:spMkLst>
             <pc:docMk/>
             <pc:sldMk cId="2746130241" sldId="256"/>
             <ac:spMk id="3" creationId="{7569BD57-5783-AF43-B264-4C0F159A848B}"/>
           </ac:spMkLst>
         </pc:spChg>
-        <pc:spChg chg="add">
-          <ac:chgData name="Arunabh Ghosh" userId="7064b204c6fa9c53" providerId="LiveId" clId="{C4DB1577-FF31-AC41-B4ED-71663BE73819}" dt="2018-07-18T12:07:18.600" v="155" actId="26606"/>
+        <pc:spChg chg="add del">
+          <ac:chgData name="Arunabh Ghosh" userId="7064b204c6fa9c53" providerId="LiveId" clId="{C4DB1577-FF31-AC41-B4ED-71663BE73819}" dt="2018-07-18T14:31:11.970" v="2233" actId="26606"/>
           <ac:spMkLst>
             <pc:docMk/>
             <pc:sldMk cId="2746130241" sldId="256"/>
             <ac:spMk id="8" creationId="{559AE206-7EBA-4D33-8BC9-9D8158553F0E}"/>
           </ac:spMkLst>
         </pc:spChg>
-        <pc:spChg chg="add">
-          <ac:chgData name="Arunabh Ghosh" userId="7064b204c6fa9c53" providerId="LiveId" clId="{C4DB1577-FF31-AC41-B4ED-71663BE73819}" dt="2018-07-18T12:07:18.600" v="155" actId="26606"/>
+        <pc:spChg chg="add del">
+          <ac:chgData name="Arunabh Ghosh" userId="7064b204c6fa9c53" providerId="LiveId" clId="{C4DB1577-FF31-AC41-B4ED-71663BE73819}" dt="2018-07-18T14:31:11.970" v="2233" actId="26606"/>
           <ac:spMkLst>
             <pc:docMk/>
             <pc:sldMk cId="2746130241" sldId="256"/>
             <ac:spMk id="10" creationId="{6437D937-A7F1-4011-92B4-328E5BE1B166}"/>
           </ac:spMkLst>
         </pc:spChg>
-        <pc:spChg chg="add">
-          <ac:chgData name="Arunabh Ghosh" userId="7064b204c6fa9c53" providerId="LiveId" clId="{C4DB1577-FF31-AC41-B4ED-71663BE73819}" dt="2018-07-18T12:07:18.600" v="155" actId="26606"/>
+        <pc:spChg chg="add del">
+          <ac:chgData name="Arunabh Ghosh" userId="7064b204c6fa9c53" providerId="LiveId" clId="{C4DB1577-FF31-AC41-B4ED-71663BE73819}" dt="2018-07-18T14:31:11.970" v="2233" actId="26606"/>
           <ac:spMkLst>
             <pc:docMk/>
             <pc:sldMk cId="2746130241" sldId="256"/>
             <ac:spMk id="12" creationId="{B672F332-AF08-46C6-94F0-77684310D7B7}"/>
           </ac:spMkLst>
         </pc:spChg>
-        <pc:spChg chg="add">
-          <ac:chgData name="Arunabh Ghosh" userId="7064b204c6fa9c53" providerId="LiveId" clId="{C4DB1577-FF31-AC41-B4ED-71663BE73819}" dt="2018-07-18T12:07:18.600" v="155" actId="26606"/>
+        <pc:spChg chg="add del">
+          <ac:chgData name="Arunabh Ghosh" userId="7064b204c6fa9c53" providerId="LiveId" clId="{C4DB1577-FF31-AC41-B4ED-71663BE73819}" dt="2018-07-18T14:31:11.970" v="2233" actId="26606"/>
           <ac:spMkLst>
             <pc:docMk/>
             <pc:sldMk cId="2746130241" sldId="256"/>
             <ac:spMk id="14" creationId="{34244EF8-D73A-40E1-BE73-D46E6B4B04ED}"/>
           </ac:spMkLst>
         </pc:spChg>
-        <pc:spChg chg="add">
-          <ac:chgData name="Arunabh Ghosh" userId="7064b204c6fa9c53" providerId="LiveId" clId="{C4DB1577-FF31-AC41-B4ED-71663BE73819}" dt="2018-07-18T12:07:18.600" v="155" actId="26606"/>
+        <pc:spChg chg="add del">
+          <ac:chgData name="Arunabh Ghosh" userId="7064b204c6fa9c53" providerId="LiveId" clId="{C4DB1577-FF31-AC41-B4ED-71663BE73819}" dt="2018-07-18T14:31:11.970" v="2233" actId="26606"/>
           <ac:spMkLst>
             <pc:docMk/>
             <pc:sldMk cId="2746130241" sldId="256"/>
             <ac:spMk id="16" creationId="{AB84D7E8-4ECB-42D7-ADBF-01689B0F24AE}"/>
           </ac:spMkLst>
         </pc:spChg>
-        <pc:cxnChg chg="add">
-          <ac:chgData name="Arunabh Ghosh" userId="7064b204c6fa9c53" providerId="LiveId" clId="{C4DB1577-FF31-AC41-B4ED-71663BE73819}" dt="2018-07-18T12:07:18.600" v="155" actId="26606"/>
+        <pc:spChg chg="add del">
+          <ac:chgData name="Arunabh Ghosh" userId="7064b204c6fa9c53" providerId="LiveId" clId="{C4DB1577-FF31-AC41-B4ED-71663BE73819}" dt="2018-07-18T14:31:51.304" v="2244" actId="26606"/>
+          <ac:spMkLst>
+            <pc:docMk/>
+            <pc:sldMk cId="2746130241" sldId="256"/>
+            <ac:spMk id="23" creationId="{C66F2F30-5DC0-44A0-BFA6-E12F46ED16DA}"/>
+          </ac:spMkLst>
+        </pc:spChg>
+        <pc:spChg chg="add del">
+          <ac:chgData name="Arunabh Ghosh" userId="7064b204c6fa9c53" providerId="LiveId" clId="{C4DB1577-FF31-AC41-B4ED-71663BE73819}" dt="2018-07-18T14:31:51.304" v="2244" actId="26606"/>
+          <ac:spMkLst>
+            <pc:docMk/>
+            <pc:sldMk cId="2746130241" sldId="256"/>
+            <ac:spMk id="25" creationId="{85872F57-7F42-4F97-8391-DDC8D0054C03}"/>
+          </ac:spMkLst>
+        </pc:spChg>
+        <pc:spChg chg="add del">
+          <ac:chgData name="Arunabh Ghosh" userId="7064b204c6fa9c53" providerId="LiveId" clId="{C4DB1577-FF31-AC41-B4ED-71663BE73819}" dt="2018-07-18T14:31:51.304" v="2244" actId="26606"/>
+          <ac:spMkLst>
+            <pc:docMk/>
+            <pc:sldMk cId="2746130241" sldId="256"/>
+            <ac:spMk id="27" creationId="{04DC2037-48A0-4F22-B9D4-8EAEBC780AB4}"/>
+          </ac:spMkLst>
+        </pc:spChg>
+        <pc:spChg chg="add del">
+          <ac:chgData name="Arunabh Ghosh" userId="7064b204c6fa9c53" providerId="LiveId" clId="{C4DB1577-FF31-AC41-B4ED-71663BE73819}" dt="2018-07-18T14:31:51.304" v="2244" actId="26606"/>
+          <ac:spMkLst>
+            <pc:docMk/>
+            <pc:sldMk cId="2746130241" sldId="256"/>
+            <ac:spMk id="29" creationId="{0006CBFD-ADA0-43D1-9332-9C34CA1C76ED}"/>
+          </ac:spMkLst>
+        </pc:spChg>
+        <pc:spChg chg="add del">
+          <ac:chgData name="Arunabh Ghosh" userId="7064b204c6fa9c53" providerId="LiveId" clId="{C4DB1577-FF31-AC41-B4ED-71663BE73819}" dt="2018-07-18T14:31:51.304" v="2244" actId="26606"/>
+          <ac:spMkLst>
+            <pc:docMk/>
+            <pc:sldMk cId="2746130241" sldId="256"/>
+            <ac:spMk id="31" creationId="{2B931666-F28F-45F3-A074-66D2272D580B}"/>
+          </ac:spMkLst>
+        </pc:spChg>
+        <pc:spChg chg="add del">
+          <ac:chgData name="Arunabh Ghosh" userId="7064b204c6fa9c53" providerId="LiveId" clId="{C4DB1577-FF31-AC41-B4ED-71663BE73819}" dt="2018-07-18T14:31:30.804" v="2235" actId="26606"/>
+          <ac:spMkLst>
+            <pc:docMk/>
+            <pc:sldMk cId="2746130241" sldId="256"/>
+            <ac:spMk id="36" creationId="{D8386171-E87D-46AB-8718-4CE2A88748BD}"/>
+          </ac:spMkLst>
+        </pc:spChg>
+        <pc:spChg chg="add del">
+          <ac:chgData name="Arunabh Ghosh" userId="7064b204c6fa9c53" providerId="LiveId" clId="{C4DB1577-FF31-AC41-B4ED-71663BE73819}" dt="2018-07-18T14:31:30.804" v="2235" actId="26606"/>
+          <ac:spMkLst>
+            <pc:docMk/>
+            <pc:sldMk cId="2746130241" sldId="256"/>
+            <ac:spMk id="38" creationId="{207CB456-8849-413C-8210-B663779A32E0}"/>
+          </ac:spMkLst>
+        </pc:spChg>
+        <pc:spChg chg="add del">
+          <ac:chgData name="Arunabh Ghosh" userId="7064b204c6fa9c53" providerId="LiveId" clId="{C4DB1577-FF31-AC41-B4ED-71663BE73819}" dt="2018-07-18T14:31:30.804" v="2235" actId="26606"/>
+          <ac:spMkLst>
+            <pc:docMk/>
+            <pc:sldMk cId="2746130241" sldId="256"/>
+            <ac:spMk id="40" creationId="{E513936D-D1EB-4E42-A97F-942BA1F3DFA7}"/>
+          </ac:spMkLst>
+        </pc:spChg>
+        <pc:spChg chg="add del">
+          <ac:chgData name="Arunabh Ghosh" userId="7064b204c6fa9c53" providerId="LiveId" clId="{C4DB1577-FF31-AC41-B4ED-71663BE73819}" dt="2018-07-18T14:31:51.298" v="2243" actId="26606"/>
+          <ac:spMkLst>
+            <pc:docMk/>
+            <pc:sldMk cId="2746130241" sldId="256"/>
+            <ac:spMk id="41" creationId="{053FB2EE-284F-4C87-AB3D-BBF87A9FAB97}"/>
+          </ac:spMkLst>
+        </pc:spChg>
+        <pc:spChg chg="add del">
+          <ac:chgData name="Arunabh Ghosh" userId="7064b204c6fa9c53" providerId="LiveId" clId="{C4DB1577-FF31-AC41-B4ED-71663BE73819}" dt="2018-07-18T14:31:34.137" v="2237" actId="26606"/>
+          <ac:spMkLst>
+            <pc:docMk/>
+            <pc:sldMk cId="2746130241" sldId="256"/>
+            <ac:spMk id="42" creationId="{6F9EB9F2-07E2-4D64-BBD8-BB5B217F1218}"/>
+          </ac:spMkLst>
+        </pc:spChg>
+        <pc:spChg chg="add del">
+          <ac:chgData name="Arunabh Ghosh" userId="7064b204c6fa9c53" providerId="LiveId" clId="{C4DB1577-FF31-AC41-B4ED-71663BE73819}" dt="2018-07-18T14:31:48.663" v="2241" actId="26606"/>
+          <ac:spMkLst>
+            <pc:docMk/>
+            <pc:sldMk cId="2746130241" sldId="256"/>
+            <ac:spMk id="44" creationId="{AB84D7E8-4ECB-42D7-ADBF-01689B0F24AE}"/>
+          </ac:spMkLst>
+        </pc:spChg>
+        <pc:spChg chg="add del">
+          <ac:chgData name="Arunabh Ghosh" userId="7064b204c6fa9c53" providerId="LiveId" clId="{C4DB1577-FF31-AC41-B4ED-71663BE73819}" dt="2018-07-18T14:31:38.534" v="2239" actId="26606"/>
+          <ac:spMkLst>
+            <pc:docMk/>
+            <pc:sldMk cId="2746130241" sldId="256"/>
+            <ac:spMk id="45" creationId="{A495F8E3-5243-4F02-AC53-F05721B35358}"/>
+          </ac:spMkLst>
+        </pc:spChg>
+        <pc:spChg chg="add del">
+          <ac:chgData name="Arunabh Ghosh" userId="7064b204c6fa9c53" providerId="LiveId" clId="{C4DB1577-FF31-AC41-B4ED-71663BE73819}" dt="2018-07-18T14:31:48.663" v="2241" actId="26606"/>
+          <ac:spMkLst>
+            <pc:docMk/>
+            <pc:sldMk cId="2746130241" sldId="256"/>
+            <ac:spMk id="49" creationId="{559AE206-7EBA-4D33-8BC9-9D8158553F0E}"/>
+          </ac:spMkLst>
+        </pc:spChg>
+        <pc:spChg chg="add del">
+          <ac:chgData name="Arunabh Ghosh" userId="7064b204c6fa9c53" providerId="LiveId" clId="{C4DB1577-FF31-AC41-B4ED-71663BE73819}" dt="2018-07-18T14:31:48.663" v="2241" actId="26606"/>
+          <ac:spMkLst>
+            <pc:docMk/>
+            <pc:sldMk cId="2746130241" sldId="256"/>
+            <ac:spMk id="50" creationId="{6437D937-A7F1-4011-92B4-328E5BE1B166}"/>
+          </ac:spMkLst>
+        </pc:spChg>
+        <pc:spChg chg="add del">
+          <ac:chgData name="Arunabh Ghosh" userId="7064b204c6fa9c53" providerId="LiveId" clId="{C4DB1577-FF31-AC41-B4ED-71663BE73819}" dt="2018-07-18T14:31:48.663" v="2241" actId="26606"/>
+          <ac:spMkLst>
+            <pc:docMk/>
+            <pc:sldMk cId="2746130241" sldId="256"/>
+            <ac:spMk id="51" creationId="{B672F332-AF08-46C6-94F0-77684310D7B7}"/>
+          </ac:spMkLst>
+        </pc:spChg>
+        <pc:spChg chg="add del">
+          <ac:chgData name="Arunabh Ghosh" userId="7064b204c6fa9c53" providerId="LiveId" clId="{C4DB1577-FF31-AC41-B4ED-71663BE73819}" dt="2018-07-18T14:31:48.663" v="2241" actId="26606"/>
+          <ac:spMkLst>
+            <pc:docMk/>
+            <pc:sldMk cId="2746130241" sldId="256"/>
+            <ac:spMk id="52" creationId="{34244EF8-D73A-40E1-BE73-D46E6B4B04ED}"/>
+          </ac:spMkLst>
+        </pc:spChg>
+        <pc:spChg chg="add del">
+          <ac:chgData name="Arunabh Ghosh" userId="7064b204c6fa9c53" providerId="LiveId" clId="{C4DB1577-FF31-AC41-B4ED-71663BE73819}" dt="2018-07-18T14:32:21.324" v="2256" actId="26606"/>
+          <ac:spMkLst>
+            <pc:docMk/>
+            <pc:sldMk cId="2746130241" sldId="256"/>
+            <ac:spMk id="58" creationId="{C66F2F30-5DC0-44A0-BFA6-E12F46ED16DA}"/>
+          </ac:spMkLst>
+        </pc:spChg>
+        <pc:spChg chg="add del">
+          <ac:chgData name="Arunabh Ghosh" userId="7064b204c6fa9c53" providerId="LiveId" clId="{C4DB1577-FF31-AC41-B4ED-71663BE73819}" dt="2018-07-18T14:32:21.324" v="2256" actId="26606"/>
+          <ac:spMkLst>
+            <pc:docMk/>
+            <pc:sldMk cId="2746130241" sldId="256"/>
+            <ac:spMk id="59" creationId="{85872F57-7F42-4F97-8391-DDC8D0054C03}"/>
+          </ac:spMkLst>
+        </pc:spChg>
+        <pc:spChg chg="add del">
+          <ac:chgData name="Arunabh Ghosh" userId="7064b204c6fa9c53" providerId="LiveId" clId="{C4DB1577-FF31-AC41-B4ED-71663BE73819}" dt="2018-07-18T14:32:21.324" v="2256" actId="26606"/>
+          <ac:spMkLst>
+            <pc:docMk/>
+            <pc:sldMk cId="2746130241" sldId="256"/>
+            <ac:spMk id="60" creationId="{04DC2037-48A0-4F22-B9D4-8EAEBC780AB4}"/>
+          </ac:spMkLst>
+        </pc:spChg>
+        <pc:spChg chg="add del">
+          <ac:chgData name="Arunabh Ghosh" userId="7064b204c6fa9c53" providerId="LiveId" clId="{C4DB1577-FF31-AC41-B4ED-71663BE73819}" dt="2018-07-18T14:32:21.324" v="2256" actId="26606"/>
+          <ac:spMkLst>
+            <pc:docMk/>
+            <pc:sldMk cId="2746130241" sldId="256"/>
+            <ac:spMk id="61" creationId="{0006CBFD-ADA0-43D1-9332-9C34CA1C76ED}"/>
+          </ac:spMkLst>
+        </pc:spChg>
+        <pc:spChg chg="add del">
+          <ac:chgData name="Arunabh Ghosh" userId="7064b204c6fa9c53" providerId="LiveId" clId="{C4DB1577-FF31-AC41-B4ED-71663BE73819}" dt="2018-07-18T14:32:21.324" v="2256" actId="26606"/>
+          <ac:spMkLst>
+            <pc:docMk/>
+            <pc:sldMk cId="2746130241" sldId="256"/>
+            <ac:spMk id="62" creationId="{2B931666-F28F-45F3-A074-66D2272D580B}"/>
+          </ac:spMkLst>
+        </pc:spChg>
+        <pc:spChg chg="add del">
+          <ac:chgData name="Arunabh Ghosh" userId="7064b204c6fa9c53" providerId="LiveId" clId="{C4DB1577-FF31-AC41-B4ED-71663BE73819}" dt="2018-07-18T14:32:57.470" v="2260" actId="26606"/>
+          <ac:spMkLst>
+            <pc:docMk/>
+            <pc:sldMk cId="2746130241" sldId="256"/>
+            <ac:spMk id="67" creationId="{559AE206-7EBA-4D33-8BC9-9D8158553F0E}"/>
+          </ac:spMkLst>
+        </pc:spChg>
+        <pc:spChg chg="add del">
+          <ac:chgData name="Arunabh Ghosh" userId="7064b204c6fa9c53" providerId="LiveId" clId="{C4DB1577-FF31-AC41-B4ED-71663BE73819}" dt="2018-07-18T14:32:57.470" v="2260" actId="26606"/>
+          <ac:spMkLst>
+            <pc:docMk/>
+            <pc:sldMk cId="2746130241" sldId="256"/>
+            <ac:spMk id="69" creationId="{6437D937-A7F1-4011-92B4-328E5BE1B166}"/>
+          </ac:spMkLst>
+        </pc:spChg>
+        <pc:spChg chg="add del">
+          <ac:chgData name="Arunabh Ghosh" userId="7064b204c6fa9c53" providerId="LiveId" clId="{C4DB1577-FF31-AC41-B4ED-71663BE73819}" dt="2018-07-18T14:32:57.470" v="2260" actId="26606"/>
+          <ac:spMkLst>
+            <pc:docMk/>
+            <pc:sldMk cId="2746130241" sldId="256"/>
+            <ac:spMk id="71" creationId="{B672F332-AF08-46C6-94F0-77684310D7B7}"/>
+          </ac:spMkLst>
+        </pc:spChg>
+        <pc:spChg chg="add del">
+          <ac:chgData name="Arunabh Ghosh" userId="7064b204c6fa9c53" providerId="LiveId" clId="{C4DB1577-FF31-AC41-B4ED-71663BE73819}" dt="2018-07-18T14:32:57.470" v="2260" actId="26606"/>
+          <ac:spMkLst>
+            <pc:docMk/>
+            <pc:sldMk cId="2746130241" sldId="256"/>
+            <ac:spMk id="73" creationId="{34244EF8-D73A-40E1-BE73-D46E6B4B04ED}"/>
+          </ac:spMkLst>
+        </pc:spChg>
+        <pc:spChg chg="add del">
+          <ac:chgData name="Arunabh Ghosh" userId="7064b204c6fa9c53" providerId="LiveId" clId="{C4DB1577-FF31-AC41-B4ED-71663BE73819}" dt="2018-07-18T14:32:57.470" v="2260" actId="26606"/>
+          <ac:spMkLst>
+            <pc:docMk/>
+            <pc:sldMk cId="2746130241" sldId="256"/>
+            <ac:spMk id="75" creationId="{AB84D7E8-4ECB-42D7-ADBF-01689B0F24AE}"/>
+          </ac:spMkLst>
+        </pc:spChg>
+        <pc:spChg chg="add del">
+          <ac:chgData name="Arunabh Ghosh" userId="7064b204c6fa9c53" providerId="LiveId" clId="{C4DB1577-FF31-AC41-B4ED-71663BE73819}" dt="2018-07-18T14:32:44.582" v="2258" actId="26606"/>
+          <ac:spMkLst>
+            <pc:docMk/>
+            <pc:sldMk cId="2746130241" sldId="256"/>
+            <ac:spMk id="82" creationId="{6F9EB9F2-07E2-4D64-BBD8-BB5B217F1218}"/>
+          </ac:spMkLst>
+        </pc:spChg>
+        <pc:spChg chg="add del">
+          <ac:chgData name="Arunabh Ghosh" userId="7064b204c6fa9c53" providerId="LiveId" clId="{C4DB1577-FF31-AC41-B4ED-71663BE73819}" dt="2018-07-18T14:32:57.470" v="2260" actId="26606"/>
+          <ac:spMkLst>
+            <pc:docMk/>
+            <pc:sldMk cId="2746130241" sldId="256"/>
+            <ac:spMk id="86" creationId="{817B5381-FFCA-4325-8FBB-B1481666A08E}"/>
+          </ac:spMkLst>
+        </pc:spChg>
+        <pc:spChg chg="add del">
+          <ac:chgData name="Arunabh Ghosh" userId="7064b204c6fa9c53" providerId="LiveId" clId="{C4DB1577-FF31-AC41-B4ED-71663BE73819}" dt="2018-07-18T14:32:57.470" v="2260" actId="26606"/>
+          <ac:spMkLst>
+            <pc:docMk/>
+            <pc:sldMk cId="2746130241" sldId="256"/>
+            <ac:spMk id="87" creationId="{0AA8F84D-BF31-4985-9EAF-99870D11240C}"/>
+          </ac:spMkLst>
+        </pc:spChg>
+        <pc:grpChg chg="add del">
+          <ac:chgData name="Arunabh Ghosh" userId="7064b204c6fa9c53" providerId="LiveId" clId="{C4DB1577-FF31-AC41-B4ED-71663BE73819}" dt="2018-07-18T14:31:38.534" v="2239" actId="26606"/>
+          <ac:grpSpMkLst>
+            <pc:docMk/>
+            <pc:sldMk cId="2746130241" sldId="256"/>
+            <ac:grpSpMk id="46" creationId="{EF79D782-A9ED-4AEE-B67D-DDD6F1CB5260}"/>
+          </ac:grpSpMkLst>
+        </pc:grpChg>
+        <pc:grpChg chg="add del">
+          <ac:chgData name="Arunabh Ghosh" userId="7064b204c6fa9c53" providerId="LiveId" clId="{C4DB1577-FF31-AC41-B4ED-71663BE73819}" dt="2018-07-18T14:31:51.298" v="2243" actId="26606"/>
+          <ac:grpSpMkLst>
+            <pc:docMk/>
+            <pc:sldMk cId="2746130241" sldId="256"/>
+            <ac:grpSpMk id="55" creationId="{D2C4BFA1-2075-4901-9E24-E41D1FDD51FD}"/>
+          </ac:grpSpMkLst>
+        </pc:grpChg>
+        <pc:cxnChg chg="add del">
+          <ac:chgData name="Arunabh Ghosh" userId="7064b204c6fa9c53" providerId="LiveId" clId="{C4DB1577-FF31-AC41-B4ED-71663BE73819}" dt="2018-07-18T14:31:11.970" v="2233" actId="26606"/>
           <ac:cxnSpMkLst>
             <pc:docMk/>
             <pc:sldMk cId="2746130241" sldId="256"/>
             <ac:cxnSpMk id="18" creationId="{9E8E38ED-369A-44C2-B635-0BED0E48A6E8}"/>
           </ac:cxnSpMkLst>
         </pc:cxnChg>
+        <pc:cxnChg chg="add del">
+          <ac:chgData name="Arunabh Ghosh" userId="7064b204c6fa9c53" providerId="LiveId" clId="{C4DB1577-FF31-AC41-B4ED-71663BE73819}" dt="2018-07-18T14:31:34.137" v="2237" actId="26606"/>
+          <ac:cxnSpMkLst>
+            <pc:docMk/>
+            <pc:sldMk cId="2746130241" sldId="256"/>
+            <ac:cxnSpMk id="43" creationId="{F0C57C7C-DFE9-4A1E-B7A9-DF40E63366BB}"/>
+          </ac:cxnSpMkLst>
+        </pc:cxnChg>
+        <pc:cxnChg chg="add del">
+          <ac:chgData name="Arunabh Ghosh" userId="7064b204c6fa9c53" providerId="LiveId" clId="{C4DB1577-FF31-AC41-B4ED-71663BE73819}" dt="2018-07-18T14:31:48.663" v="2241" actId="26606"/>
+          <ac:cxnSpMkLst>
+            <pc:docMk/>
+            <pc:sldMk cId="2746130241" sldId="256"/>
+            <ac:cxnSpMk id="53" creationId="{9E8E38ED-369A-44C2-B635-0BED0E48A6E8}"/>
+          </ac:cxnSpMkLst>
+        </pc:cxnChg>
+        <pc:cxnChg chg="add del">
+          <ac:chgData name="Arunabh Ghosh" userId="7064b204c6fa9c53" providerId="LiveId" clId="{C4DB1577-FF31-AC41-B4ED-71663BE73819}" dt="2018-07-18T14:32:57.470" v="2260" actId="26606"/>
+          <ac:cxnSpMkLst>
+            <pc:docMk/>
+            <pc:sldMk cId="2746130241" sldId="256"/>
+            <ac:cxnSpMk id="77" creationId="{9E8E38ED-369A-44C2-B635-0BED0E48A6E8}"/>
+          </ac:cxnSpMkLst>
+        </pc:cxnChg>
+        <pc:cxnChg chg="add del">
+          <ac:chgData name="Arunabh Ghosh" userId="7064b204c6fa9c53" providerId="LiveId" clId="{C4DB1577-FF31-AC41-B4ED-71663BE73819}" dt="2018-07-18T14:32:44.582" v="2258" actId="26606"/>
+          <ac:cxnSpMkLst>
+            <pc:docMk/>
+            <pc:sldMk cId="2746130241" sldId="256"/>
+            <ac:cxnSpMk id="84" creationId="{F0C57C7C-DFE9-4A1E-B7A9-DF40E63366BB}"/>
+          </ac:cxnSpMkLst>
+        </pc:cxnChg>
+        <pc:cxnChg chg="add del">
+          <ac:chgData name="Arunabh Ghosh" userId="7064b204c6fa9c53" providerId="LiveId" clId="{C4DB1577-FF31-AC41-B4ED-71663BE73819}" dt="2018-07-18T14:32:57.470" v="2260" actId="26606"/>
+          <ac:cxnSpMkLst>
+            <pc:docMk/>
+            <pc:sldMk cId="2746130241" sldId="256"/>
+            <ac:cxnSpMk id="88" creationId="{BCD0BBC1-A7D4-445D-98AC-95A6A45D8EBB}"/>
+          </ac:cxnSpMkLst>
+        </pc:cxnChg>
       </pc:sldChg>
       <pc:sldChg chg="addSp delSp modSp mod setBg setClrOvrMap">
-        <pc:chgData name="Arunabh Ghosh" userId="7064b204c6fa9c53" providerId="LiveId" clId="{C4DB1577-FF31-AC41-B4ED-71663BE73819}" dt="2018-07-18T12:57:13.388" v="725" actId="26606"/>
+        <pc:chgData name="Arunabh Ghosh" userId="7064b204c6fa9c53" providerId="LiveId" clId="{C4DB1577-FF31-AC41-B4ED-71663BE73819}" dt="2018-07-18T14:34:17.817" v="2265" actId="26606"/>
         <pc:sldMkLst>
           <pc:docMk/>
           <pc:sldMk cId="3761794938" sldId="257"/>
         </pc:sldMkLst>
         <pc:spChg chg="mod">
-          <ac:chgData name="Arunabh Ghosh" userId="7064b204c6fa9c53" providerId="LiveId" clId="{C4DB1577-FF31-AC41-B4ED-71663BE73819}" dt="2018-07-18T12:57:13.388" v="725" actId="26606"/>
+          <ac:chgData name="Arunabh Ghosh" userId="7064b204c6fa9c53" providerId="LiveId" clId="{C4DB1577-FF31-AC41-B4ED-71663BE73819}" dt="2018-07-18T14:34:17.817" v="2265" actId="26606"/>
           <ac:spMkLst>
             <pc:docMk/>
             <pc:sldMk cId="3761794938" sldId="257"/>
@@ -217,7 +517,7 @@
           </ac:spMkLst>
         </pc:spChg>
         <pc:spChg chg="mod">
-          <ac:chgData name="Arunabh Ghosh" userId="7064b204c6fa9c53" providerId="LiveId" clId="{C4DB1577-FF31-AC41-B4ED-71663BE73819}" dt="2018-07-18T12:57:13.388" v="725" actId="26606"/>
+          <ac:chgData name="Arunabh Ghosh" userId="7064b204c6fa9c53" providerId="LiveId" clId="{C4DB1577-FF31-AC41-B4ED-71663BE73819}" dt="2018-07-18T14:34:17.817" v="2265" actId="26606"/>
           <ac:spMkLst>
             <pc:docMk/>
             <pc:sldMk cId="3761794938" sldId="257"/>
@@ -233,6 +533,22 @@
           </ac:spMkLst>
         </pc:spChg>
         <pc:spChg chg="add del">
+          <ac:chgData name="Arunabh Ghosh" userId="7064b204c6fa9c53" providerId="LiveId" clId="{C4DB1577-FF31-AC41-B4ED-71663BE73819}" dt="2018-07-18T14:28:03.458" v="2184" actId="26606"/>
+          <ac:spMkLst>
+            <pc:docMk/>
+            <pc:sldMk cId="3761794938" sldId="257"/>
+            <ac:spMk id="5" creationId="{E4F9F79B-A093-478E-96B5-EE02BC93A858}"/>
+          </ac:spMkLst>
+        </pc:spChg>
+        <pc:spChg chg="add del">
+          <ac:chgData name="Arunabh Ghosh" userId="7064b204c6fa9c53" providerId="LiveId" clId="{C4DB1577-FF31-AC41-B4ED-71663BE73819}" dt="2018-07-18T14:28:03.458" v="2184" actId="26606"/>
+          <ac:spMkLst>
+            <pc:docMk/>
+            <pc:sldMk cId="3761794938" sldId="257"/>
+            <ac:spMk id="6" creationId="{11394CD8-BD30-4B74-86F4-51FDF3383419}"/>
+          </ac:spMkLst>
+        </pc:spChg>
+        <pc:spChg chg="add del">
           <ac:chgData name="Arunabh Ghosh" userId="7064b204c6fa9c53" providerId="LiveId" clId="{C4DB1577-FF31-AC41-B4ED-71663BE73819}" dt="2018-07-18T12:52:39.545" v="700" actId="26606"/>
           <ac:spMkLst>
             <pc:docMk/>
@@ -241,6 +557,14 @@
           </ac:spMkLst>
         </pc:spChg>
         <pc:spChg chg="add del">
+          <ac:chgData name="Arunabh Ghosh" userId="7064b204c6fa9c53" providerId="LiveId" clId="{C4DB1577-FF31-AC41-B4ED-71663BE73819}" dt="2018-07-18T14:28:03.458" v="2184" actId="26606"/>
+          <ac:spMkLst>
+            <pc:docMk/>
+            <pc:sldMk cId="3761794938" sldId="257"/>
+            <ac:spMk id="11" creationId="{F7194F93-1F71-4A70-9DF1-28F183771111}"/>
+          </ac:spMkLst>
+        </pc:spChg>
+        <pc:spChg chg="add del">
           <ac:chgData name="Arunabh Ghosh" userId="7064b204c6fa9c53" providerId="LiveId" clId="{C4DB1577-FF31-AC41-B4ED-71663BE73819}" dt="2018-07-18T12:52:41.546" v="702" actId="26606"/>
           <ac:spMkLst>
             <pc:docMk/>
@@ -281,6 +605,14 @@
           </ac:spMkLst>
         </pc:spChg>
         <pc:spChg chg="add del">
+          <ac:chgData name="Arunabh Ghosh" userId="7064b204c6fa9c53" providerId="LiveId" clId="{C4DB1577-FF31-AC41-B4ED-71663BE73819}" dt="2018-07-18T14:28:03.458" v="2184" actId="26606"/>
+          <ac:spMkLst>
+            <pc:docMk/>
+            <pc:sldMk cId="3761794938" sldId="257"/>
+            <ac:spMk id="18" creationId="{9BBC0C84-DC2A-43AE-9576-0A44295E8B9C}"/>
+          </ac:spMkLst>
+        </pc:spChg>
+        <pc:spChg chg="add del">
           <ac:chgData name="Arunabh Ghosh" userId="7064b204c6fa9c53" providerId="LiveId" clId="{C4DB1577-FF31-AC41-B4ED-71663BE73819}" dt="2018-07-18T12:52:47.781" v="706" actId="26606"/>
           <ac:spMkLst>
             <pc:docMk/>
@@ -297,6 +629,14 @@
           </ac:spMkLst>
         </pc:spChg>
         <pc:spChg chg="add del">
+          <ac:chgData name="Arunabh Ghosh" userId="7064b204c6fa9c53" providerId="LiveId" clId="{C4DB1577-FF31-AC41-B4ED-71663BE73819}" dt="2018-07-18T14:28:05.313" v="2186" actId="26606"/>
+          <ac:spMkLst>
+            <pc:docMk/>
+            <pc:sldMk cId="3761794938" sldId="257"/>
+            <ac:spMk id="21" creationId="{D4C3103B-AE2E-41DA-8805-65F1A948FD5A}"/>
+          </ac:spMkLst>
+        </pc:spChg>
+        <pc:spChg chg="add del">
           <ac:chgData name="Arunabh Ghosh" userId="7064b204c6fa9c53" providerId="LiveId" clId="{C4DB1577-FF31-AC41-B4ED-71663BE73819}" dt="2018-07-18T12:52:49.845" v="708" actId="26606"/>
           <ac:spMkLst>
             <pc:docMk/>
@@ -305,6 +645,14 @@
           </ac:spMkLst>
         </pc:spChg>
         <pc:spChg chg="add del">
+          <ac:chgData name="Arunabh Ghosh" userId="7064b204c6fa9c53" providerId="LiveId" clId="{C4DB1577-FF31-AC41-B4ED-71663BE73819}" dt="2018-07-18T14:28:05.313" v="2186" actId="26606"/>
+          <ac:spMkLst>
+            <pc:docMk/>
+            <pc:sldMk cId="3761794938" sldId="257"/>
+            <ac:spMk id="24" creationId="{E3BC0C31-69A7-4200-9AFE-927230E1E04C}"/>
+          </ac:spMkLst>
+        </pc:spChg>
+        <pc:spChg chg="add del">
           <ac:chgData name="Arunabh Ghosh" userId="7064b204c6fa9c53" providerId="LiveId" clId="{C4DB1577-FF31-AC41-B4ED-71663BE73819}" dt="2018-07-18T12:52:49.845" v="708" actId="26606"/>
           <ac:spMkLst>
             <pc:docMk/>
@@ -313,6 +661,14 @@
           </ac:spMkLst>
         </pc:spChg>
         <pc:spChg chg="add del">
+          <ac:chgData name="Arunabh Ghosh" userId="7064b204c6fa9c53" providerId="LiveId" clId="{C4DB1577-FF31-AC41-B4ED-71663BE73819}" dt="2018-07-18T14:28:05.313" v="2186" actId="26606"/>
+          <ac:spMkLst>
+            <pc:docMk/>
+            <pc:sldMk cId="3761794938" sldId="257"/>
+            <ac:spMk id="27" creationId="{CB1340FC-C4E2-4CD5-9BCA-7A022E8B4989}"/>
+          </ac:spMkLst>
+        </pc:spChg>
+        <pc:spChg chg="add del">
           <ac:chgData name="Arunabh Ghosh" userId="7064b204c6fa9c53" providerId="LiveId" clId="{C4DB1577-FF31-AC41-B4ED-71663BE73819}" dt="2018-07-18T12:52:55.721" v="710" actId="26606"/>
           <ac:spMkLst>
             <pc:docMk/>
@@ -321,6 +677,14 @@
           </ac:spMkLst>
         </pc:spChg>
         <pc:spChg chg="add del">
+          <ac:chgData name="Arunabh Ghosh" userId="7064b204c6fa9c53" providerId="LiveId" clId="{C4DB1577-FF31-AC41-B4ED-71663BE73819}" dt="2018-07-18T14:28:07.410" v="2188" actId="26606"/>
+          <ac:spMkLst>
+            <pc:docMk/>
+            <pc:sldMk cId="3761794938" sldId="257"/>
+            <ac:spMk id="30" creationId="{F98ED85F-DCEE-4B50-802E-71A6E3E12B04}"/>
+          </ac:spMkLst>
+        </pc:spChg>
+        <pc:spChg chg="add del">
           <ac:chgData name="Arunabh Ghosh" userId="7064b204c6fa9c53" providerId="LiveId" clId="{C4DB1577-FF31-AC41-B4ED-71663BE73819}" dt="2018-07-18T12:56:28.341" v="712" actId="26606"/>
           <ac:spMkLst>
             <pc:docMk/>
@@ -329,6 +693,14 @@
           </ac:spMkLst>
         </pc:spChg>
         <pc:spChg chg="add del">
+          <ac:chgData name="Arunabh Ghosh" userId="7064b204c6fa9c53" providerId="LiveId" clId="{C4DB1577-FF31-AC41-B4ED-71663BE73819}" dt="2018-07-18T14:29:14.704" v="2194" actId="26606"/>
+          <ac:spMkLst>
+            <pc:docMk/>
+            <pc:sldMk cId="3761794938" sldId="257"/>
+            <ac:spMk id="33" creationId="{E4F9F79B-A093-478E-96B5-EE02BC93A858}"/>
+          </ac:spMkLst>
+        </pc:spChg>
+        <pc:spChg chg="add del">
           <ac:chgData name="Arunabh Ghosh" userId="7064b204c6fa9c53" providerId="LiveId" clId="{C4DB1577-FF31-AC41-B4ED-71663BE73819}" dt="2018-07-18T12:57:13.388" v="725" actId="26606"/>
           <ac:spMkLst>
             <pc:docMk/>
@@ -350,6 +722,46 @@
             <pc:docMk/>
             <pc:sldMk cId="3761794938" sldId="257"/>
             <ac:spMk id="37" creationId="{F7194F93-1F71-4A70-9DF1-28F183771111}"/>
+          </ac:spMkLst>
+        </pc:spChg>
+        <pc:spChg chg="add del">
+          <ac:chgData name="Arunabh Ghosh" userId="7064b204c6fa9c53" providerId="LiveId" clId="{C4DB1577-FF31-AC41-B4ED-71663BE73819}" dt="2018-07-18T14:29:14.704" v="2194" actId="26606"/>
+          <ac:spMkLst>
+            <pc:docMk/>
+            <pc:sldMk cId="3761794938" sldId="257"/>
+            <ac:spMk id="38" creationId="{11394CD8-BD30-4B74-86F4-51FDF3383419}"/>
+          </ac:spMkLst>
+        </pc:spChg>
+        <pc:spChg chg="add del">
+          <ac:chgData name="Arunabh Ghosh" userId="7064b204c6fa9c53" providerId="LiveId" clId="{C4DB1577-FF31-AC41-B4ED-71663BE73819}" dt="2018-07-18T14:29:14.704" v="2194" actId="26606"/>
+          <ac:spMkLst>
+            <pc:docMk/>
+            <pc:sldMk cId="3761794938" sldId="257"/>
+            <ac:spMk id="40" creationId="{F7194F93-1F71-4A70-9DF1-28F183771111}"/>
+          </ac:spMkLst>
+        </pc:spChg>
+        <pc:spChg chg="add del">
+          <ac:chgData name="Arunabh Ghosh" userId="7064b204c6fa9c53" providerId="LiveId" clId="{C4DB1577-FF31-AC41-B4ED-71663BE73819}" dt="2018-07-18T14:29:14.704" v="2194" actId="26606"/>
+          <ac:spMkLst>
+            <pc:docMk/>
+            <pc:sldMk cId="3761794938" sldId="257"/>
+            <ac:spMk id="41" creationId="{9BBC0C84-DC2A-43AE-9576-0A44295E8B9C}"/>
+          </ac:spMkLst>
+        </pc:spChg>
+        <pc:spChg chg="add del">
+          <ac:chgData name="Arunabh Ghosh" userId="7064b204c6fa9c53" providerId="LiveId" clId="{C4DB1577-FF31-AC41-B4ED-71663BE73819}" dt="2018-07-18T14:34:17.817" v="2265" actId="26606"/>
+          <ac:spMkLst>
+            <pc:docMk/>
+            <pc:sldMk cId="3761794938" sldId="257"/>
+            <ac:spMk id="42" creationId="{8D70B121-56F4-4848-B38B-182089D909FA}"/>
+          </ac:spMkLst>
+        </pc:spChg>
+        <pc:spChg chg="add del">
+          <ac:chgData name="Arunabh Ghosh" userId="7064b204c6fa9c53" providerId="LiveId" clId="{C4DB1577-FF31-AC41-B4ED-71663BE73819}" dt="2018-07-18T14:29:10.689" v="2192" actId="26606"/>
+          <ac:spMkLst>
+            <pc:docMk/>
+            <pc:sldMk cId="3761794938" sldId="257"/>
+            <ac:spMk id="46" creationId="{8D70B121-56F4-4848-B38B-182089D909FA}"/>
           </ac:spMkLst>
         </pc:spChg>
         <pc:grpChg chg="add del">
@@ -369,6 +781,14 @@
           </ac:picMkLst>
         </pc:picChg>
         <pc:cxnChg chg="add del">
+          <ac:chgData name="Arunabh Ghosh" userId="7064b204c6fa9c53" providerId="LiveId" clId="{C4DB1577-FF31-AC41-B4ED-71663BE73819}" dt="2018-07-18T14:28:03.458" v="2184" actId="26606"/>
+          <ac:cxnSpMkLst>
+            <pc:docMk/>
+            <pc:sldMk cId="3761794938" sldId="257"/>
+            <ac:cxnSpMk id="9" creationId="{D4C22394-EBC2-4FAF-A555-6C02D589EED7}"/>
+          </ac:cxnSpMkLst>
+        </pc:cxnChg>
+        <pc:cxnChg chg="add del">
           <ac:chgData name="Arunabh Ghosh" userId="7064b204c6fa9c53" providerId="LiveId" clId="{C4DB1577-FF31-AC41-B4ED-71663BE73819}" dt="2018-07-18T12:52:39.545" v="700" actId="26606"/>
           <ac:cxnSpMkLst>
             <pc:docMk/>
@@ -385,6 +805,14 @@
           </ac:cxnSpMkLst>
         </pc:cxnChg>
         <pc:cxnChg chg="add del">
+          <ac:chgData name="Arunabh Ghosh" userId="7064b204c6fa9c53" providerId="LiveId" clId="{C4DB1577-FF31-AC41-B4ED-71663BE73819}" dt="2018-07-18T14:28:05.313" v="2186" actId="26606"/>
+          <ac:cxnSpMkLst>
+            <pc:docMk/>
+            <pc:sldMk cId="3761794938" sldId="257"/>
+            <ac:cxnSpMk id="25" creationId="{45B5AFC7-2F07-4F7B-9151-E45D7548D8F3}"/>
+          </ac:cxnSpMkLst>
+        </pc:cxnChg>
+        <pc:cxnChg chg="add del">
           <ac:chgData name="Arunabh Ghosh" userId="7064b204c6fa9c53" providerId="LiveId" clId="{C4DB1577-FF31-AC41-B4ED-71663BE73819}" dt="2018-07-18T12:52:55.721" v="710" actId="26606"/>
           <ac:cxnSpMkLst>
             <pc:docMk/>
@@ -408,15 +836,39 @@
             <ac:cxnSpMk id="36" creationId="{D4C22394-EBC2-4FAF-A555-6C02D589EED7}"/>
           </ac:cxnSpMkLst>
         </pc:cxnChg>
+        <pc:cxnChg chg="add del">
+          <ac:chgData name="Arunabh Ghosh" userId="7064b204c6fa9c53" providerId="LiveId" clId="{C4DB1577-FF31-AC41-B4ED-71663BE73819}" dt="2018-07-18T14:29:14.704" v="2194" actId="26606"/>
+          <ac:cxnSpMkLst>
+            <pc:docMk/>
+            <pc:sldMk cId="3761794938" sldId="257"/>
+            <ac:cxnSpMk id="39" creationId="{D4C22394-EBC2-4FAF-A555-6C02D589EED7}"/>
+          </ac:cxnSpMkLst>
+        </pc:cxnChg>
+        <pc:cxnChg chg="add del">
+          <ac:chgData name="Arunabh Ghosh" userId="7064b204c6fa9c53" providerId="LiveId" clId="{C4DB1577-FF31-AC41-B4ED-71663BE73819}" dt="2018-07-18T14:34:17.817" v="2265" actId="26606"/>
+          <ac:cxnSpMkLst>
+            <pc:docMk/>
+            <pc:sldMk cId="3761794938" sldId="257"/>
+            <ac:cxnSpMk id="43" creationId="{2D72A2C9-F3CA-4216-8BAD-FA4C970C3C4E}"/>
+          </ac:cxnSpMkLst>
+        </pc:cxnChg>
+        <pc:cxnChg chg="add del">
+          <ac:chgData name="Arunabh Ghosh" userId="7064b204c6fa9c53" providerId="LiveId" clId="{C4DB1577-FF31-AC41-B4ED-71663BE73819}" dt="2018-07-18T14:29:10.689" v="2192" actId="26606"/>
+          <ac:cxnSpMkLst>
+            <pc:docMk/>
+            <pc:sldMk cId="3761794938" sldId="257"/>
+            <ac:cxnSpMk id="48" creationId="{2D72A2C9-F3CA-4216-8BAD-FA4C970C3C4E}"/>
+          </ac:cxnSpMkLst>
+        </pc:cxnChg>
       </pc:sldChg>
-      <pc:sldChg chg="modSp add">
-        <pc:chgData name="Arunabh Ghosh" userId="7064b204c6fa9c53" providerId="LiveId" clId="{C4DB1577-FF31-AC41-B4ED-71663BE73819}" dt="2018-07-18T13:03:45.577" v="869" actId="20577"/>
+      <pc:sldChg chg="addSp delSp modSp add mod setBg setClrOvrMap">
+        <pc:chgData name="Arunabh Ghosh" userId="7064b204c6fa9c53" providerId="LiveId" clId="{C4DB1577-FF31-AC41-B4ED-71663BE73819}" dt="2018-07-18T14:32:15.867" v="2255"/>
         <pc:sldMkLst>
           <pc:docMk/>
           <pc:sldMk cId="563647453" sldId="258"/>
         </pc:sldMkLst>
         <pc:spChg chg="mod">
-          <ac:chgData name="Arunabh Ghosh" userId="7064b204c6fa9c53" providerId="LiveId" clId="{C4DB1577-FF31-AC41-B4ED-71663BE73819}" dt="2018-07-18T12:57:31.162" v="748" actId="20577"/>
+          <ac:chgData name="Arunabh Ghosh" userId="7064b204c6fa9c53" providerId="LiveId" clId="{C4DB1577-FF31-AC41-B4ED-71663BE73819}" dt="2018-07-18T14:30:52.234" v="2229" actId="26606"/>
           <ac:spMkLst>
             <pc:docMk/>
             <pc:sldMk cId="563647453" sldId="258"/>
@@ -424,17 +876,1391 @@
           </ac:spMkLst>
         </pc:spChg>
         <pc:spChg chg="mod">
-          <ac:chgData name="Arunabh Ghosh" userId="7064b204c6fa9c53" providerId="LiveId" clId="{C4DB1577-FF31-AC41-B4ED-71663BE73819}" dt="2018-07-18T13:03:45.577" v="869" actId="20577"/>
+          <ac:chgData name="Arunabh Ghosh" userId="7064b204c6fa9c53" providerId="LiveId" clId="{C4DB1577-FF31-AC41-B4ED-71663BE73819}" dt="2018-07-18T14:32:15.867" v="2255"/>
           <ac:spMkLst>
             <pc:docMk/>
             <pc:sldMk cId="563647453" sldId="258"/>
             <ac:spMk id="3" creationId="{39FAFE36-329D-0246-ADCF-CC2C14558D51}"/>
           </ac:spMkLst>
         </pc:spChg>
+        <pc:spChg chg="add del">
+          <ac:chgData name="Arunabh Ghosh" userId="7064b204c6fa9c53" providerId="LiveId" clId="{C4DB1577-FF31-AC41-B4ED-71663BE73819}" dt="2018-07-18T14:30:40.589" v="2221" actId="26606"/>
+          <ac:spMkLst>
+            <pc:docMk/>
+            <pc:sldMk cId="563647453" sldId="258"/>
+            <ac:spMk id="5" creationId="{EA67B5B4-3A24-436E-B663-1B2EBFF8A0CD}"/>
+          </ac:spMkLst>
+        </pc:spChg>
+        <pc:spChg chg="add del">
+          <ac:chgData name="Arunabh Ghosh" userId="7064b204c6fa9c53" providerId="LiveId" clId="{C4DB1577-FF31-AC41-B4ED-71663BE73819}" dt="2018-07-18T14:30:40.589" v="2221" actId="26606"/>
+          <ac:spMkLst>
+            <pc:docMk/>
+            <pc:sldMk cId="563647453" sldId="258"/>
+            <ac:spMk id="6" creationId="{987FDF89-C993-41F4-A1B8-DBAFF16008A9}"/>
+          </ac:spMkLst>
+        </pc:spChg>
+        <pc:spChg chg="add del">
+          <ac:chgData name="Arunabh Ghosh" userId="7064b204c6fa9c53" providerId="LiveId" clId="{C4DB1577-FF31-AC41-B4ED-71663BE73819}" dt="2018-07-18T14:30:40.589" v="2221" actId="26606"/>
+          <ac:spMkLst>
+            <pc:docMk/>
+            <pc:sldMk cId="563647453" sldId="258"/>
+            <ac:spMk id="7" creationId="{64E585EA-75FD-4025-8270-F66A58A15CDA}"/>
+          </ac:spMkLst>
+        </pc:spChg>
+        <pc:spChg chg="add del">
+          <ac:chgData name="Arunabh Ghosh" userId="7064b204c6fa9c53" providerId="LiveId" clId="{C4DB1577-FF31-AC41-B4ED-71663BE73819}" dt="2018-07-18T14:29:12.700" v="2193" actId="26606"/>
+          <ac:spMkLst>
+            <pc:docMk/>
+            <pc:sldMk cId="563647453" sldId="258"/>
+            <ac:spMk id="8" creationId="{E4F9F79B-A093-478E-96B5-EE02BC93A858}"/>
+          </ac:spMkLst>
+        </pc:spChg>
+        <pc:spChg chg="add del">
+          <ac:chgData name="Arunabh Ghosh" userId="7064b204c6fa9c53" providerId="LiveId" clId="{C4DB1577-FF31-AC41-B4ED-71663BE73819}" dt="2018-07-18T14:30:45.776" v="2223" actId="26606"/>
+          <ac:spMkLst>
+            <pc:docMk/>
+            <pc:sldMk cId="563647453" sldId="258"/>
+            <ac:spMk id="9" creationId="{D4C3103B-AE2E-41DA-8805-65F1A948FD5A}"/>
+          </ac:spMkLst>
+        </pc:spChg>
+        <pc:spChg chg="add del">
+          <ac:chgData name="Arunabh Ghosh" userId="7064b204c6fa9c53" providerId="LiveId" clId="{C4DB1577-FF31-AC41-B4ED-71663BE73819}" dt="2018-07-18T14:29:12.700" v="2193" actId="26606"/>
+          <ac:spMkLst>
+            <pc:docMk/>
+            <pc:sldMk cId="563647453" sldId="258"/>
+            <ac:spMk id="10" creationId="{11394CD8-BD30-4B74-86F4-51FDF3383419}"/>
+          </ac:spMkLst>
+        </pc:spChg>
+        <pc:spChg chg="add del">
+          <ac:chgData name="Arunabh Ghosh" userId="7064b204c6fa9c53" providerId="LiveId" clId="{C4DB1577-FF31-AC41-B4ED-71663BE73819}" dt="2018-07-18T14:30:45.776" v="2223" actId="26606"/>
+          <ac:spMkLst>
+            <pc:docMk/>
+            <pc:sldMk cId="563647453" sldId="258"/>
+            <ac:spMk id="11" creationId="{E3BC0C31-69A7-4200-9AFE-927230E1E04C}"/>
+          </ac:spMkLst>
+        </pc:spChg>
+        <pc:spChg chg="add del">
+          <ac:chgData name="Arunabh Ghosh" userId="7064b204c6fa9c53" providerId="LiveId" clId="{C4DB1577-FF31-AC41-B4ED-71663BE73819}" dt="2018-07-18T14:29:12.700" v="2193" actId="26606"/>
+          <ac:spMkLst>
+            <pc:docMk/>
+            <pc:sldMk cId="563647453" sldId="258"/>
+            <ac:spMk id="14" creationId="{F7194F93-1F71-4A70-9DF1-28F183771111}"/>
+          </ac:spMkLst>
+        </pc:spChg>
+        <pc:spChg chg="add del">
+          <ac:chgData name="Arunabh Ghosh" userId="7064b204c6fa9c53" providerId="LiveId" clId="{C4DB1577-FF31-AC41-B4ED-71663BE73819}" dt="2018-07-18T14:30:45.776" v="2223" actId="26606"/>
+          <ac:spMkLst>
+            <pc:docMk/>
+            <pc:sldMk cId="563647453" sldId="258"/>
+            <ac:spMk id="15" creationId="{CB1340FC-C4E2-4CD5-9BCA-7A022E8B4989}"/>
+          </ac:spMkLst>
+        </pc:spChg>
+        <pc:spChg chg="add del">
+          <ac:chgData name="Arunabh Ghosh" userId="7064b204c6fa9c53" providerId="LiveId" clId="{C4DB1577-FF31-AC41-B4ED-71663BE73819}" dt="2018-07-18T14:29:12.700" v="2193" actId="26606"/>
+          <ac:spMkLst>
+            <pc:docMk/>
+            <pc:sldMk cId="563647453" sldId="258"/>
+            <ac:spMk id="16" creationId="{9BBC0C84-DC2A-43AE-9576-0A44295E8B9C}"/>
+          </ac:spMkLst>
+        </pc:spChg>
+        <pc:spChg chg="add del">
+          <ac:chgData name="Arunabh Ghosh" userId="7064b204c6fa9c53" providerId="LiveId" clId="{C4DB1577-FF31-AC41-B4ED-71663BE73819}" dt="2018-07-18T14:30:47.810" v="2225" actId="26606"/>
+          <ac:spMkLst>
+            <pc:docMk/>
+            <pc:sldMk cId="563647453" sldId="258"/>
+            <ac:spMk id="17" creationId="{8D70B121-56F4-4848-B38B-182089D909FA}"/>
+          </ac:spMkLst>
+        </pc:spChg>
+        <pc:spChg chg="add del">
+          <ac:chgData name="Arunabh Ghosh" userId="7064b204c6fa9c53" providerId="LiveId" clId="{C4DB1577-FF31-AC41-B4ED-71663BE73819}" dt="2018-07-18T14:30:49.907" v="2227" actId="26606"/>
+          <ac:spMkLst>
+            <pc:docMk/>
+            <pc:sldMk cId="563647453" sldId="258"/>
+            <ac:spMk id="20" creationId="{5B336162-B533-4EFE-8BB3-8EBB4A5E32F8}"/>
+          </ac:spMkLst>
+        </pc:spChg>
+        <pc:grpChg chg="add del">
+          <ac:chgData name="Arunabh Ghosh" userId="7064b204c6fa9c53" providerId="LiveId" clId="{C4DB1577-FF31-AC41-B4ED-71663BE73819}" dt="2018-07-18T14:30:52.234" v="2229" actId="26606"/>
+          <ac:grpSpMkLst>
+            <pc:docMk/>
+            <pc:sldMk cId="563647453" sldId="258"/>
+            <ac:grpSpMk id="22" creationId="{5F8A7F7F-DD1A-4F41-98AC-B9CE2A620CDC}"/>
+          </ac:grpSpMkLst>
+        </pc:grpChg>
+        <pc:cxnChg chg="add del">
+          <ac:chgData name="Arunabh Ghosh" userId="7064b204c6fa9c53" providerId="LiveId" clId="{C4DB1577-FF31-AC41-B4ED-71663BE73819}" dt="2018-07-18T14:29:12.700" v="2193" actId="26606"/>
+          <ac:cxnSpMkLst>
+            <pc:docMk/>
+            <pc:sldMk cId="563647453" sldId="258"/>
+            <ac:cxnSpMk id="12" creationId="{D4C22394-EBC2-4FAF-A555-6C02D589EED7}"/>
+          </ac:cxnSpMkLst>
+        </pc:cxnChg>
+        <pc:cxnChg chg="add del">
+          <ac:chgData name="Arunabh Ghosh" userId="7064b204c6fa9c53" providerId="LiveId" clId="{C4DB1577-FF31-AC41-B4ED-71663BE73819}" dt="2018-07-18T14:30:45.776" v="2223" actId="26606"/>
+          <ac:cxnSpMkLst>
+            <pc:docMk/>
+            <pc:sldMk cId="563647453" sldId="258"/>
+            <ac:cxnSpMk id="13" creationId="{45B5AFC7-2F07-4F7B-9151-E45D7548D8F3}"/>
+          </ac:cxnSpMkLst>
+        </pc:cxnChg>
+        <pc:cxnChg chg="add del">
+          <ac:chgData name="Arunabh Ghosh" userId="7064b204c6fa9c53" providerId="LiveId" clId="{C4DB1577-FF31-AC41-B4ED-71663BE73819}" dt="2018-07-18T14:30:47.810" v="2225" actId="26606"/>
+          <ac:cxnSpMkLst>
+            <pc:docMk/>
+            <pc:sldMk cId="563647453" sldId="258"/>
+            <ac:cxnSpMk id="18" creationId="{2D72A2C9-F3CA-4216-8BAD-FA4C970C3C4E}"/>
+          </ac:cxnSpMkLst>
+        </pc:cxnChg>
+      </pc:sldChg>
+      <pc:sldChg chg="addSp delSp modSp add mod setBg">
+        <pc:chgData name="Arunabh Ghosh" userId="7064b204c6fa9c53" providerId="LiveId" clId="{C4DB1577-FF31-AC41-B4ED-71663BE73819}" dt="2018-07-18T14:30:55.983" v="2230" actId="26606"/>
+        <pc:sldMkLst>
+          <pc:docMk/>
+          <pc:sldMk cId="3683302912" sldId="259"/>
+        </pc:sldMkLst>
+        <pc:spChg chg="mod">
+          <ac:chgData name="Arunabh Ghosh" userId="7064b204c6fa9c53" providerId="LiveId" clId="{C4DB1577-FF31-AC41-B4ED-71663BE73819}" dt="2018-07-18T14:30:55.983" v="2230" actId="26606"/>
+          <ac:spMkLst>
+            <pc:docMk/>
+            <pc:sldMk cId="3683302912" sldId="259"/>
+            <ac:spMk id="2" creationId="{C9FB5511-E778-1246-93C0-78CACAFDA2C5}"/>
+          </ac:spMkLst>
+        </pc:spChg>
+        <pc:spChg chg="add del mod">
+          <ac:chgData name="Arunabh Ghosh" userId="7064b204c6fa9c53" providerId="LiveId" clId="{C4DB1577-FF31-AC41-B4ED-71663BE73819}" dt="2018-07-18T14:30:55.983" v="2230" actId="26606"/>
+          <ac:spMkLst>
+            <pc:docMk/>
+            <pc:sldMk cId="3683302912" sldId="259"/>
+            <ac:spMk id="3" creationId="{04DF78A6-58C5-BD4E-B633-DF4DC8B968AA}"/>
+          </ac:spMkLst>
+        </pc:spChg>
+        <pc:spChg chg="add del">
+          <ac:chgData name="Arunabh Ghosh" userId="7064b204c6fa9c53" providerId="LiveId" clId="{C4DB1577-FF31-AC41-B4ED-71663BE73819}" dt="2018-07-18T14:30:23.828" v="2216" actId="26606"/>
+          <ac:spMkLst>
+            <pc:docMk/>
+            <pc:sldMk cId="3683302912" sldId="259"/>
+            <ac:spMk id="8" creationId="{E4F9F79B-A093-478E-96B5-EE02BC93A858}"/>
+          </ac:spMkLst>
+        </pc:spChg>
+        <pc:spChg chg="add del">
+          <ac:chgData name="Arunabh Ghosh" userId="7064b204c6fa9c53" providerId="LiveId" clId="{C4DB1577-FF31-AC41-B4ED-71663BE73819}" dt="2018-07-18T14:30:14.949" v="2212" actId="26606"/>
+          <ac:spMkLst>
+            <pc:docMk/>
+            <pc:sldMk cId="3683302912" sldId="259"/>
+            <ac:spMk id="10" creationId="{68575C10-8187-4AC4-AD72-C754EAFD2867}"/>
+          </ac:spMkLst>
+        </pc:spChg>
+        <pc:spChg chg="add del">
+          <ac:chgData name="Arunabh Ghosh" userId="7064b204c6fa9c53" providerId="LiveId" clId="{C4DB1577-FF31-AC41-B4ED-71663BE73819}" dt="2018-07-18T14:30:21.662" v="2214" actId="26606"/>
+          <ac:spMkLst>
+            <pc:docMk/>
+            <pc:sldMk cId="3683302912" sldId="259"/>
+            <ac:spMk id="14" creationId="{46C2E80F-49A6-4372-B103-219D417A55ED}"/>
+          </ac:spMkLst>
+        </pc:spChg>
+        <pc:spChg chg="add del">
+          <ac:chgData name="Arunabh Ghosh" userId="7064b204c6fa9c53" providerId="LiveId" clId="{C4DB1577-FF31-AC41-B4ED-71663BE73819}" dt="2018-07-18T14:30:23.828" v="2216" actId="26606"/>
+          <ac:spMkLst>
+            <pc:docMk/>
+            <pc:sldMk cId="3683302912" sldId="259"/>
+            <ac:spMk id="17" creationId="{11394CD8-BD30-4B74-86F4-51FDF3383419}"/>
+          </ac:spMkLst>
+        </pc:spChg>
+        <pc:spChg chg="add del">
+          <ac:chgData name="Arunabh Ghosh" userId="7064b204c6fa9c53" providerId="LiveId" clId="{C4DB1577-FF31-AC41-B4ED-71663BE73819}" dt="2018-07-18T14:30:23.828" v="2216" actId="26606"/>
+          <ac:spMkLst>
+            <pc:docMk/>
+            <pc:sldMk cId="3683302912" sldId="259"/>
+            <ac:spMk id="19" creationId="{F7194F93-1F71-4A70-9DF1-28F183771111}"/>
+          </ac:spMkLst>
+        </pc:spChg>
+        <pc:spChg chg="add del">
+          <ac:chgData name="Arunabh Ghosh" userId="7064b204c6fa9c53" providerId="LiveId" clId="{C4DB1577-FF31-AC41-B4ED-71663BE73819}" dt="2018-07-18T14:30:23.828" v="2216" actId="26606"/>
+          <ac:spMkLst>
+            <pc:docMk/>
+            <pc:sldMk cId="3683302912" sldId="259"/>
+            <ac:spMk id="20" creationId="{9BBC0C84-DC2A-43AE-9576-0A44295E8B9C}"/>
+          </ac:spMkLst>
+        </pc:spChg>
+        <pc:spChg chg="add del">
+          <ac:chgData name="Arunabh Ghosh" userId="7064b204c6fa9c53" providerId="LiveId" clId="{C4DB1577-FF31-AC41-B4ED-71663BE73819}" dt="2018-07-18T14:30:24.800" v="2218" actId="26606"/>
+          <ac:spMkLst>
+            <pc:docMk/>
+            <pc:sldMk cId="3683302912" sldId="259"/>
+            <ac:spMk id="22" creationId="{42285737-90EE-47DC-AC80-8AE156B11969}"/>
+          </ac:spMkLst>
+        </pc:spChg>
+        <pc:spChg chg="add del">
+          <ac:chgData name="Arunabh Ghosh" userId="7064b204c6fa9c53" providerId="LiveId" clId="{C4DB1577-FF31-AC41-B4ED-71663BE73819}" dt="2018-07-18T14:30:55.983" v="2230" actId="26606"/>
+          <ac:spMkLst>
+            <pc:docMk/>
+            <pc:sldMk cId="3683302912" sldId="259"/>
+            <ac:spMk id="30" creationId="{68575C10-8187-4AC4-AD72-C754EAFD2867}"/>
+          </ac:spMkLst>
+        </pc:spChg>
+        <pc:grpChg chg="add del">
+          <ac:chgData name="Arunabh Ghosh" userId="7064b204c6fa9c53" providerId="LiveId" clId="{C4DB1577-FF31-AC41-B4ED-71663BE73819}" dt="2018-07-18T14:30:24.800" v="2218" actId="26606"/>
+          <ac:grpSpMkLst>
+            <pc:docMk/>
+            <pc:sldMk cId="3683302912" sldId="259"/>
+            <ac:grpSpMk id="23" creationId="{B57BDC17-F1B3-455F-BBF1-680AA1F25C06}"/>
+          </ac:grpSpMkLst>
+        </pc:grpChg>
+        <pc:graphicFrameChg chg="add del">
+          <ac:chgData name="Arunabh Ghosh" userId="7064b204c6fa9c53" providerId="LiveId" clId="{C4DB1577-FF31-AC41-B4ED-71663BE73819}" dt="2018-07-18T14:30:14.949" v="2212" actId="26606"/>
+          <ac:graphicFrameMkLst>
+            <pc:docMk/>
+            <pc:sldMk cId="3683302912" sldId="259"/>
+            <ac:graphicFrameMk id="5" creationId="{3563E81F-E8E4-4770-84B4-732695BDDB77}"/>
+          </ac:graphicFrameMkLst>
+        </pc:graphicFrameChg>
+        <pc:graphicFrameChg chg="add del">
+          <ac:chgData name="Arunabh Ghosh" userId="7064b204c6fa9c53" providerId="LiveId" clId="{C4DB1577-FF31-AC41-B4ED-71663BE73819}" dt="2018-07-18T14:30:21.662" v="2214" actId="26606"/>
+          <ac:graphicFrameMkLst>
+            <pc:docMk/>
+            <pc:sldMk cId="3683302912" sldId="259"/>
+            <ac:graphicFrameMk id="15" creationId="{F12A1057-BF58-4C04-9DE5-6B77809CF636}"/>
+          </ac:graphicFrameMkLst>
+        </pc:graphicFrameChg>
+        <pc:graphicFrameChg chg="add del">
+          <ac:chgData name="Arunabh Ghosh" userId="7064b204c6fa9c53" providerId="LiveId" clId="{C4DB1577-FF31-AC41-B4ED-71663BE73819}" dt="2018-07-18T14:30:24.800" v="2218" actId="26606"/>
+          <ac:graphicFrameMkLst>
+            <pc:docMk/>
+            <pc:sldMk cId="3683302912" sldId="259"/>
+            <ac:graphicFrameMk id="28" creationId="{4F832E58-BA83-46C4-B839-CE7149FC34A4}"/>
+          </ac:graphicFrameMkLst>
+        </pc:graphicFrameChg>
+        <pc:graphicFrameChg chg="add del">
+          <ac:chgData name="Arunabh Ghosh" userId="7064b204c6fa9c53" providerId="LiveId" clId="{C4DB1577-FF31-AC41-B4ED-71663BE73819}" dt="2018-07-18T14:30:55.983" v="2230" actId="26606"/>
+          <ac:graphicFrameMkLst>
+            <pc:docMk/>
+            <pc:sldMk cId="3683302912" sldId="259"/>
+            <ac:graphicFrameMk id="32" creationId="{3563E81F-E8E4-4770-84B4-732695BDDB77}"/>
+          </ac:graphicFrameMkLst>
+        </pc:graphicFrameChg>
+        <pc:cxnChg chg="add del">
+          <ac:chgData name="Arunabh Ghosh" userId="7064b204c6fa9c53" providerId="LiveId" clId="{C4DB1577-FF31-AC41-B4ED-71663BE73819}" dt="2018-07-18T14:30:14.949" v="2212" actId="26606"/>
+          <ac:cxnSpMkLst>
+            <pc:docMk/>
+            <pc:sldMk cId="3683302912" sldId="259"/>
+            <ac:cxnSpMk id="12" creationId="{74E776C9-ED67-41B7-B3A3-4DF76EF3ACEE}"/>
+          </ac:cxnSpMkLst>
+        </pc:cxnChg>
+        <pc:cxnChg chg="add del">
+          <ac:chgData name="Arunabh Ghosh" userId="7064b204c6fa9c53" providerId="LiveId" clId="{C4DB1577-FF31-AC41-B4ED-71663BE73819}" dt="2018-07-18T14:30:23.828" v="2216" actId="26606"/>
+          <ac:cxnSpMkLst>
+            <pc:docMk/>
+            <pc:sldMk cId="3683302912" sldId="259"/>
+            <ac:cxnSpMk id="18" creationId="{D4C22394-EBC2-4FAF-A555-6C02D589EED7}"/>
+          </ac:cxnSpMkLst>
+        </pc:cxnChg>
+        <pc:cxnChg chg="add del">
+          <ac:chgData name="Arunabh Ghosh" userId="7064b204c6fa9c53" providerId="LiveId" clId="{C4DB1577-FF31-AC41-B4ED-71663BE73819}" dt="2018-07-18T14:30:55.983" v="2230" actId="26606"/>
+          <ac:cxnSpMkLst>
+            <pc:docMk/>
+            <pc:sldMk cId="3683302912" sldId="259"/>
+            <ac:cxnSpMk id="31" creationId="{74E776C9-ED67-41B7-B3A3-4DF76EF3ACEE}"/>
+          </ac:cxnSpMkLst>
+        </pc:cxnChg>
+      </pc:sldChg>
+      <pc:sldChg chg="addSp delSp modSp add">
+        <pc:chgData name="Arunabh Ghosh" userId="7064b204c6fa9c53" providerId="LiveId" clId="{C4DB1577-FF31-AC41-B4ED-71663BE73819}" dt="2018-07-18T14:34:53.188" v="2270" actId="14100"/>
+        <pc:sldMkLst>
+          <pc:docMk/>
+          <pc:sldMk cId="2667405604" sldId="260"/>
+        </pc:sldMkLst>
+        <pc:spChg chg="mod">
+          <ac:chgData name="Arunabh Ghosh" userId="7064b204c6fa9c53" providerId="LiveId" clId="{C4DB1577-FF31-AC41-B4ED-71663BE73819}" dt="2018-07-18T14:32:15.867" v="2255"/>
+          <ac:spMkLst>
+            <pc:docMk/>
+            <pc:sldMk cId="2667405604" sldId="260"/>
+            <ac:spMk id="2" creationId="{CC24C508-B454-2E4D-852E-CAE1E46537EC}"/>
+          </ac:spMkLst>
+        </pc:spChg>
+        <pc:spChg chg="mod">
+          <ac:chgData name="Arunabh Ghosh" userId="7064b204c6fa9c53" providerId="LiveId" clId="{C4DB1577-FF31-AC41-B4ED-71663BE73819}" dt="2018-07-18T14:18:27.865" v="1784" actId="20577"/>
+          <ac:spMkLst>
+            <pc:docMk/>
+            <pc:sldMk cId="2667405604" sldId="260"/>
+            <ac:spMk id="3" creationId="{BE80CB0C-81C9-AB47-94B2-FD874871F4A8}"/>
+          </ac:spMkLst>
+        </pc:spChg>
+        <pc:picChg chg="add mod">
+          <ac:chgData name="Arunabh Ghosh" userId="7064b204c6fa9c53" providerId="LiveId" clId="{C4DB1577-FF31-AC41-B4ED-71663BE73819}" dt="2018-07-18T14:17:26.986" v="1667" actId="1076"/>
+          <ac:picMkLst>
+            <pc:docMk/>
+            <pc:sldMk cId="2667405604" sldId="260"/>
+            <ac:picMk id="5" creationId="{F5EE5077-7B49-264B-8034-F07A978448C7}"/>
+          </ac:picMkLst>
+        </pc:picChg>
+        <pc:picChg chg="add del mod">
+          <ac:chgData name="Arunabh Ghosh" userId="7064b204c6fa9c53" providerId="LiveId" clId="{C4DB1577-FF31-AC41-B4ED-71663BE73819}" dt="2018-07-18T14:20:29.643" v="1793" actId="478"/>
+          <ac:picMkLst>
+            <pc:docMk/>
+            <pc:sldMk cId="2667405604" sldId="260"/>
+            <ac:picMk id="7" creationId="{B6DBE4F4-651E-8B44-B14C-7AD07CAFA3E0}"/>
+          </ac:picMkLst>
+        </pc:picChg>
+        <pc:picChg chg="add del mod">
+          <ac:chgData name="Arunabh Ghosh" userId="7064b204c6fa9c53" providerId="LiveId" clId="{C4DB1577-FF31-AC41-B4ED-71663BE73819}" dt="2018-07-18T14:34:36.365" v="2266" actId="478"/>
+          <ac:picMkLst>
+            <pc:docMk/>
+            <pc:sldMk cId="2667405604" sldId="260"/>
+            <ac:picMk id="9" creationId="{49012033-ED1B-3045-9922-320D16C8E4A1}"/>
+          </ac:picMkLst>
+        </pc:picChg>
+        <pc:picChg chg="add del mod">
+          <ac:chgData name="Arunabh Ghosh" userId="7064b204c6fa9c53" providerId="LiveId" clId="{C4DB1577-FF31-AC41-B4ED-71663BE73819}" dt="2018-07-18T14:34:37.157" v="2267" actId="478"/>
+          <ac:picMkLst>
+            <pc:docMk/>
+            <pc:sldMk cId="2667405604" sldId="260"/>
+            <ac:picMk id="11" creationId="{72143225-AA14-B84B-A265-A1D4D5D20C1C}"/>
+          </ac:picMkLst>
+        </pc:picChg>
+        <pc:picChg chg="add mod">
+          <ac:chgData name="Arunabh Ghosh" userId="7064b204c6fa9c53" providerId="LiveId" clId="{C4DB1577-FF31-AC41-B4ED-71663BE73819}" dt="2018-07-18T14:34:53.188" v="2270" actId="14100"/>
+          <ac:picMkLst>
+            <pc:docMk/>
+            <pc:sldMk cId="2667405604" sldId="260"/>
+            <ac:picMk id="13" creationId="{F30957F8-3BCE-3243-9D54-A348D6C3FE15}"/>
+          </ac:picMkLst>
+        </pc:picChg>
+      </pc:sldChg>
+      <pc:sldChg chg="addSp delSp modSp add mod setBg setClrOvrMap">
+        <pc:chgData name="Arunabh Ghosh" userId="7064b204c6fa9c53" providerId="LiveId" clId="{C4DB1577-FF31-AC41-B4ED-71663BE73819}" dt="2018-07-18T14:33:19.409" v="2263" actId="1076"/>
+        <pc:sldMkLst>
+          <pc:docMk/>
+          <pc:sldMk cId="2665691396" sldId="261"/>
+        </pc:sldMkLst>
+        <pc:spChg chg="mod">
+          <ac:chgData name="Arunabh Ghosh" userId="7064b204c6fa9c53" providerId="LiveId" clId="{C4DB1577-FF31-AC41-B4ED-71663BE73819}" dt="2018-07-18T14:31:00.006" v="2232" actId="26606"/>
+          <ac:spMkLst>
+            <pc:docMk/>
+            <pc:sldMk cId="2665691396" sldId="261"/>
+            <ac:spMk id="2" creationId="{2FB495D4-7E6E-D04B-B8BA-CE9A80540ADF}"/>
+          </ac:spMkLst>
+        </pc:spChg>
+        <pc:spChg chg="mod ord">
+          <ac:chgData name="Arunabh Ghosh" userId="7064b204c6fa9c53" providerId="LiveId" clId="{C4DB1577-FF31-AC41-B4ED-71663BE73819}" dt="2018-07-18T14:31:00.006" v="2232" actId="26606"/>
+          <ac:spMkLst>
+            <pc:docMk/>
+            <pc:sldMk cId="2665691396" sldId="261"/>
+            <ac:spMk id="3" creationId="{33BA8EAD-2079-9B49-93A7-3F9FBBAFF937}"/>
+          </ac:spMkLst>
+        </pc:spChg>
+        <pc:spChg chg="add del">
+          <ac:chgData name="Arunabh Ghosh" userId="7064b204c6fa9c53" providerId="LiveId" clId="{C4DB1577-FF31-AC41-B4ED-71663BE73819}" dt="2018-07-18T14:29:46.303" v="2202" actId="26606"/>
+          <ac:spMkLst>
+            <pc:docMk/>
+            <pc:sldMk cId="2665691396" sldId="261"/>
+            <ac:spMk id="7" creationId="{F51B89E8-F88B-40A4-A39E-3946440B168F}"/>
+          </ac:spMkLst>
+        </pc:spChg>
+        <pc:spChg chg="add del">
+          <ac:chgData name="Arunabh Ghosh" userId="7064b204c6fa9c53" providerId="LiveId" clId="{C4DB1577-FF31-AC41-B4ED-71663BE73819}" dt="2018-07-18T14:29:52.991" v="2208" actId="26606"/>
+          <ac:spMkLst>
+            <pc:docMk/>
+            <pc:sldMk cId="2665691396" sldId="261"/>
+            <ac:spMk id="8" creationId="{6166C6D1-23AC-49C4-BA07-238E4E9F8CEB}"/>
+          </ac:spMkLst>
+        </pc:spChg>
+        <pc:spChg chg="add del">
+          <ac:chgData name="Arunabh Ghosh" userId="7064b204c6fa9c53" providerId="LiveId" clId="{C4DB1577-FF31-AC41-B4ED-71663BE73819}" dt="2018-07-18T14:29:52.991" v="2208" actId="26606"/>
+          <ac:spMkLst>
+            <pc:docMk/>
+            <pc:sldMk cId="2665691396" sldId="261"/>
+            <ac:spMk id="9" creationId="{1C091803-41C2-48E0-9228-5148460C7479}"/>
+          </ac:spMkLst>
+        </pc:spChg>
+        <pc:spChg chg="add del">
+          <ac:chgData name="Arunabh Ghosh" userId="7064b204c6fa9c53" providerId="LiveId" clId="{C4DB1577-FF31-AC41-B4ED-71663BE73819}" dt="2018-07-18T14:29:38.397" v="2196" actId="26606"/>
+          <ac:spMkLst>
+            <pc:docMk/>
+            <pc:sldMk cId="2665691396" sldId="261"/>
+            <ac:spMk id="10" creationId="{1AC19E41-BCF2-4F35-97A7-2A45ED58A517}"/>
+          </ac:spMkLst>
+        </pc:spChg>
+        <pc:spChg chg="add del">
+          <ac:chgData name="Arunabh Ghosh" userId="7064b204c6fa9c53" providerId="LiveId" clId="{C4DB1577-FF31-AC41-B4ED-71663BE73819}" dt="2018-07-18T14:29:52.991" v="2208" actId="26606"/>
+          <ac:spMkLst>
+            <pc:docMk/>
+            <pc:sldMk cId="2665691396" sldId="261"/>
+            <ac:spMk id="11" creationId="{B775CD93-9DF2-48CB-9F57-1BCA9A46C7FA}"/>
+          </ac:spMkLst>
+        </pc:spChg>
+        <pc:spChg chg="add del">
+          <ac:chgData name="Arunabh Ghosh" userId="7064b204c6fa9c53" providerId="LiveId" clId="{C4DB1577-FF31-AC41-B4ED-71663BE73819}" dt="2018-07-18T14:29:46.303" v="2202" actId="26606"/>
+          <ac:spMkLst>
+            <pc:docMk/>
+            <pc:sldMk cId="2665691396" sldId="261"/>
+            <ac:spMk id="12" creationId="{B335AE8D-B60B-4BC5-98A0-ADB3712C8D8D}"/>
+          </ac:spMkLst>
+        </pc:spChg>
+        <pc:spChg chg="add del">
+          <ac:chgData name="Arunabh Ghosh" userId="7064b204c6fa9c53" providerId="LiveId" clId="{C4DB1577-FF31-AC41-B4ED-71663BE73819}" dt="2018-07-18T14:29:52.991" v="2208" actId="26606"/>
+          <ac:spMkLst>
+            <pc:docMk/>
+            <pc:sldMk cId="2665691396" sldId="261"/>
+            <ac:spMk id="13" creationId="{E186B68C-84BC-4A6E-99D1-EE87483C1349}"/>
+          </ac:spMkLst>
+        </pc:spChg>
+        <pc:spChg chg="add del">
+          <ac:chgData name="Arunabh Ghosh" userId="7064b204c6fa9c53" providerId="LiveId" clId="{C4DB1577-FF31-AC41-B4ED-71663BE73819}" dt="2018-07-18T14:29:47.588" v="2204" actId="26606"/>
+          <ac:spMkLst>
+            <pc:docMk/>
+            <pc:sldMk cId="2665691396" sldId="261"/>
+            <ac:spMk id="14" creationId="{B775CD93-9DF2-48CB-9F57-1BCA9A46C7FA}"/>
+          </ac:spMkLst>
+        </pc:spChg>
+        <pc:spChg chg="add del">
+          <ac:chgData name="Arunabh Ghosh" userId="7064b204c6fa9c53" providerId="LiveId" clId="{C4DB1577-FF31-AC41-B4ED-71663BE73819}" dt="2018-07-18T14:29:47.588" v="2204" actId="26606"/>
+          <ac:spMkLst>
+            <pc:docMk/>
+            <pc:sldMk cId="2665691396" sldId="261"/>
+            <ac:spMk id="15" creationId="{6166C6D1-23AC-49C4-BA07-238E4E9F8CEB}"/>
+          </ac:spMkLst>
+        </pc:spChg>
+        <pc:spChg chg="add del">
+          <ac:chgData name="Arunabh Ghosh" userId="7064b204c6fa9c53" providerId="LiveId" clId="{C4DB1577-FF31-AC41-B4ED-71663BE73819}" dt="2018-07-18T14:29:47.588" v="2204" actId="26606"/>
+          <ac:spMkLst>
+            <pc:docMk/>
+            <pc:sldMk cId="2665691396" sldId="261"/>
+            <ac:spMk id="16" creationId="{1C091803-41C2-48E0-9228-5148460C7479}"/>
+          </ac:spMkLst>
+        </pc:spChg>
+        <pc:spChg chg="add del">
+          <ac:chgData name="Arunabh Ghosh" userId="7064b204c6fa9c53" providerId="LiveId" clId="{C4DB1577-FF31-AC41-B4ED-71663BE73819}" dt="2018-07-18T14:29:47.588" v="2204" actId="26606"/>
+          <ac:spMkLst>
+            <pc:docMk/>
+            <pc:sldMk cId="2665691396" sldId="261"/>
+            <ac:spMk id="17" creationId="{E186B68C-84BC-4A6E-99D1-EE87483C1349}"/>
+          </ac:spMkLst>
+        </pc:spChg>
+        <pc:spChg chg="add del">
+          <ac:chgData name="Arunabh Ghosh" userId="7064b204c6fa9c53" providerId="LiveId" clId="{C4DB1577-FF31-AC41-B4ED-71663BE73819}" dt="2018-07-18T14:31:00.006" v="2232" actId="26606"/>
+          <ac:spMkLst>
+            <pc:docMk/>
+            <pc:sldMk cId="2665691396" sldId="261"/>
+            <ac:spMk id="18" creationId="{1AC19E41-BCF2-4F35-97A7-2A45ED58A517}"/>
+          </ac:spMkLst>
+        </pc:spChg>
+        <pc:picChg chg="add mod">
+          <ac:chgData name="Arunabh Ghosh" userId="7064b204c6fa9c53" providerId="LiveId" clId="{C4DB1577-FF31-AC41-B4ED-71663BE73819}" dt="2018-07-18T14:33:19.409" v="2263" actId="1076"/>
+          <ac:picMkLst>
+            <pc:docMk/>
+            <pc:sldMk cId="2665691396" sldId="261"/>
+            <ac:picMk id="5" creationId="{921AB28B-77F4-5E48-A00E-C9DF7B65A46A}"/>
+          </ac:picMkLst>
+        </pc:picChg>
+      </pc:sldChg>
+      <pc:sldChg chg="modSp add">
+        <pc:chgData name="Arunabh Ghosh" userId="7064b204c6fa9c53" providerId="LiveId" clId="{C4DB1577-FF31-AC41-B4ED-71663BE73819}" dt="2018-07-18T14:36:42.973" v="2449" actId="20577"/>
+        <pc:sldMkLst>
+          <pc:docMk/>
+          <pc:sldMk cId="730512556" sldId="262"/>
+        </pc:sldMkLst>
+        <pc:spChg chg="mod">
+          <ac:chgData name="Arunabh Ghosh" userId="7064b204c6fa9c53" providerId="LiveId" clId="{C4DB1577-FF31-AC41-B4ED-71663BE73819}" dt="2018-07-18T14:24:57.491" v="1972" actId="20577"/>
+          <ac:spMkLst>
+            <pc:docMk/>
+            <pc:sldMk cId="730512556" sldId="262"/>
+            <ac:spMk id="2" creationId="{DF8DD200-C86F-F048-A465-29CBCAE2B18F}"/>
+          </ac:spMkLst>
+        </pc:spChg>
+        <pc:spChg chg="mod">
+          <ac:chgData name="Arunabh Ghosh" userId="7064b204c6fa9c53" providerId="LiveId" clId="{C4DB1577-FF31-AC41-B4ED-71663BE73819}" dt="2018-07-18T14:36:42.973" v="2449" actId="20577"/>
+          <ac:spMkLst>
+            <pc:docMk/>
+            <pc:sldMk cId="730512556" sldId="262"/>
+            <ac:spMk id="3" creationId="{348CECA5-A8B1-9840-AB74-B6925CF9E14D}"/>
+          </ac:spMkLst>
+        </pc:spChg>
+      </pc:sldChg>
+      <pc:sldChg chg="addSp modSp add">
+        <pc:chgData name="Arunabh Ghosh" userId="7064b204c6fa9c53" providerId="LiveId" clId="{C4DB1577-FF31-AC41-B4ED-71663BE73819}" dt="2018-07-18T14:40:57.171" v="2807" actId="20577"/>
+        <pc:sldMkLst>
+          <pc:docMk/>
+          <pc:sldMk cId="1223489013" sldId="263"/>
+        </pc:sldMkLst>
+        <pc:spChg chg="mod">
+          <ac:chgData name="Arunabh Ghosh" userId="7064b204c6fa9c53" providerId="LiveId" clId="{C4DB1577-FF31-AC41-B4ED-71663BE73819}" dt="2018-07-18T14:36:53.958" v="2460" actId="20577"/>
+          <ac:spMkLst>
+            <pc:docMk/>
+            <pc:sldMk cId="1223489013" sldId="263"/>
+            <ac:spMk id="2" creationId="{CD762588-9281-3E46-B854-66F0302D39C9}"/>
+          </ac:spMkLst>
+        </pc:spChg>
+        <pc:spChg chg="mod">
+          <ac:chgData name="Arunabh Ghosh" userId="7064b204c6fa9c53" providerId="LiveId" clId="{C4DB1577-FF31-AC41-B4ED-71663BE73819}" dt="2018-07-18T14:40:57.171" v="2807" actId="20577"/>
+          <ac:spMkLst>
+            <pc:docMk/>
+            <pc:sldMk cId="1223489013" sldId="263"/>
+            <ac:spMk id="3" creationId="{CA53DD3E-F022-C441-9E5C-12901A5CF0AD}"/>
+          </ac:spMkLst>
+        </pc:spChg>
+        <pc:picChg chg="add mod">
+          <ac:chgData name="Arunabh Ghosh" userId="7064b204c6fa9c53" providerId="LiveId" clId="{C4DB1577-FF31-AC41-B4ED-71663BE73819}" dt="2018-07-18T14:37:17.149" v="2481" actId="1076"/>
+          <ac:picMkLst>
+            <pc:docMk/>
+            <pc:sldMk cId="1223489013" sldId="263"/>
+            <ac:picMk id="5" creationId="{B03D702A-3541-D049-B80D-9D2702DBB3F0}"/>
+          </ac:picMkLst>
+        </pc:picChg>
+      </pc:sldChg>
+      <pc:sldChg chg="add del">
+        <pc:chgData name="Arunabh Ghosh" userId="7064b204c6fa9c53" providerId="LiveId" clId="{C4DB1577-FF31-AC41-B4ED-71663BE73819}" dt="2018-07-18T14:41:11.511" v="2809" actId="2696"/>
+        <pc:sldMkLst>
+          <pc:docMk/>
+          <pc:sldMk cId="958765251" sldId="264"/>
+        </pc:sldMkLst>
+      </pc:sldChg>
+      <pc:sldChg chg="addSp delSp modSp add modAnim">
+        <pc:chgData name="Arunabh Ghosh" userId="7064b204c6fa9c53" providerId="LiveId" clId="{C4DB1577-FF31-AC41-B4ED-71663BE73819}" dt="2018-07-18T15:12:37.543" v="3062"/>
+        <pc:sldMkLst>
+          <pc:docMk/>
+          <pc:sldMk cId="2450408740" sldId="264"/>
+        </pc:sldMkLst>
+        <pc:spChg chg="add del mod">
+          <ac:chgData name="Arunabh Ghosh" userId="7064b204c6fa9c53" providerId="LiveId" clId="{C4DB1577-FF31-AC41-B4ED-71663BE73819}" dt="2018-07-18T14:46:00.657" v="2841" actId="11529"/>
+          <ac:spMkLst>
+            <pc:docMk/>
+            <pc:sldMk cId="2450408740" sldId="264"/>
+            <ac:spMk id="9" creationId="{C4B93E79-1DD3-494A-A1F2-E829A3933B67}"/>
+          </ac:spMkLst>
+        </pc:spChg>
+        <pc:spChg chg="add del mod">
+          <ac:chgData name="Arunabh Ghosh" userId="7064b204c6fa9c53" providerId="LiveId" clId="{C4DB1577-FF31-AC41-B4ED-71663BE73819}" dt="2018-07-18T14:45:59.128" v="2837"/>
+          <ac:spMkLst>
+            <pc:docMk/>
+            <pc:sldMk cId="2450408740" sldId="264"/>
+            <ac:spMk id="12" creationId="{D4ADC084-4B52-794B-B243-1793845161AB}"/>
+          </ac:spMkLst>
+        </pc:spChg>
+        <pc:spChg chg="add mod">
+          <ac:chgData name="Arunabh Ghosh" userId="7064b204c6fa9c53" providerId="LiveId" clId="{C4DB1577-FF31-AC41-B4ED-71663BE73819}" dt="2018-07-18T14:52:15.616" v="2905" actId="1076"/>
+          <ac:spMkLst>
+            <pc:docMk/>
+            <pc:sldMk cId="2450408740" sldId="264"/>
+            <ac:spMk id="19" creationId="{B580AA88-01DB-6A47-9505-AFD6455F0E29}"/>
+          </ac:spMkLst>
+        </pc:spChg>
+        <pc:spChg chg="add mod">
+          <ac:chgData name="Arunabh Ghosh" userId="7064b204c6fa9c53" providerId="LiveId" clId="{C4DB1577-FF31-AC41-B4ED-71663BE73819}" dt="2018-07-18T14:52:21.799" v="2907" actId="1076"/>
+          <ac:spMkLst>
+            <pc:docMk/>
+            <pc:sldMk cId="2450408740" sldId="264"/>
+            <ac:spMk id="28" creationId="{71FFA010-82B7-2949-A8A9-ACA1E4B5F761}"/>
+          </ac:spMkLst>
+        </pc:spChg>
+        <pc:spChg chg="add mod">
+          <ac:chgData name="Arunabh Ghosh" userId="7064b204c6fa9c53" providerId="LiveId" clId="{C4DB1577-FF31-AC41-B4ED-71663BE73819}" dt="2018-07-18T14:52:33.031" v="2909" actId="1076"/>
+          <ac:spMkLst>
+            <pc:docMk/>
+            <pc:sldMk cId="2450408740" sldId="264"/>
+            <ac:spMk id="31" creationId="{BFFF7ED5-65CE-5443-91D1-9B8894542476}"/>
+          </ac:spMkLst>
+        </pc:spChg>
+        <pc:spChg chg="add mod">
+          <ac:chgData name="Arunabh Ghosh" userId="7064b204c6fa9c53" providerId="LiveId" clId="{C4DB1577-FF31-AC41-B4ED-71663BE73819}" dt="2018-07-18T14:52:41.826" v="2911" actId="1076"/>
+          <ac:spMkLst>
+            <pc:docMk/>
+            <pc:sldMk cId="2450408740" sldId="264"/>
+            <ac:spMk id="34" creationId="{7862ED7D-A03F-9E47-BF0A-8251104A3077}"/>
+          </ac:spMkLst>
+        </pc:spChg>
+        <pc:spChg chg="add del mod">
+          <ac:chgData name="Arunabh Ghosh" userId="7064b204c6fa9c53" providerId="LiveId" clId="{C4DB1577-FF31-AC41-B4ED-71663BE73819}" dt="2018-07-18T14:54:52.725" v="2914" actId="11529"/>
+          <ac:spMkLst>
+            <pc:docMk/>
+            <pc:sldMk cId="2450408740" sldId="264"/>
+            <ac:spMk id="35" creationId="{1FBE569B-C357-5542-B4F4-70573EC75EFB}"/>
+          </ac:spMkLst>
+        </pc:spChg>
+        <pc:spChg chg="add mod">
+          <ac:chgData name="Arunabh Ghosh" userId="7064b204c6fa9c53" providerId="LiveId" clId="{C4DB1577-FF31-AC41-B4ED-71663BE73819}" dt="2018-07-18T14:56:47.122" v="2922" actId="1076"/>
+          <ac:spMkLst>
+            <pc:docMk/>
+            <pc:sldMk cId="2450408740" sldId="264"/>
+            <ac:spMk id="36" creationId="{A13EC68C-71E4-1F4F-B5BB-5CAD39A2B643}"/>
+          </ac:spMkLst>
+        </pc:spChg>
+        <pc:spChg chg="add mod">
+          <ac:chgData name="Arunabh Ghosh" userId="7064b204c6fa9c53" providerId="LiveId" clId="{C4DB1577-FF31-AC41-B4ED-71663BE73819}" dt="2018-07-18T14:58:19.745" v="2928" actId="1076"/>
+          <ac:spMkLst>
+            <pc:docMk/>
+            <pc:sldMk cId="2450408740" sldId="264"/>
+            <ac:spMk id="39" creationId="{C17018A1-095C-6C46-B136-737CB13CFD37}"/>
+          </ac:spMkLst>
+        </pc:spChg>
+        <pc:spChg chg="add mod">
+          <ac:chgData name="Arunabh Ghosh" userId="7064b204c6fa9c53" providerId="LiveId" clId="{C4DB1577-FF31-AC41-B4ED-71663BE73819}" dt="2018-07-18T14:59:08.442" v="2935" actId="1076"/>
+          <ac:spMkLst>
+            <pc:docMk/>
+            <pc:sldMk cId="2450408740" sldId="264"/>
+            <ac:spMk id="44" creationId="{D3B854BB-5747-FE4E-ABAF-2D2D556DCD41}"/>
+          </ac:spMkLst>
+        </pc:spChg>
+        <pc:spChg chg="add mod">
+          <ac:chgData name="Arunabh Ghosh" userId="7064b204c6fa9c53" providerId="LiveId" clId="{C4DB1577-FF31-AC41-B4ED-71663BE73819}" dt="2018-07-18T15:02:43.439" v="2937" actId="1076"/>
+          <ac:spMkLst>
+            <pc:docMk/>
+            <pc:sldMk cId="2450408740" sldId="264"/>
+            <ac:spMk id="45" creationId="{D02E7100-6588-D848-802A-5A2CB59F99F8}"/>
+          </ac:spMkLst>
+        </pc:spChg>
+        <pc:spChg chg="add mod">
+          <ac:chgData name="Arunabh Ghosh" userId="7064b204c6fa9c53" providerId="LiveId" clId="{C4DB1577-FF31-AC41-B4ED-71663BE73819}" dt="2018-07-18T15:03:45.108" v="2945" actId="1076"/>
+          <ac:spMkLst>
+            <pc:docMk/>
+            <pc:sldMk cId="2450408740" sldId="264"/>
+            <ac:spMk id="50" creationId="{DD51ABA2-033C-FA42-BF20-69D1C15DC5B4}"/>
+          </ac:spMkLst>
+        </pc:spChg>
+        <pc:spChg chg="add mod">
+          <ac:chgData name="Arunabh Ghosh" userId="7064b204c6fa9c53" providerId="LiveId" clId="{C4DB1577-FF31-AC41-B4ED-71663BE73819}" dt="2018-07-18T15:04:33.074" v="2991" actId="122"/>
+          <ac:spMkLst>
+            <pc:docMk/>
+            <pc:sldMk cId="2450408740" sldId="264"/>
+            <ac:spMk id="51" creationId="{95176080-7BEA-294E-AF36-E339D96237B8}"/>
+          </ac:spMkLst>
+        </pc:spChg>
+        <pc:graphicFrameChg chg="add del mod">
+          <ac:chgData name="Arunabh Ghosh" userId="7064b204c6fa9c53" providerId="LiveId" clId="{C4DB1577-FF31-AC41-B4ED-71663BE73819}" dt="2018-07-18T14:41:50.273" v="2812" actId="1032"/>
+          <ac:graphicFrameMkLst>
+            <pc:docMk/>
+            <pc:sldMk cId="2450408740" sldId="264"/>
+            <ac:graphicFrameMk id="2" creationId="{C20F5492-A467-8545-94CB-F290CF552C87}"/>
+          </ac:graphicFrameMkLst>
+        </pc:graphicFrameChg>
+        <pc:picChg chg="add del mod">
+          <ac:chgData name="Arunabh Ghosh" userId="7064b204c6fa9c53" providerId="LiveId" clId="{C4DB1577-FF31-AC41-B4ED-71663BE73819}" dt="2018-07-18T14:42:47.750" v="2814" actId="931"/>
+          <ac:picMkLst>
+            <pc:docMk/>
+            <pc:sldMk cId="2450408740" sldId="264"/>
+            <ac:picMk id="4" creationId="{0EA7B3CC-F122-AE45-832F-2AE201124461}"/>
+          </ac:picMkLst>
+        </pc:picChg>
+        <pc:picChg chg="add del mod">
+          <ac:chgData name="Arunabh Ghosh" userId="7064b204c6fa9c53" providerId="LiveId" clId="{C4DB1577-FF31-AC41-B4ED-71663BE73819}" dt="2018-07-18T14:43:09.060" v="2816" actId="478"/>
+          <ac:picMkLst>
+            <pc:docMk/>
+            <pc:sldMk cId="2450408740" sldId="264"/>
+            <ac:picMk id="6" creationId="{9DB00228-9878-ED46-847B-4E2649D71CF0}"/>
+          </ac:picMkLst>
+        </pc:picChg>
+        <pc:picChg chg="add del mod">
+          <ac:chgData name="Arunabh Ghosh" userId="7064b204c6fa9c53" providerId="LiveId" clId="{C4DB1577-FF31-AC41-B4ED-71663BE73819}" dt="2018-07-18T14:46:02.401" v="2844" actId="931"/>
+          <ac:picMkLst>
+            <pc:docMk/>
+            <pc:sldMk cId="2450408740" sldId="264"/>
+            <ac:picMk id="8" creationId="{90A44A21-45C2-AE43-89B6-8C2BC6A05844}"/>
+          </ac:picMkLst>
+        </pc:picChg>
+        <pc:picChg chg="add del mod">
+          <ac:chgData name="Arunabh Ghosh" userId="7064b204c6fa9c53" providerId="LiveId" clId="{C4DB1577-FF31-AC41-B4ED-71663BE73819}" dt="2018-07-18T14:46:00.275" v="2840" actId="931"/>
+          <ac:picMkLst>
+            <pc:docMk/>
+            <pc:sldMk cId="2450408740" sldId="264"/>
+            <ac:picMk id="11" creationId="{D0593443-AE99-5440-92E6-E2AF0C65A220}"/>
+          </ac:picMkLst>
+        </pc:picChg>
+        <pc:picChg chg="add del mod">
+          <ac:chgData name="Arunabh Ghosh" userId="7064b204c6fa9c53" providerId="LiveId" clId="{C4DB1577-FF31-AC41-B4ED-71663BE73819}" dt="2018-07-18T14:45:58.481" v="2835" actId="931"/>
+          <ac:picMkLst>
+            <pc:docMk/>
+            <pc:sldMk cId="2450408740" sldId="264"/>
+            <ac:picMk id="14" creationId="{FBA283A4-EE42-724B-8044-023C9EEDA93F}"/>
+          </ac:picMkLst>
+        </pc:picChg>
+        <pc:picChg chg="add del mod">
+          <ac:chgData name="Arunabh Ghosh" userId="7064b204c6fa9c53" providerId="LiveId" clId="{C4DB1577-FF31-AC41-B4ED-71663BE73819}" dt="2018-07-18T14:45:57.354" v="2832" actId="931"/>
+          <ac:picMkLst>
+            <pc:docMk/>
+            <pc:sldMk cId="2450408740" sldId="264"/>
+            <ac:picMk id="16" creationId="{D16856DB-67D0-D046-B0B5-2A3304D728D0}"/>
+          </ac:picMkLst>
+        </pc:picChg>
+        <pc:picChg chg="add mod">
+          <ac:chgData name="Arunabh Ghosh" userId="7064b204c6fa9c53" providerId="LiveId" clId="{C4DB1577-FF31-AC41-B4ED-71663BE73819}" dt="2018-07-18T14:52:08.200" v="2904" actId="1076"/>
+          <ac:picMkLst>
+            <pc:docMk/>
+            <pc:sldMk cId="2450408740" sldId="264"/>
+            <ac:picMk id="18" creationId="{E3F145FE-86FA-2B47-A121-82F96B0FBA08}"/>
+          </ac:picMkLst>
+        </pc:picChg>
+        <pc:picChg chg="add del mod">
+          <ac:chgData name="Arunabh Ghosh" userId="7064b204c6fa9c53" providerId="LiveId" clId="{C4DB1577-FF31-AC41-B4ED-71663BE73819}" dt="2018-07-18T14:47:47.045" v="2851" actId="478"/>
+          <ac:picMkLst>
+            <pc:docMk/>
+            <pc:sldMk cId="2450408740" sldId="264"/>
+            <ac:picMk id="21" creationId="{B15AC2C6-0D68-F74D-95D7-832FC73E0A20}"/>
+          </ac:picMkLst>
+        </pc:picChg>
+        <pc:picChg chg="add del mod">
+          <ac:chgData name="Arunabh Ghosh" userId="7064b204c6fa9c53" providerId="LiveId" clId="{C4DB1577-FF31-AC41-B4ED-71663BE73819}" dt="2018-07-18T14:47:59.683" v="2853" actId="931"/>
+          <ac:picMkLst>
+            <pc:docMk/>
+            <pc:sldMk cId="2450408740" sldId="264"/>
+            <ac:picMk id="23" creationId="{C9DB1C45-F671-AC4A-A48C-A96C610E3351}"/>
+          </ac:picMkLst>
+        </pc:picChg>
+        <pc:picChg chg="add mod">
+          <ac:chgData name="Arunabh Ghosh" userId="7064b204c6fa9c53" providerId="LiveId" clId="{C4DB1577-FF31-AC41-B4ED-71663BE73819}" dt="2018-07-18T14:52:18.583" v="2906" actId="1076"/>
+          <ac:picMkLst>
+            <pc:docMk/>
+            <pc:sldMk cId="2450408740" sldId="264"/>
+            <ac:picMk id="25" creationId="{92F03D64-D927-C043-B83F-5FED45E0F822}"/>
+          </ac:picMkLst>
+        </pc:picChg>
+        <pc:picChg chg="add mod">
+          <ac:chgData name="Arunabh Ghosh" userId="7064b204c6fa9c53" providerId="LiveId" clId="{C4DB1577-FF31-AC41-B4ED-71663BE73819}" dt="2018-07-18T14:52:24.383" v="2908" actId="1076"/>
+          <ac:picMkLst>
+            <pc:docMk/>
+            <pc:sldMk cId="2450408740" sldId="264"/>
+            <ac:picMk id="27" creationId="{523F29A8-012D-7A46-8E43-D7BFF54CE066}"/>
+          </ac:picMkLst>
+        </pc:picChg>
+        <pc:picChg chg="add mod">
+          <ac:chgData name="Arunabh Ghosh" userId="7064b204c6fa9c53" providerId="LiveId" clId="{C4DB1577-FF31-AC41-B4ED-71663BE73819}" dt="2018-07-18T14:52:39.150" v="2910" actId="1076"/>
+          <ac:picMkLst>
+            <pc:docMk/>
+            <pc:sldMk cId="2450408740" sldId="264"/>
+            <ac:picMk id="30" creationId="{17B6C871-AF70-AC48-84B3-9B5FCFCA0357}"/>
+          </ac:picMkLst>
+        </pc:picChg>
+        <pc:picChg chg="add mod">
+          <ac:chgData name="Arunabh Ghosh" userId="7064b204c6fa9c53" providerId="LiveId" clId="{C4DB1577-FF31-AC41-B4ED-71663BE73819}" dt="2018-07-18T14:52:51.798" v="2912" actId="1076"/>
+          <ac:picMkLst>
+            <pc:docMk/>
+            <pc:sldMk cId="2450408740" sldId="264"/>
+            <ac:picMk id="33" creationId="{C7DEA453-D0E0-E14A-8D91-4FB049D87F71}"/>
+          </ac:picMkLst>
+        </pc:picChg>
+        <pc:picChg chg="add mod">
+          <ac:chgData name="Arunabh Ghosh" userId="7064b204c6fa9c53" providerId="LiveId" clId="{C4DB1577-FF31-AC41-B4ED-71663BE73819}" dt="2018-07-18T14:58:02.918" v="2924" actId="1076"/>
+          <ac:picMkLst>
+            <pc:docMk/>
+            <pc:sldMk cId="2450408740" sldId="264"/>
+            <ac:picMk id="38" creationId="{D8F163B4-90FE-DA41-8FEF-E4326DA98156}"/>
+          </ac:picMkLst>
+        </pc:picChg>
+        <pc:picChg chg="add mod">
+          <ac:chgData name="Arunabh Ghosh" userId="7064b204c6fa9c53" providerId="LiveId" clId="{C4DB1577-FF31-AC41-B4ED-71663BE73819}" dt="2018-07-18T14:58:42.955" v="2931" actId="1076"/>
+          <ac:picMkLst>
+            <pc:docMk/>
+            <pc:sldMk cId="2450408740" sldId="264"/>
+            <ac:picMk id="41" creationId="{FCC10CE4-39F4-7947-AA3B-D8FDAF82C333}"/>
+          </ac:picMkLst>
+        </pc:picChg>
+        <pc:picChg chg="add mod">
+          <ac:chgData name="Arunabh Ghosh" userId="7064b204c6fa9c53" providerId="LiveId" clId="{C4DB1577-FF31-AC41-B4ED-71663BE73819}" dt="2018-07-18T14:58:59.051" v="2933" actId="1076"/>
+          <ac:picMkLst>
+            <pc:docMk/>
+            <pc:sldMk cId="2450408740" sldId="264"/>
+            <ac:picMk id="43" creationId="{1560FF72-B2C0-FF47-B4B3-4E2870239E15}"/>
+          </ac:picMkLst>
+        </pc:picChg>
+        <pc:picChg chg="add mod">
+          <ac:chgData name="Arunabh Ghosh" userId="7064b204c6fa9c53" providerId="LiveId" clId="{C4DB1577-FF31-AC41-B4ED-71663BE73819}" dt="2018-07-18T15:03:09.038" v="2940" actId="1076"/>
+          <ac:picMkLst>
+            <pc:docMk/>
+            <pc:sldMk cId="2450408740" sldId="264"/>
+            <ac:picMk id="47" creationId="{6DD93B78-ECC2-DC4A-81D1-F0ABAB256B82}"/>
+          </ac:picMkLst>
+        </pc:picChg>
+        <pc:picChg chg="add mod">
+          <ac:chgData name="Arunabh Ghosh" userId="7064b204c6fa9c53" providerId="LiveId" clId="{C4DB1577-FF31-AC41-B4ED-71663BE73819}" dt="2018-07-18T15:03:49.468" v="2947" actId="1076"/>
+          <ac:picMkLst>
+            <pc:docMk/>
+            <pc:sldMk cId="2450408740" sldId="264"/>
+            <ac:picMk id="49" creationId="{7C18C10C-DEAC-794A-A684-2109868B0360}"/>
+          </ac:picMkLst>
+        </pc:picChg>
+      </pc:sldChg>
+      <pc:sldChg chg="addSp delSp modSp add">
+        <pc:chgData name="Arunabh Ghosh" userId="7064b204c6fa9c53" providerId="LiveId" clId="{C4DB1577-FF31-AC41-B4ED-71663BE73819}" dt="2018-07-18T15:41:41.215" v="4035" actId="1076"/>
+        <pc:sldMkLst>
+          <pc:docMk/>
+          <pc:sldMk cId="267253209" sldId="265"/>
+        </pc:sldMkLst>
+        <pc:spChg chg="mod">
+          <ac:chgData name="Arunabh Ghosh" userId="7064b204c6fa9c53" providerId="LiveId" clId="{C4DB1577-FF31-AC41-B4ED-71663BE73819}" dt="2018-07-18T15:14:01.580" v="3087" actId="20577"/>
+          <ac:spMkLst>
+            <pc:docMk/>
+            <pc:sldMk cId="267253209" sldId="265"/>
+            <ac:spMk id="2" creationId="{9C7A2939-8295-EA45-972D-C31651D63751}"/>
+          </ac:spMkLst>
+        </pc:spChg>
+        <pc:spChg chg="del">
+          <ac:chgData name="Arunabh Ghosh" userId="7064b204c6fa9c53" providerId="LiveId" clId="{C4DB1577-FF31-AC41-B4ED-71663BE73819}" dt="2018-07-18T15:13:55.637" v="3066" actId="478"/>
+          <ac:spMkLst>
+            <pc:docMk/>
+            <pc:sldMk cId="267253209" sldId="265"/>
+            <ac:spMk id="3" creationId="{DAABC52D-494E-8A4C-853F-90E4AABE9741}"/>
+          </ac:spMkLst>
+        </pc:spChg>
+        <pc:spChg chg="add del mod">
+          <ac:chgData name="Arunabh Ghosh" userId="7064b204c6fa9c53" providerId="LiveId" clId="{C4DB1577-FF31-AC41-B4ED-71663BE73819}" dt="2018-07-18T15:17:20.210" v="3216" actId="478"/>
+          <ac:spMkLst>
+            <pc:docMk/>
+            <pc:sldMk cId="267253209" sldId="265"/>
+            <ac:spMk id="6" creationId="{6D7F5956-2884-4146-8F4E-B00F5C4B5F88}"/>
+          </ac:spMkLst>
+        </pc:spChg>
+        <pc:spChg chg="add del mod">
+          <ac:chgData name="Arunabh Ghosh" userId="7064b204c6fa9c53" providerId="LiveId" clId="{C4DB1577-FF31-AC41-B4ED-71663BE73819}" dt="2018-07-18T15:17:15.542" v="3213"/>
+          <ac:spMkLst>
+            <pc:docMk/>
+            <pc:sldMk cId="267253209" sldId="265"/>
+            <ac:spMk id="9" creationId="{73BAFF6A-F881-5843-9027-3CADE5AC7309}"/>
+          </ac:spMkLst>
+        </pc:spChg>
+        <pc:spChg chg="add mod">
+          <ac:chgData name="Arunabh Ghosh" userId="7064b204c6fa9c53" providerId="LiveId" clId="{C4DB1577-FF31-AC41-B4ED-71663BE73819}" dt="2018-07-18T15:41:34.887" v="4034" actId="1076"/>
+          <ac:spMkLst>
+            <pc:docMk/>
+            <pc:sldMk cId="267253209" sldId="265"/>
+            <ac:spMk id="12" creationId="{86EBD8A1-8D5D-8D45-8CEA-01676695E95B}"/>
+          </ac:spMkLst>
+        </pc:spChg>
+        <pc:spChg chg="add mod">
+          <ac:chgData name="Arunabh Ghosh" userId="7064b204c6fa9c53" providerId="LiveId" clId="{C4DB1577-FF31-AC41-B4ED-71663BE73819}" dt="2018-07-18T15:41:41.215" v="4035" actId="1076"/>
+          <ac:spMkLst>
+            <pc:docMk/>
+            <pc:sldMk cId="267253209" sldId="265"/>
+            <ac:spMk id="13" creationId="{DC69A5D1-08DF-754F-80EF-D7EC2BBDD5D7}"/>
+          </ac:spMkLst>
+        </pc:spChg>
+        <pc:picChg chg="add mod">
+          <ac:chgData name="Arunabh Ghosh" userId="7064b204c6fa9c53" providerId="LiveId" clId="{C4DB1577-FF31-AC41-B4ED-71663BE73819}" dt="2018-07-18T15:41:25.007" v="4032" actId="1076"/>
+          <ac:picMkLst>
+            <pc:docMk/>
+            <pc:sldMk cId="267253209" sldId="265"/>
+            <ac:picMk id="5" creationId="{4352743D-8FF7-A44B-B5B4-E38AE9DCF0BD}"/>
+          </ac:picMkLst>
+        </pc:picChg>
+        <pc:picChg chg="add del mod">
+          <ac:chgData name="Arunabh Ghosh" userId="7064b204c6fa9c53" providerId="LiveId" clId="{C4DB1577-FF31-AC41-B4ED-71663BE73819}" dt="2018-07-18T15:18:16.063" v="3218" actId="478"/>
+          <ac:picMkLst>
+            <pc:docMk/>
+            <pc:sldMk cId="267253209" sldId="265"/>
+            <ac:picMk id="8" creationId="{799B1FE3-1C78-EA4C-A93A-B94233137510}"/>
+          </ac:picMkLst>
+        </pc:picChg>
+        <pc:picChg chg="add mod">
+          <ac:chgData name="Arunabh Ghosh" userId="7064b204c6fa9c53" providerId="LiveId" clId="{C4DB1577-FF31-AC41-B4ED-71663BE73819}" dt="2018-07-18T15:41:29.095" v="4033" actId="1076"/>
+          <ac:picMkLst>
+            <pc:docMk/>
+            <pc:sldMk cId="267253209" sldId="265"/>
+            <ac:picMk id="11" creationId="{1DD6BC05-CBE9-6345-8C83-AF9ADF35B7A6}"/>
+          </ac:picMkLst>
+        </pc:picChg>
+      </pc:sldChg>
+      <pc:sldChg chg="add del">
+        <pc:chgData name="Arunabh Ghosh" userId="7064b204c6fa9c53" providerId="LiveId" clId="{C4DB1577-FF31-AC41-B4ED-71663BE73819}" dt="2018-07-18T15:13:37.792" v="3064" actId="2696"/>
+        <pc:sldMkLst>
+          <pc:docMk/>
+          <pc:sldMk cId="3233256996" sldId="265"/>
+        </pc:sldMkLst>
+      </pc:sldChg>
+      <pc:sldChg chg="modSp add ord">
+        <pc:chgData name="Arunabh Ghosh" userId="7064b204c6fa9c53" providerId="LiveId" clId="{C4DB1577-FF31-AC41-B4ED-71663BE73819}" dt="2018-07-18T15:35:44.681" v="3990"/>
+        <pc:sldMkLst>
+          <pc:docMk/>
+          <pc:sldMk cId="3060912439" sldId="266"/>
+        </pc:sldMkLst>
+        <pc:spChg chg="mod">
+          <ac:chgData name="Arunabh Ghosh" userId="7064b204c6fa9c53" providerId="LiveId" clId="{C4DB1577-FF31-AC41-B4ED-71663BE73819}" dt="2018-07-18T15:23:16.176" v="3381" actId="20577"/>
+          <ac:spMkLst>
+            <pc:docMk/>
+            <pc:sldMk cId="3060912439" sldId="266"/>
+            <ac:spMk id="2" creationId="{E5F991EA-378F-A446-9561-6129077ABC9C}"/>
+          </ac:spMkLst>
+        </pc:spChg>
+        <pc:spChg chg="mod">
+          <ac:chgData name="Arunabh Ghosh" userId="7064b204c6fa9c53" providerId="LiveId" clId="{C4DB1577-FF31-AC41-B4ED-71663BE73819}" dt="2018-07-18T15:35:41.700" v="3989" actId="20577"/>
+          <ac:spMkLst>
+            <pc:docMk/>
+            <pc:sldMk cId="3060912439" sldId="266"/>
+            <ac:spMk id="3" creationId="{5D9B901C-A64E-0C47-A685-57E56D5D58A6}"/>
+          </ac:spMkLst>
+        </pc:spChg>
+      </pc:sldChg>
+      <pc:sldChg chg="addSp delSp modSp add">
+        <pc:chgData name="Arunabh Ghosh" userId="7064b204c6fa9c53" providerId="LiveId" clId="{C4DB1577-FF31-AC41-B4ED-71663BE73819}" dt="2018-07-18T15:39:09.398" v="4025" actId="1076"/>
+        <pc:sldMkLst>
+          <pc:docMk/>
+          <pc:sldMk cId="1384843664" sldId="267"/>
+        </pc:sldMkLst>
+        <pc:spChg chg="mod">
+          <ac:chgData name="Arunabh Ghosh" userId="7064b204c6fa9c53" providerId="LiveId" clId="{C4DB1577-FF31-AC41-B4ED-71663BE73819}" dt="2018-07-18T15:35:54.449" v="3998" actId="20577"/>
+          <ac:spMkLst>
+            <pc:docMk/>
+            <pc:sldMk cId="1384843664" sldId="267"/>
+            <ac:spMk id="2" creationId="{430CB877-7E63-1F4E-8DD7-5F2F5921C786}"/>
+          </ac:spMkLst>
+        </pc:spChg>
+        <pc:spChg chg="del">
+          <ac:chgData name="Arunabh Ghosh" userId="7064b204c6fa9c53" providerId="LiveId" clId="{C4DB1577-FF31-AC41-B4ED-71663BE73819}" dt="2018-07-18T15:36:09.469" v="3999" actId="931"/>
+          <ac:spMkLst>
+            <pc:docMk/>
+            <pc:sldMk cId="1384843664" sldId="267"/>
+            <ac:spMk id="3" creationId="{554E6FD8-8D7C-4C4D-BAFC-14BF16753626}"/>
+          </ac:spMkLst>
+        </pc:spChg>
+        <pc:spChg chg="add mod">
+          <ac:chgData name="Arunabh Ghosh" userId="7064b204c6fa9c53" providerId="LiveId" clId="{C4DB1577-FF31-AC41-B4ED-71663BE73819}" dt="2018-07-18T15:39:09.398" v="4025" actId="1076"/>
+          <ac:spMkLst>
+            <pc:docMk/>
+            <pc:sldMk cId="1384843664" sldId="267"/>
+            <ac:spMk id="6" creationId="{81194699-5523-F349-B7C5-7ED536A4F6FF}"/>
+          </ac:spMkLst>
+        </pc:spChg>
+        <pc:picChg chg="add mod">
+          <ac:chgData name="Arunabh Ghosh" userId="7064b204c6fa9c53" providerId="LiveId" clId="{C4DB1577-FF31-AC41-B4ED-71663BE73819}" dt="2018-07-18T15:39:03.183" v="4024" actId="1076"/>
+          <ac:picMkLst>
+            <pc:docMk/>
+            <pc:sldMk cId="1384843664" sldId="267"/>
+            <ac:picMk id="5" creationId="{FBD1FF75-76B7-8A41-AFED-DE551443EA47}"/>
+          </ac:picMkLst>
+        </pc:picChg>
       </pc:sldChg>
     </pc:docChg>
   </pc:docChgLst>
 </pc:chgInfo>
+</file>
+
+<file path=ppt/notesMasters/notesMaster1.xml><?xml version="1.0" encoding="utf-8"?>
+<p:notesMaster xmlns:a="http://schemas.openxmlformats.org/drawingml/2006/main" xmlns:r="http://schemas.openxmlformats.org/officeDocument/2006/relationships" xmlns:p="http://schemas.openxmlformats.org/presentationml/2006/main">
+  <p:cSld>
+    <p:bg>
+      <p:bgRef idx="1001">
+        <a:schemeClr val="bg1"/>
+      </p:bgRef>
+    </p:bg>
+    <p:spTree>
+      <p:nvGrpSpPr>
+        <p:cNvPr id="1" name=""/>
+        <p:cNvGrpSpPr/>
+        <p:nvPr/>
+      </p:nvGrpSpPr>
+      <p:grpSpPr>
+        <a:xfrm>
+          <a:off x="0" y="0"/>
+          <a:ext cx="0" cy="0"/>
+          <a:chOff x="0" y="0"/>
+          <a:chExt cx="0" cy="0"/>
+        </a:xfrm>
+      </p:grpSpPr>
+      <p:sp>
+        <p:nvSpPr>
+          <p:cNvPr id="2" name="Header Placeholder 1"/>
+          <p:cNvSpPr>
+            <a:spLocks noGrp="1"/>
+          </p:cNvSpPr>
+          <p:nvPr>
+            <p:ph type="hdr" sz="quarter"/>
+          </p:nvPr>
+        </p:nvSpPr>
+        <p:spPr>
+          <a:xfrm>
+            <a:off x="0" y="0"/>
+            <a:ext cx="2971800" cy="458788"/>
+          </a:xfrm>
+          <a:prstGeom prst="rect">
+            <a:avLst/>
+          </a:prstGeom>
+        </p:spPr>
+        <p:txBody>
+          <a:bodyPr vert="horz" lIns="91440" tIns="45720" rIns="91440" bIns="45720" rtlCol="0"/>
+          <a:lstStyle>
+            <a:lvl1pPr algn="l">
+              <a:defRPr sz="1200"/>
+            </a:lvl1pPr>
+          </a:lstStyle>
+          <a:p>
+            <a:endParaRPr lang="en-US"/>
+          </a:p>
+        </p:txBody>
+      </p:sp>
+      <p:sp>
+        <p:nvSpPr>
+          <p:cNvPr id="3" name="Date Placeholder 2"/>
+          <p:cNvSpPr>
+            <a:spLocks noGrp="1"/>
+          </p:cNvSpPr>
+          <p:nvPr>
+            <p:ph type="dt" idx="1"/>
+          </p:nvPr>
+        </p:nvSpPr>
+        <p:spPr>
+          <a:xfrm>
+            <a:off x="3884613" y="0"/>
+            <a:ext cx="2971800" cy="458788"/>
+          </a:xfrm>
+          <a:prstGeom prst="rect">
+            <a:avLst/>
+          </a:prstGeom>
+        </p:spPr>
+        <p:txBody>
+          <a:bodyPr vert="horz" lIns="91440" tIns="45720" rIns="91440" bIns="45720" rtlCol="0"/>
+          <a:lstStyle>
+            <a:lvl1pPr algn="r">
+              <a:defRPr sz="1200"/>
+            </a:lvl1pPr>
+          </a:lstStyle>
+          <a:p>
+            <a:fld id="{1EEF49AA-3BB3-6748-A57A-245DC422C49B}" type="datetimeFigureOut">
+              <a:rPr lang="en-US" smtClean="0"/>
+              <a:t>7/18/18</a:t>
+            </a:fld>
+            <a:endParaRPr lang="en-US"/>
+          </a:p>
+        </p:txBody>
+      </p:sp>
+      <p:sp>
+        <p:nvSpPr>
+          <p:cNvPr id="4" name="Slide Image Placeholder 3"/>
+          <p:cNvSpPr>
+            <a:spLocks noGrp="1" noRot="1" noChangeAspect="1"/>
+          </p:cNvSpPr>
+          <p:nvPr>
+            <p:ph type="sldImg" idx="2"/>
+          </p:nvPr>
+        </p:nvSpPr>
+        <p:spPr>
+          <a:xfrm>
+            <a:off x="685800" y="1143000"/>
+            <a:ext cx="5486400" cy="3086100"/>
+          </a:xfrm>
+          <a:prstGeom prst="rect">
+            <a:avLst/>
+          </a:prstGeom>
+          <a:noFill/>
+          <a:ln w="12700">
+            <a:solidFill>
+              <a:prstClr val="black"/>
+            </a:solidFill>
+          </a:ln>
+        </p:spPr>
+        <p:txBody>
+          <a:bodyPr vert="horz" lIns="91440" tIns="45720" rIns="91440" bIns="45720" rtlCol="0" anchor="ctr"/>
+          <a:lstStyle/>
+          <a:p>
+            <a:endParaRPr lang="en-US"/>
+          </a:p>
+        </p:txBody>
+      </p:sp>
+      <p:sp>
+        <p:nvSpPr>
+          <p:cNvPr id="5" name="Notes Placeholder 4"/>
+          <p:cNvSpPr>
+            <a:spLocks noGrp="1"/>
+          </p:cNvSpPr>
+          <p:nvPr>
+            <p:ph type="body" sz="quarter" idx="3"/>
+          </p:nvPr>
+        </p:nvSpPr>
+        <p:spPr>
+          <a:xfrm>
+            <a:off x="685800" y="4400550"/>
+            <a:ext cx="5486400" cy="3600450"/>
+          </a:xfrm>
+          <a:prstGeom prst="rect">
+            <a:avLst/>
+          </a:prstGeom>
+        </p:spPr>
+        <p:txBody>
+          <a:bodyPr vert="horz" lIns="91440" tIns="45720" rIns="91440" bIns="45720" rtlCol="0"/>
+          <a:lstStyle/>
+          <a:p>
+            <a:pPr lvl="0"/>
+            <a:r>
+              <a:rPr lang="en-US"/>
+              <a:t>Edit Master text styles</a:t>
+            </a:r>
+          </a:p>
+          <a:p>
+            <a:pPr lvl="1"/>
+            <a:r>
+              <a:rPr lang="en-US"/>
+              <a:t>Second level</a:t>
+            </a:r>
+          </a:p>
+          <a:p>
+            <a:pPr lvl="2"/>
+            <a:r>
+              <a:rPr lang="en-US"/>
+              <a:t>Third level</a:t>
+            </a:r>
+          </a:p>
+          <a:p>
+            <a:pPr lvl="3"/>
+            <a:r>
+              <a:rPr lang="en-US"/>
+              <a:t>Fourth level</a:t>
+            </a:r>
+          </a:p>
+          <a:p>
+            <a:pPr lvl="4"/>
+            <a:r>
+              <a:rPr lang="en-US"/>
+              <a:t>Fifth level</a:t>
+            </a:r>
+          </a:p>
+        </p:txBody>
+      </p:sp>
+      <p:sp>
+        <p:nvSpPr>
+          <p:cNvPr id="6" name="Footer Placeholder 5"/>
+          <p:cNvSpPr>
+            <a:spLocks noGrp="1"/>
+          </p:cNvSpPr>
+          <p:nvPr>
+            <p:ph type="ftr" sz="quarter" idx="4"/>
+          </p:nvPr>
+        </p:nvSpPr>
+        <p:spPr>
+          <a:xfrm>
+            <a:off x="0" y="8685213"/>
+            <a:ext cx="2971800" cy="458787"/>
+          </a:xfrm>
+          <a:prstGeom prst="rect">
+            <a:avLst/>
+          </a:prstGeom>
+        </p:spPr>
+        <p:txBody>
+          <a:bodyPr vert="horz" lIns="91440" tIns="45720" rIns="91440" bIns="45720" rtlCol="0" anchor="b"/>
+          <a:lstStyle>
+            <a:lvl1pPr algn="l">
+              <a:defRPr sz="1200"/>
+            </a:lvl1pPr>
+          </a:lstStyle>
+          <a:p>
+            <a:endParaRPr lang="en-US"/>
+          </a:p>
+        </p:txBody>
+      </p:sp>
+      <p:sp>
+        <p:nvSpPr>
+          <p:cNvPr id="7" name="Slide Number Placeholder 6"/>
+          <p:cNvSpPr>
+            <a:spLocks noGrp="1"/>
+          </p:cNvSpPr>
+          <p:nvPr>
+            <p:ph type="sldNum" sz="quarter" idx="5"/>
+          </p:nvPr>
+        </p:nvSpPr>
+        <p:spPr>
+          <a:xfrm>
+            <a:off x="3884613" y="8685213"/>
+            <a:ext cx="2971800" cy="458787"/>
+          </a:xfrm>
+          <a:prstGeom prst="rect">
+            <a:avLst/>
+          </a:prstGeom>
+        </p:spPr>
+        <p:txBody>
+          <a:bodyPr vert="horz" lIns="91440" tIns="45720" rIns="91440" bIns="45720" rtlCol="0" anchor="b"/>
+          <a:lstStyle>
+            <a:lvl1pPr algn="r">
+              <a:defRPr sz="1200"/>
+            </a:lvl1pPr>
+          </a:lstStyle>
+          <a:p>
+            <a:fld id="{CE506262-E5CA-F645-BEFD-A2A899C2BE27}" type="slidenum">
+              <a:rPr lang="en-US" smtClean="0"/>
+              <a:t>‹#›</a:t>
+            </a:fld>
+            <a:endParaRPr lang="en-US"/>
+          </a:p>
+        </p:txBody>
+      </p:sp>
+    </p:spTree>
+    <p:extLst>
+      <p:ext uri="{BB962C8B-B14F-4D97-AF65-F5344CB8AC3E}">
+        <p14:creationId xmlns:p14="http://schemas.microsoft.com/office/powerpoint/2010/main" val="3988497460"/>
+      </p:ext>
+    </p:extLst>
+  </p:cSld>
+  <p:clrMap bg1="lt1" tx1="dk1" bg2="lt2" tx2="dk2" accent1="accent1" accent2="accent2" accent3="accent3" accent4="accent4" accent5="accent5" accent6="accent6" hlink="hlink" folHlink="folHlink"/>
+  <p:notesStyle>
+    <a:lvl1pPr marL="0" algn="l" defTabSz="914400" rtl="0" eaLnBrk="1" latinLnBrk="0" hangingPunct="1">
+      <a:defRPr sz="1200" kern="1200">
+        <a:solidFill>
+          <a:schemeClr val="tx1"/>
+        </a:solidFill>
+        <a:latin typeface="+mn-lt"/>
+        <a:ea typeface="+mn-ea"/>
+        <a:cs typeface="+mn-cs"/>
+      </a:defRPr>
+    </a:lvl1pPr>
+    <a:lvl2pPr marL="457200" algn="l" defTabSz="914400" rtl="0" eaLnBrk="1" latinLnBrk="0" hangingPunct="1">
+      <a:defRPr sz="1200" kern="1200">
+        <a:solidFill>
+          <a:schemeClr val="tx1"/>
+        </a:solidFill>
+        <a:latin typeface="+mn-lt"/>
+        <a:ea typeface="+mn-ea"/>
+        <a:cs typeface="+mn-cs"/>
+      </a:defRPr>
+    </a:lvl2pPr>
+    <a:lvl3pPr marL="914400" algn="l" defTabSz="914400" rtl="0" eaLnBrk="1" latinLnBrk="0" hangingPunct="1">
+      <a:defRPr sz="1200" kern="1200">
+        <a:solidFill>
+          <a:schemeClr val="tx1"/>
+        </a:solidFill>
+        <a:latin typeface="+mn-lt"/>
+        <a:ea typeface="+mn-ea"/>
+        <a:cs typeface="+mn-cs"/>
+      </a:defRPr>
+    </a:lvl3pPr>
+    <a:lvl4pPr marL="1371600" algn="l" defTabSz="914400" rtl="0" eaLnBrk="1" latinLnBrk="0" hangingPunct="1">
+      <a:defRPr sz="1200" kern="1200">
+        <a:solidFill>
+          <a:schemeClr val="tx1"/>
+        </a:solidFill>
+        <a:latin typeface="+mn-lt"/>
+        <a:ea typeface="+mn-ea"/>
+        <a:cs typeface="+mn-cs"/>
+      </a:defRPr>
+    </a:lvl4pPr>
+    <a:lvl5pPr marL="1828800" algn="l" defTabSz="914400" rtl="0" eaLnBrk="1" latinLnBrk="0" hangingPunct="1">
+      <a:defRPr sz="1200" kern="1200">
+        <a:solidFill>
+          <a:schemeClr val="tx1"/>
+        </a:solidFill>
+        <a:latin typeface="+mn-lt"/>
+        <a:ea typeface="+mn-ea"/>
+        <a:cs typeface="+mn-cs"/>
+      </a:defRPr>
+    </a:lvl5pPr>
+    <a:lvl6pPr marL="2286000" algn="l" defTabSz="914400" rtl="0" eaLnBrk="1" latinLnBrk="0" hangingPunct="1">
+      <a:defRPr sz="1200" kern="1200">
+        <a:solidFill>
+          <a:schemeClr val="tx1"/>
+        </a:solidFill>
+        <a:latin typeface="+mn-lt"/>
+        <a:ea typeface="+mn-ea"/>
+        <a:cs typeface="+mn-cs"/>
+      </a:defRPr>
+    </a:lvl6pPr>
+    <a:lvl7pPr marL="2743200" algn="l" defTabSz="914400" rtl="0" eaLnBrk="1" latinLnBrk="0" hangingPunct="1">
+      <a:defRPr sz="1200" kern="1200">
+        <a:solidFill>
+          <a:schemeClr val="tx1"/>
+        </a:solidFill>
+        <a:latin typeface="+mn-lt"/>
+        <a:ea typeface="+mn-ea"/>
+        <a:cs typeface="+mn-cs"/>
+      </a:defRPr>
+    </a:lvl7pPr>
+    <a:lvl8pPr marL="3200400" algn="l" defTabSz="914400" rtl="0" eaLnBrk="1" latinLnBrk="0" hangingPunct="1">
+      <a:defRPr sz="1200" kern="1200">
+        <a:solidFill>
+          <a:schemeClr val="tx1"/>
+        </a:solidFill>
+        <a:latin typeface="+mn-lt"/>
+        <a:ea typeface="+mn-ea"/>
+        <a:cs typeface="+mn-cs"/>
+      </a:defRPr>
+    </a:lvl8pPr>
+    <a:lvl9pPr marL="3657600" algn="l" defTabSz="914400" rtl="0" eaLnBrk="1" latinLnBrk="0" hangingPunct="1">
+      <a:defRPr sz="1200" kern="1200">
+        <a:solidFill>
+          <a:schemeClr val="tx1"/>
+        </a:solidFill>
+        <a:latin typeface="+mn-lt"/>
+        <a:ea typeface="+mn-ea"/>
+        <a:cs typeface="+mn-cs"/>
+      </a:defRPr>
+    </a:lvl9pPr>
+  </p:notesStyle>
+</p:notesMaster>
+</file>
+
+<file path=ppt/notesSlides/notesSlide1.xml><?xml version="1.0" encoding="utf-8"?>
+<p:notes xmlns:a="http://schemas.openxmlformats.org/drawingml/2006/main" xmlns:r="http://schemas.openxmlformats.org/officeDocument/2006/relationships" xmlns:p="http://schemas.openxmlformats.org/presentationml/2006/main">
+  <p:cSld>
+    <p:spTree>
+      <p:nvGrpSpPr>
+        <p:cNvPr id="1" name=""/>
+        <p:cNvGrpSpPr/>
+        <p:nvPr/>
+      </p:nvGrpSpPr>
+      <p:grpSpPr>
+        <a:xfrm>
+          <a:off x="0" y="0"/>
+          <a:ext cx="0" cy="0"/>
+          <a:chOff x="0" y="0"/>
+          <a:chExt cx="0" cy="0"/>
+        </a:xfrm>
+      </p:grpSpPr>
+      <p:sp>
+        <p:nvSpPr>
+          <p:cNvPr id="2" name="Slide Image Placeholder 1"/>
+          <p:cNvSpPr>
+            <a:spLocks noGrp="1" noRot="1" noChangeAspect="1"/>
+          </p:cNvSpPr>
+          <p:nvPr>
+            <p:ph type="sldImg"/>
+          </p:nvPr>
+        </p:nvSpPr>
+        <p:spPr/>
+      </p:sp>
+      <p:sp>
+        <p:nvSpPr>
+          <p:cNvPr id="3" name="Notes Placeholder 2"/>
+          <p:cNvSpPr>
+            <a:spLocks noGrp="1"/>
+          </p:cNvSpPr>
+          <p:nvPr>
+            <p:ph type="body" idx="1"/>
+          </p:nvPr>
+        </p:nvSpPr>
+        <p:spPr/>
+        <p:txBody>
+          <a:bodyPr/>
+          <a:lstStyle/>
+          <a:p>
+            <a:endParaRPr lang="en-US" dirty="0"/>
+          </a:p>
+        </p:txBody>
+      </p:sp>
+      <p:sp>
+        <p:nvSpPr>
+          <p:cNvPr id="4" name="Slide Number Placeholder 3"/>
+          <p:cNvSpPr>
+            <a:spLocks noGrp="1"/>
+          </p:cNvSpPr>
+          <p:nvPr>
+            <p:ph type="sldNum" sz="quarter" idx="10"/>
+          </p:nvPr>
+        </p:nvSpPr>
+        <p:spPr/>
+        <p:txBody>
+          <a:bodyPr/>
+          <a:lstStyle/>
+          <a:p>
+            <a:fld id="{CE506262-E5CA-F645-BEFD-A2A899C2BE27}" type="slidenum">
+              <a:rPr lang="en-US" smtClean="0"/>
+              <a:t>10</a:t>
+            </a:fld>
+            <a:endParaRPr lang="en-US"/>
+          </a:p>
+        </p:txBody>
+      </p:sp>
+    </p:spTree>
+    <p:extLst>
+      <p:ext uri="{BB962C8B-B14F-4D97-AF65-F5344CB8AC3E}">
+        <p14:creationId xmlns:p14="http://schemas.microsoft.com/office/powerpoint/2010/main" val="650300610"/>
+      </p:ext>
+    </p:extLst>
+  </p:cSld>
+  <p:clrMapOvr>
+    <a:masterClrMapping/>
+  </p:clrMapOvr>
+</p:notes>
 </file>
 
 <file path=ppt/slideLayouts/slideLayout1.xml><?xml version="1.0" encoding="utf-8"?>
@@ -3661,7 +5487,7 @@
       </p:grpSpPr>
       <p:sp useBgFill="1">
         <p:nvSpPr>
-          <p:cNvPr id="8" name="Rectangle 7">
+          <p:cNvPr id="67" name="Rectangle 66">
             <a:extLst>
               <a:ext uri="{FF2B5EF4-FFF2-40B4-BE49-F238E27FC236}">
                 <a16:creationId xmlns:a16="http://schemas.microsoft.com/office/drawing/2014/main" id="{559AE206-7EBA-4D33-8BC9-9D8158553F0E}"/>
@@ -3816,16 +5642,15 @@
           <a:p>
             <a:pPr algn="l"/>
             <a:r>
-              <a:rPr lang="en-US" dirty="0"/>
+              <a:rPr lang="en-US"/>
               <a:t>Arunabh Ghosh</a:t>
             </a:r>
-            <a:endParaRPr lang="en-US"/>
           </a:p>
         </p:txBody>
       </p:sp>
       <p:sp>
         <p:nvSpPr>
-          <p:cNvPr id="10" name="Oval 9">
+          <p:cNvPr id="69" name="Oval 68">
             <a:extLst>
               <a:ext uri="{FF2B5EF4-FFF2-40B4-BE49-F238E27FC236}">
                 <a16:creationId xmlns:a16="http://schemas.microsoft.com/office/drawing/2014/main" id="{6437D937-A7F1-4011-92B4-328E5BE1B166}"/>
@@ -3917,7 +5742,7 @@
       </p:sp>
       <p:sp>
         <p:nvSpPr>
-          <p:cNvPr id="12" name="Oval 11">
+          <p:cNvPr id="71" name="Oval 70">
             <a:extLst>
               <a:ext uri="{FF2B5EF4-FFF2-40B4-BE49-F238E27FC236}">
                 <a16:creationId xmlns:a16="http://schemas.microsoft.com/office/drawing/2014/main" id="{B672F332-AF08-46C6-94F0-77684310D7B7}"/>
@@ -4009,7 +5834,7 @@
       </p:sp>
       <p:sp>
         <p:nvSpPr>
-          <p:cNvPr id="14" name="Oval 13">
+          <p:cNvPr id="73" name="Oval 72">
             <a:extLst>
               <a:ext uri="{FF2B5EF4-FFF2-40B4-BE49-F238E27FC236}">
                 <a16:creationId xmlns:a16="http://schemas.microsoft.com/office/drawing/2014/main" id="{34244EF8-D73A-40E1-BE73-D46E6B4B04ED}"/>
@@ -4101,7 +5926,7 @@
       </p:sp>
       <p:sp>
         <p:nvSpPr>
-          <p:cNvPr id="16" name="Freeform: Shape 15">
+          <p:cNvPr id="75" name="Freeform: Shape 74">
             <a:extLst>
               <a:ext uri="{FF2B5EF4-FFF2-40B4-BE49-F238E27FC236}">
                 <a16:creationId xmlns:a16="http://schemas.microsoft.com/office/drawing/2014/main" id="{AB84D7E8-4ECB-42D7-ADBF-01689B0F24AE}"/>
@@ -4256,7 +6081,7 @@
       </p:sp>
       <p:cxnSp>
         <p:nvCxnSpPr>
-          <p:cNvPr id="18" name="Straight Connector 17">
+          <p:cNvPr id="77" name="Straight Connector 76">
             <a:extLst>
               <a:ext uri="{FF2B5EF4-FFF2-40B4-BE49-F238E27FC236}">
                 <a16:creationId xmlns:a16="http://schemas.microsoft.com/office/drawing/2014/main" id="{9E8E38ED-369A-44C2-B635-0BED0E48A6E8}"/>
@@ -4310,6 +6135,689 @@
     <p:extLst>
       <p:ext uri="{BB962C8B-B14F-4D97-AF65-F5344CB8AC3E}">
         <p14:creationId xmlns:p14="http://schemas.microsoft.com/office/powerpoint/2010/main" val="2746130241"/>
+      </p:ext>
+    </p:extLst>
+  </p:cSld>
+  <p:clrMapOvr>
+    <a:masterClrMapping/>
+  </p:clrMapOvr>
+</p:sld>
+</file>
+
+<file path=ppt/slides/slide10.xml><?xml version="1.0" encoding="utf-8"?>
+<p:sld xmlns:a="http://schemas.openxmlformats.org/drawingml/2006/main" xmlns:r="http://schemas.openxmlformats.org/officeDocument/2006/relationships" xmlns:p="http://schemas.openxmlformats.org/presentationml/2006/main">
+  <p:cSld>
+    <p:spTree>
+      <p:nvGrpSpPr>
+        <p:cNvPr id="1" name=""/>
+        <p:cNvGrpSpPr/>
+        <p:nvPr/>
+      </p:nvGrpSpPr>
+      <p:grpSpPr>
+        <a:xfrm>
+          <a:off x="0" y="0"/>
+          <a:ext cx="0" cy="0"/>
+          <a:chOff x="0" y="0"/>
+          <a:chExt cx="0" cy="0"/>
+        </a:xfrm>
+      </p:grpSpPr>
+      <p:sp>
+        <p:nvSpPr>
+          <p:cNvPr id="2" name="Title 1">
+            <a:extLst>
+              <a:ext uri="{FF2B5EF4-FFF2-40B4-BE49-F238E27FC236}">
+                <a16:creationId xmlns:a16="http://schemas.microsoft.com/office/drawing/2014/main" id="{9C7A2939-8295-EA45-972D-C31651D63751}"/>
+              </a:ext>
+            </a:extLst>
+          </p:cNvPr>
+          <p:cNvSpPr>
+            <a:spLocks noGrp="1"/>
+          </p:cNvSpPr>
+          <p:nvPr>
+            <p:ph type="title"/>
+          </p:nvPr>
+        </p:nvSpPr>
+        <p:spPr/>
+        <p:txBody>
+          <a:bodyPr/>
+          <a:lstStyle/>
+          <a:p>
+            <a:r>
+              <a:rPr lang="en-US" dirty="0"/>
+              <a:t>And the final result!</a:t>
+            </a:r>
+          </a:p>
+        </p:txBody>
+      </p:sp>
+      <p:pic>
+        <p:nvPicPr>
+          <p:cNvPr id="5" name="Picture 4">
+            <a:extLst>
+              <a:ext uri="{FF2B5EF4-FFF2-40B4-BE49-F238E27FC236}">
+                <a16:creationId xmlns:a16="http://schemas.microsoft.com/office/drawing/2014/main" id="{4352743D-8FF7-A44B-B5B4-E38AE9DCF0BD}"/>
+              </a:ext>
+            </a:extLst>
+          </p:cNvPr>
+          <p:cNvPicPr>
+            <a:picLocks noChangeAspect="1"/>
+          </p:cNvPicPr>
+          <p:nvPr/>
+        </p:nvPicPr>
+        <p:blipFill>
+          <a:blip r:embed="rId3"/>
+          <a:stretch>
+            <a:fillRect/>
+          </a:stretch>
+        </p:blipFill>
+        <p:spPr>
+          <a:xfrm>
+            <a:off x="1841213" y="2371058"/>
+            <a:ext cx="2561105" cy="2561105"/>
+          </a:xfrm>
+          <a:prstGeom prst="rect">
+            <a:avLst/>
+          </a:prstGeom>
+        </p:spPr>
+      </p:pic>
+      <p:pic>
+        <p:nvPicPr>
+          <p:cNvPr id="11" name="Picture 10">
+            <a:extLst>
+              <a:ext uri="{FF2B5EF4-FFF2-40B4-BE49-F238E27FC236}">
+                <a16:creationId xmlns:a16="http://schemas.microsoft.com/office/drawing/2014/main" id="{1DD6BC05-CBE9-6345-8C83-AF9ADF35B7A6}"/>
+              </a:ext>
+            </a:extLst>
+          </p:cNvPr>
+          <p:cNvPicPr>
+            <a:picLocks noChangeAspect="1"/>
+          </p:cNvPicPr>
+          <p:nvPr/>
+        </p:nvPicPr>
+        <p:blipFill>
+          <a:blip r:embed="rId4"/>
+          <a:stretch>
+            <a:fillRect/>
+          </a:stretch>
+        </p:blipFill>
+        <p:spPr>
+          <a:xfrm>
+            <a:off x="6372520" y="2090891"/>
+            <a:ext cx="4161915" cy="3121437"/>
+          </a:xfrm>
+          <a:prstGeom prst="rect">
+            <a:avLst/>
+          </a:prstGeom>
+        </p:spPr>
+      </p:pic>
+      <p:sp>
+        <p:nvSpPr>
+          <p:cNvPr id="12" name="TextBox 11">
+            <a:extLst>
+              <a:ext uri="{FF2B5EF4-FFF2-40B4-BE49-F238E27FC236}">
+                <a16:creationId xmlns:a16="http://schemas.microsoft.com/office/drawing/2014/main" id="{86EBD8A1-8D5D-8D45-8CEA-01676695E95B}"/>
+              </a:ext>
+            </a:extLst>
+          </p:cNvPr>
+          <p:cNvSpPr txBox="1"/>
+          <p:nvPr/>
+        </p:nvSpPr>
+        <p:spPr>
+          <a:xfrm>
+            <a:off x="6827857" y="5162058"/>
+            <a:ext cx="5071730" cy="369332"/>
+          </a:xfrm>
+          <a:prstGeom prst="rect">
+            <a:avLst/>
+          </a:prstGeom>
+          <a:noFill/>
+        </p:spPr>
+        <p:txBody>
+          <a:bodyPr wrap="square" rtlCol="0">
+            <a:spAutoFit/>
+          </a:bodyPr>
+          <a:lstStyle/>
+          <a:p>
+            <a:r>
+              <a:rPr lang="en-US" dirty="0"/>
+              <a:t>The error as the iterations progressed</a:t>
+            </a:r>
+          </a:p>
+        </p:txBody>
+      </p:sp>
+      <p:sp>
+        <p:nvSpPr>
+          <p:cNvPr id="13" name="TextBox 12">
+            <a:extLst>
+              <a:ext uri="{FF2B5EF4-FFF2-40B4-BE49-F238E27FC236}">
+                <a16:creationId xmlns:a16="http://schemas.microsoft.com/office/drawing/2014/main" id="{DC69A5D1-08DF-754F-80EF-D7EC2BBDD5D7}"/>
+              </a:ext>
+            </a:extLst>
+          </p:cNvPr>
+          <p:cNvSpPr txBox="1"/>
+          <p:nvPr/>
+        </p:nvSpPr>
+        <p:spPr>
+          <a:xfrm>
+            <a:off x="1756127" y="5162058"/>
+            <a:ext cx="5071730" cy="369332"/>
+          </a:xfrm>
+          <a:prstGeom prst="rect">
+            <a:avLst/>
+          </a:prstGeom>
+          <a:noFill/>
+        </p:spPr>
+        <p:txBody>
+          <a:bodyPr wrap="square" rtlCol="0">
+            <a:spAutoFit/>
+          </a:bodyPr>
+          <a:lstStyle/>
+          <a:p>
+            <a:r>
+              <a:rPr lang="en-US" dirty="0"/>
+              <a:t>The final reconstructed image</a:t>
+            </a:r>
+          </a:p>
+        </p:txBody>
+      </p:sp>
+    </p:spTree>
+    <p:extLst>
+      <p:ext uri="{BB962C8B-B14F-4D97-AF65-F5344CB8AC3E}">
+        <p14:creationId xmlns:p14="http://schemas.microsoft.com/office/powerpoint/2010/main" val="267253209"/>
+      </p:ext>
+    </p:extLst>
+  </p:cSld>
+  <p:clrMapOvr>
+    <a:masterClrMapping/>
+  </p:clrMapOvr>
+</p:sld>
+</file>
+
+<file path=ppt/slides/slide11.xml><?xml version="1.0" encoding="utf-8"?>
+<p:sld xmlns:a="http://schemas.openxmlformats.org/drawingml/2006/main" xmlns:r="http://schemas.openxmlformats.org/officeDocument/2006/relationships" xmlns:p="http://schemas.openxmlformats.org/presentationml/2006/main">
+  <p:cSld>
+    <p:spTree>
+      <p:nvGrpSpPr>
+        <p:cNvPr id="1" name=""/>
+        <p:cNvGrpSpPr/>
+        <p:nvPr/>
+      </p:nvGrpSpPr>
+      <p:grpSpPr>
+        <a:xfrm>
+          <a:off x="0" y="0"/>
+          <a:ext cx="0" cy="0"/>
+          <a:chOff x="0" y="0"/>
+          <a:chExt cx="0" cy="0"/>
+        </a:xfrm>
+      </p:grpSpPr>
+      <p:sp>
+        <p:nvSpPr>
+          <p:cNvPr id="2" name="Title 1">
+            <a:extLst>
+              <a:ext uri="{FF2B5EF4-FFF2-40B4-BE49-F238E27FC236}">
+                <a16:creationId xmlns:a16="http://schemas.microsoft.com/office/drawing/2014/main" id="{E5F991EA-378F-A446-9561-6129077ABC9C}"/>
+              </a:ext>
+            </a:extLst>
+          </p:cNvPr>
+          <p:cNvSpPr>
+            <a:spLocks noGrp="1"/>
+          </p:cNvSpPr>
+          <p:nvPr>
+            <p:ph type="title"/>
+          </p:nvPr>
+        </p:nvSpPr>
+        <p:spPr/>
+        <p:txBody>
+          <a:bodyPr/>
+          <a:lstStyle/>
+          <a:p>
+            <a:r>
+              <a:rPr lang="en-US" dirty="0"/>
+              <a:t>Refinement of the result using RELION</a:t>
+            </a:r>
+          </a:p>
+        </p:txBody>
+      </p:sp>
+      <mc:AlternateContent xmlns:mc="http://schemas.openxmlformats.org/markup-compatibility/2006">
+        <mc:Choice xmlns:a14="http://schemas.microsoft.com/office/drawing/2010/main" Requires="a14">
+          <p:sp>
+            <p:nvSpPr>
+              <p:cNvPr id="3" name="Content Placeholder 2">
+                <a:extLst>
+                  <a:ext uri="{FF2B5EF4-FFF2-40B4-BE49-F238E27FC236}">
+                    <a16:creationId xmlns:a16="http://schemas.microsoft.com/office/drawing/2014/main" id="{5D9B901C-A64E-0C47-A685-57E56D5D58A6}"/>
+                  </a:ext>
+                </a:extLst>
+              </p:cNvPr>
+              <p:cNvSpPr>
+                <a:spLocks noGrp="1"/>
+              </p:cNvSpPr>
+              <p:nvPr>
+                <p:ph idx="1"/>
+              </p:nvPr>
+            </p:nvSpPr>
+            <p:spPr/>
+            <p:txBody>
+              <a:bodyPr/>
+              <a:lstStyle/>
+              <a:p>
+                <a:r>
+                  <a:rPr lang="en-US" dirty="0"/>
+                  <a:t>We use the model estimated by the previous algorithm to provide us with the estimates of the orientations of the projections. </a:t>
+                </a:r>
+              </a:p>
+              <a:p>
+                <a:r>
+                  <a:rPr lang="en-US" dirty="0"/>
+                  <a:t>The orientation of each projection is selected in the following way:</a:t>
+                </a:r>
+              </a:p>
+              <a:p>
+                <a:pPr marL="0" indent="0">
+                  <a:buNone/>
+                </a:pPr>
+                <a:endParaRPr lang="en-US" dirty="0"/>
+              </a:p>
+              <a:p>
+                <a:pPr marL="0" indent="0">
+                  <a:buNone/>
+                </a:pPr>
+                <a14:m>
+                  <m:oMathPara xmlns:m="http://schemas.openxmlformats.org/officeDocument/2006/math">
+                    <m:oMathParaPr>
+                      <m:jc m:val="center"/>
+                    </m:oMathParaPr>
+                    <m:oMath xmlns:m="http://schemas.openxmlformats.org/officeDocument/2006/math">
+                      <m:sSub>
+                        <m:sSubPr>
+                          <m:ctrlPr>
+                            <a:rPr lang="en-US" b="0" i="1" smtClean="0">
+                              <a:latin typeface="Cambria Math" panose="02040503050406030204" pitchFamily="18" charset="0"/>
+                            </a:rPr>
+                          </m:ctrlPr>
+                        </m:sSubPr>
+                        <m:e>
+                          <m:r>
+                            <a:rPr lang="en-US" b="0" i="1" smtClean="0">
+                              <a:latin typeface="Cambria Math" panose="02040503050406030204" pitchFamily="18" charset="0"/>
+                            </a:rPr>
+                            <m:t>𝜃</m:t>
+                          </m:r>
+                        </m:e>
+                        <m:sub>
+                          <m:r>
+                            <a:rPr lang="en-US" b="0" i="1" smtClean="0">
+                              <a:latin typeface="Cambria Math" panose="02040503050406030204" pitchFamily="18" charset="0"/>
+                            </a:rPr>
+                            <m:t>𝑖</m:t>
+                          </m:r>
+                        </m:sub>
+                      </m:sSub>
+                      <m:r>
+                        <a:rPr lang="en-US" b="0" i="1" smtClean="0">
+                          <a:latin typeface="Cambria Math" panose="02040503050406030204" pitchFamily="18" charset="0"/>
+                        </a:rPr>
+                        <m:t>=</m:t>
+                      </m:r>
+                      <m:func>
+                        <m:funcPr>
+                          <m:ctrlPr>
+                            <a:rPr lang="en-US" b="0" i="1" smtClean="0">
+                              <a:latin typeface="Cambria Math" panose="02040503050406030204" pitchFamily="18" charset="0"/>
+                            </a:rPr>
+                          </m:ctrlPr>
+                        </m:funcPr>
+                        <m:fName>
+                          <m:limLow>
+                            <m:limLowPr>
+                              <m:ctrlPr>
+                                <a:rPr lang="en-US" b="0" i="1" smtClean="0">
+                                  <a:latin typeface="Cambria Math" panose="02040503050406030204" pitchFamily="18" charset="0"/>
+                                </a:rPr>
+                              </m:ctrlPr>
+                            </m:limLowPr>
+                            <m:e>
+                              <m:r>
+                                <m:rPr>
+                                  <m:sty m:val="p"/>
+                                </m:rPr>
+                                <a:rPr lang="en-US" b="0" i="0" smtClean="0">
+                                  <a:latin typeface="Cambria Math" panose="02040503050406030204" pitchFamily="18" charset="0"/>
+                                </a:rPr>
+                                <m:t>min</m:t>
+                              </m:r>
+                            </m:e>
+                            <m:lim>
+                              <m:sSub>
+                                <m:sSubPr>
+                                  <m:ctrlPr>
+                                    <a:rPr lang="en-US" b="0" i="1" smtClean="0">
+                                      <a:latin typeface="Cambria Math" panose="02040503050406030204" pitchFamily="18" charset="0"/>
+                                    </a:rPr>
+                                  </m:ctrlPr>
+                                </m:sSubPr>
+                                <m:e>
+                                  <m:r>
+                                    <a:rPr lang="en-US" b="0" i="1" smtClean="0">
+                                      <a:latin typeface="Cambria Math" panose="02040503050406030204" pitchFamily="18" charset="0"/>
+                                    </a:rPr>
+                                    <m:t>𝜃</m:t>
+                                  </m:r>
+                                </m:e>
+                                <m:sub>
+                                  <m:r>
+                                    <a:rPr lang="en-US" b="0" i="1" smtClean="0">
+                                      <a:latin typeface="Cambria Math" panose="02040503050406030204" pitchFamily="18" charset="0"/>
+                                    </a:rPr>
+                                    <m:t>𝑖</m:t>
+                                  </m:r>
+                                </m:sub>
+                              </m:sSub>
+                            </m:lim>
+                          </m:limLow>
+                        </m:fName>
+                        <m:e>
+                          <m:sSup>
+                            <m:sSupPr>
+                              <m:ctrlPr>
+                                <a:rPr lang="en-US" b="0" i="1" smtClean="0">
+                                  <a:latin typeface="Cambria Math" panose="02040503050406030204" pitchFamily="18" charset="0"/>
+                                </a:rPr>
+                              </m:ctrlPr>
+                            </m:sSupPr>
+                            <m:e>
+                              <m:d>
+                                <m:dPr>
+                                  <m:begChr m:val="‖"/>
+                                  <m:endChr m:val="‖"/>
+                                  <m:ctrlPr>
+                                    <a:rPr lang="en-US" b="0" i="1" smtClean="0">
+                                      <a:latin typeface="Cambria Math" panose="02040503050406030204" pitchFamily="18" charset="0"/>
+                                    </a:rPr>
+                                  </m:ctrlPr>
+                                </m:dPr>
+                                <m:e>
+                                  <m:sSub>
+                                    <m:sSubPr>
+                                      <m:ctrlPr>
+                                        <a:rPr lang="en-US" b="0" i="1" smtClean="0">
+                                          <a:latin typeface="Cambria Math" panose="02040503050406030204" pitchFamily="18" charset="0"/>
+                                        </a:rPr>
+                                      </m:ctrlPr>
+                                    </m:sSubPr>
+                                    <m:e>
+                                      <m:r>
+                                        <a:rPr lang="en-US" b="0" i="1" smtClean="0">
+                                          <a:latin typeface="Cambria Math" panose="02040503050406030204" pitchFamily="18" charset="0"/>
+                                        </a:rPr>
+                                        <m:t>𝑋</m:t>
+                                      </m:r>
+                                    </m:e>
+                                    <m:sub>
+                                      <m:r>
+                                        <a:rPr lang="en-US" b="0" i="1" smtClean="0">
+                                          <a:latin typeface="Cambria Math" panose="02040503050406030204" pitchFamily="18" charset="0"/>
+                                        </a:rPr>
+                                        <m:t>𝑖</m:t>
+                                      </m:r>
+                                    </m:sub>
+                                  </m:sSub>
+                                  <m:r>
+                                    <a:rPr lang="en-US" b="0" i="1" smtClean="0">
+                                      <a:latin typeface="Cambria Math" panose="02040503050406030204" pitchFamily="18" charset="0"/>
+                                    </a:rPr>
+                                    <m:t>−</m:t>
+                                  </m:r>
+                                  <m:sSub>
+                                    <m:sSubPr>
+                                      <m:ctrlPr>
+                                        <a:rPr lang="en-US" b="0" i="1" smtClean="0">
+                                          <a:latin typeface="Cambria Math" panose="02040503050406030204" pitchFamily="18" charset="0"/>
+                                        </a:rPr>
+                                      </m:ctrlPr>
+                                    </m:sSubPr>
+                                    <m:e>
+                                      <m:r>
+                                        <a:rPr lang="en-US" b="0" i="1" smtClean="0">
+                                          <a:latin typeface="Cambria Math" panose="02040503050406030204" pitchFamily="18" charset="0"/>
+                                        </a:rPr>
+                                        <m:t>𝑅</m:t>
+                                      </m:r>
+                                    </m:e>
+                                    <m:sub>
+                                      <m:sSub>
+                                        <m:sSubPr>
+                                          <m:ctrlPr>
+                                            <a:rPr lang="en-US" b="0" i="1" smtClean="0">
+                                              <a:latin typeface="Cambria Math" panose="02040503050406030204" pitchFamily="18" charset="0"/>
+                                            </a:rPr>
+                                          </m:ctrlPr>
+                                        </m:sSubPr>
+                                        <m:e>
+                                          <m:r>
+                                            <a:rPr lang="en-US" b="0" i="1" smtClean="0">
+                                              <a:latin typeface="Cambria Math" panose="02040503050406030204" pitchFamily="18" charset="0"/>
+                                            </a:rPr>
+                                            <m:t>𝜃</m:t>
+                                          </m:r>
+                                        </m:e>
+                                        <m:sub>
+                                          <m:r>
+                                            <a:rPr lang="en-US" b="0" i="1" smtClean="0">
+                                              <a:latin typeface="Cambria Math" panose="02040503050406030204" pitchFamily="18" charset="0"/>
+                                            </a:rPr>
+                                            <m:t>𝑖</m:t>
+                                          </m:r>
+                                        </m:sub>
+                                      </m:sSub>
+                                    </m:sub>
+                                  </m:sSub>
+                                  <m:r>
+                                    <a:rPr lang="en-US" b="0" i="1" smtClean="0">
+                                      <a:latin typeface="Cambria Math" panose="02040503050406030204" pitchFamily="18" charset="0"/>
+                                    </a:rPr>
+                                    <m:t>𝑉</m:t>
+                                  </m:r>
+                                </m:e>
+                              </m:d>
+                            </m:e>
+                            <m:sup>
+                              <m:r>
+                                <a:rPr lang="en-US" b="0" i="1" smtClean="0">
+                                  <a:latin typeface="Cambria Math" panose="02040503050406030204" pitchFamily="18" charset="0"/>
+                                </a:rPr>
+                                <m:t>2</m:t>
+                              </m:r>
+                            </m:sup>
+                          </m:sSup>
+                          <m:r>
+                            <a:rPr lang="en-US" b="0" i="1" smtClean="0">
+                              <a:latin typeface="Cambria Math" panose="02040503050406030204" pitchFamily="18" charset="0"/>
+                            </a:rPr>
+                            <m:t> </m:t>
+                          </m:r>
+                        </m:e>
+                      </m:func>
+                    </m:oMath>
+                  </m:oMathPara>
+                </a14:m>
+                <a:endParaRPr lang="en-US" dirty="0"/>
+              </a:p>
+              <a:p>
+                <a:pPr/>
+                <a:r>
+                  <a:rPr lang="en-US" dirty="0"/>
+                  <a:t>Using this as our initial angle estimates, I use my previously developed RELION algorithm to further refine the image.</a:t>
+                </a:r>
+              </a:p>
+            </p:txBody>
+          </p:sp>
+        </mc:Choice>
+        <mc:Fallback>
+          <p:sp>
+            <p:nvSpPr>
+              <p:cNvPr id="3" name="Content Placeholder 2">
+                <a:extLst>
+                  <a:ext uri="{FF2B5EF4-FFF2-40B4-BE49-F238E27FC236}">
+                    <a16:creationId xmlns:a16="http://schemas.microsoft.com/office/drawing/2014/main" id="{5D9B901C-A64E-0C47-A685-57E56D5D58A6}"/>
+                  </a:ext>
+                </a:extLst>
+              </p:cNvPr>
+              <p:cNvSpPr>
+                <a:spLocks noGrp="1" noRot="1" noChangeAspect="1" noMove="1" noResize="1" noEditPoints="1" noAdjustHandles="1" noChangeArrowheads="1" noChangeShapeType="1" noTextEdit="1"/>
+              </p:cNvSpPr>
+              <p:nvPr>
+                <p:ph idx="1"/>
+              </p:nvPr>
+            </p:nvSpPr>
+            <p:spPr>
+              <a:blipFill>
+                <a:blip r:embed="rId2"/>
+                <a:stretch>
+                  <a:fillRect l="-965" t="-2632"/>
+                </a:stretch>
+              </a:blipFill>
+            </p:spPr>
+            <p:txBody>
+              <a:bodyPr/>
+              <a:lstStyle/>
+              <a:p>
+                <a:r>
+                  <a:rPr lang="en-US">
+                    <a:noFill/>
+                  </a:rPr>
+                  <a:t> </a:t>
+                </a:r>
+              </a:p>
+            </p:txBody>
+          </p:sp>
+        </mc:Fallback>
+      </mc:AlternateContent>
+    </p:spTree>
+    <p:extLst>
+      <p:ext uri="{BB962C8B-B14F-4D97-AF65-F5344CB8AC3E}">
+        <p14:creationId xmlns:p14="http://schemas.microsoft.com/office/powerpoint/2010/main" val="3060912439"/>
+      </p:ext>
+    </p:extLst>
+  </p:cSld>
+  <p:clrMapOvr>
+    <a:masterClrMapping/>
+  </p:clrMapOvr>
+</p:sld>
+</file>
+
+<file path=ppt/slides/slide12.xml><?xml version="1.0" encoding="utf-8"?>
+<p:sld xmlns:a="http://schemas.openxmlformats.org/drawingml/2006/main" xmlns:r="http://schemas.openxmlformats.org/officeDocument/2006/relationships" xmlns:p="http://schemas.openxmlformats.org/presentationml/2006/main">
+  <p:cSld>
+    <p:spTree>
+      <p:nvGrpSpPr>
+        <p:cNvPr id="1" name=""/>
+        <p:cNvGrpSpPr/>
+        <p:nvPr/>
+      </p:nvGrpSpPr>
+      <p:grpSpPr>
+        <a:xfrm>
+          <a:off x="0" y="0"/>
+          <a:ext cx="0" cy="0"/>
+          <a:chOff x="0" y="0"/>
+          <a:chExt cx="0" cy="0"/>
+        </a:xfrm>
+      </p:grpSpPr>
+      <p:sp>
+        <p:nvSpPr>
+          <p:cNvPr id="2" name="Title 1">
+            <a:extLst>
+              <a:ext uri="{FF2B5EF4-FFF2-40B4-BE49-F238E27FC236}">
+                <a16:creationId xmlns:a16="http://schemas.microsoft.com/office/drawing/2014/main" id="{430CB877-7E63-1F4E-8DD7-5F2F5921C786}"/>
+              </a:ext>
+            </a:extLst>
+          </p:cNvPr>
+          <p:cNvSpPr>
+            <a:spLocks noGrp="1"/>
+          </p:cNvSpPr>
+          <p:nvPr>
+            <p:ph type="title"/>
+          </p:nvPr>
+        </p:nvSpPr>
+        <p:spPr/>
+        <p:txBody>
+          <a:bodyPr/>
+          <a:lstStyle/>
+          <a:p>
+            <a:r>
+              <a:rPr lang="en-US" dirty="0"/>
+              <a:t>Results</a:t>
+            </a:r>
+          </a:p>
+        </p:txBody>
+      </p:sp>
+      <p:pic>
+        <p:nvPicPr>
+          <p:cNvPr id="5" name="Content Placeholder 4">
+            <a:extLst>
+              <a:ext uri="{FF2B5EF4-FFF2-40B4-BE49-F238E27FC236}">
+                <a16:creationId xmlns:a16="http://schemas.microsoft.com/office/drawing/2014/main" id="{FBD1FF75-76B7-8A41-AFED-DE551443EA47}"/>
+              </a:ext>
+            </a:extLst>
+          </p:cNvPr>
+          <p:cNvPicPr>
+            <a:picLocks noGrp="1" noChangeAspect="1"/>
+          </p:cNvPicPr>
+          <p:nvPr>
+            <p:ph idx="1"/>
+          </p:nvPr>
+        </p:nvPicPr>
+        <p:blipFill>
+          <a:blip r:embed="rId2"/>
+          <a:stretch>
+            <a:fillRect/>
+          </a:stretch>
+        </p:blipFill>
+        <p:spPr>
+          <a:xfrm>
+            <a:off x="941895" y="1690688"/>
+            <a:ext cx="1346200" cy="1346200"/>
+          </a:xfrm>
+        </p:spPr>
+      </p:pic>
+      <p:sp>
+        <p:nvSpPr>
+          <p:cNvPr id="6" name="TextBox 5">
+            <a:extLst>
+              <a:ext uri="{FF2B5EF4-FFF2-40B4-BE49-F238E27FC236}">
+                <a16:creationId xmlns:a16="http://schemas.microsoft.com/office/drawing/2014/main" id="{81194699-5523-F349-B7C5-7ED536A4F6FF}"/>
+              </a:ext>
+            </a:extLst>
+          </p:cNvPr>
+          <p:cNvSpPr txBox="1"/>
+          <p:nvPr/>
+        </p:nvSpPr>
+        <p:spPr>
+          <a:xfrm>
+            <a:off x="838200" y="3167406"/>
+            <a:ext cx="1970988" cy="369332"/>
+          </a:xfrm>
+          <a:prstGeom prst="rect">
+            <a:avLst/>
+          </a:prstGeom>
+          <a:noFill/>
+        </p:spPr>
+        <p:txBody>
+          <a:bodyPr wrap="square" rtlCol="0">
+            <a:spAutoFit/>
+          </a:bodyPr>
+          <a:lstStyle/>
+          <a:p>
+            <a:r>
+              <a:rPr lang="en-US" dirty="0"/>
+              <a:t>The initial estimate</a:t>
+            </a:r>
+          </a:p>
+        </p:txBody>
+      </p:sp>
+    </p:spTree>
+    <p:extLst>
+      <p:ext uri="{BB962C8B-B14F-4D97-AF65-F5344CB8AC3E}">
+        <p14:creationId xmlns:p14="http://schemas.microsoft.com/office/powerpoint/2010/main" val="1384843664"/>
       </p:ext>
     </p:extLst>
   </p:cSld>
@@ -4850,15 +7358,21 @@
             <p:ph type="title"/>
           </p:nvPr>
         </p:nvSpPr>
-        <p:spPr/>
+        <p:spPr>
+          <a:xfrm>
+            <a:off x="838200" y="365125"/>
+            <a:ext cx="10515600" cy="1325563"/>
+          </a:xfrm>
+        </p:spPr>
         <p:txBody>
           <a:bodyPr/>
           <a:lstStyle/>
           <a:p>
             <a:r>
-              <a:rPr lang="en-US" dirty="0"/>
+              <a:rPr lang="en-US"/>
               <a:t>Optimization framework</a:t>
             </a:r>
+            <a:endParaRPr lang="en-US" dirty="0"/>
           </a:p>
         </p:txBody>
       </p:sp>
@@ -4880,10 +7394,15 @@
                 <p:ph idx="1"/>
               </p:nvPr>
             </p:nvSpPr>
-            <p:spPr/>
+            <p:spPr>
+              <a:xfrm>
+                <a:off x="838200" y="1825625"/>
+                <a:ext cx="10515600" cy="4351338"/>
+              </a:xfrm>
+            </p:spPr>
             <p:txBody>
               <a:bodyPr>
-                <a:normAutofit/>
+                <a:normAutofit lnSpcReduction="10000"/>
               </a:bodyPr>
               <a:lstStyle/>
               <a:p>
@@ -4893,15 +7412,24 @@
                 </a:r>
               </a:p>
               <a:p>
+                <a:endParaRPr lang="en-US" dirty="0"/>
+              </a:p>
+              <a:p>
                 <a:pPr marL="0" indent="0" algn="ctr">
                   <a:buNone/>
                 </a:pPr>
                 <a14:m>
                   <m:oMathPara xmlns:m="http://schemas.openxmlformats.org/officeDocument/2006/math">
                     <m:oMathParaPr>
-                      <m:jc m:val="centerGroup"/>
+                      <m:jc m:val="left"/>
                     </m:oMathParaPr>
                     <m:oMath xmlns:m="http://schemas.openxmlformats.org/officeDocument/2006/math">
+                      <m:r>
+                        <a:rPr lang="en-US" b="0" i="1" smtClean="0">
+                          <a:latin typeface="Cambria Math" panose="02040503050406030204" pitchFamily="18" charset="0"/>
+                        </a:rPr>
+                        <m:t>                    =</m:t>
+                      </m:r>
                       <m:r>
                         <m:rPr>
                           <m:sty m:val="p"/>
@@ -4973,64 +7501,8 @@
                                 <a:rPr lang="en-US" i="1">
                                   <a:latin typeface="Cambria Math" panose="02040503050406030204" pitchFamily="18" charset="0"/>
                                 </a:rPr>
-                                <m:t>1</m:t>
+                                <m:t>1,…</m:t>
                               </m:r>
-                            </m:sub>
-                          </m:sSub>
-                          <m:r>
-                            <a:rPr lang="en-US" i="1">
-                              <a:latin typeface="Cambria Math" panose="02040503050406030204" pitchFamily="18" charset="0"/>
-                            </a:rPr>
-                            <m:t>, </m:t>
-                          </m:r>
-                          <m:sSub>
-                            <m:sSubPr>
-                              <m:ctrlPr>
-                                <a:rPr lang="en-US" i="1">
-                                  <a:latin typeface="Cambria Math" panose="02040503050406030204" pitchFamily="18" charset="0"/>
-                                </a:rPr>
-                              </m:ctrlPr>
-                            </m:sSubPr>
-                            <m:e>
-                              <m:r>
-                                <a:rPr lang="en-US" i="1">
-                                  <a:latin typeface="Cambria Math" panose="02040503050406030204" pitchFamily="18" charset="0"/>
-                                </a:rPr>
-                                <m:t>𝑉</m:t>
-                              </m:r>
-                            </m:e>
-                            <m:sub>
-                              <m:r>
-                                <a:rPr lang="en-US" i="1">
-                                  <a:latin typeface="Cambria Math" panose="02040503050406030204" pitchFamily="18" charset="0"/>
-                                </a:rPr>
-                                <m:t>2</m:t>
-                              </m:r>
-                            </m:sub>
-                          </m:sSub>
-                          <m:r>
-                            <a:rPr lang="en-US" i="1">
-                              <a:latin typeface="Cambria Math" panose="02040503050406030204" pitchFamily="18" charset="0"/>
-                            </a:rPr>
-                            <m:t>,.., </m:t>
-                          </m:r>
-                          <m:sSub>
-                            <m:sSubPr>
-                              <m:ctrlPr>
-                                <a:rPr lang="en-US" i="1">
-                                  <a:latin typeface="Cambria Math" panose="02040503050406030204" pitchFamily="18" charset="0"/>
-                                </a:rPr>
-                              </m:ctrlPr>
-                            </m:sSubPr>
-                            <m:e>
-                              <m:r>
-                                <a:rPr lang="en-US" i="1">
-                                  <a:latin typeface="Cambria Math" panose="02040503050406030204" pitchFamily="18" charset="0"/>
-                                </a:rPr>
-                                <m:t>𝑉</m:t>
-                              </m:r>
-                            </m:e>
-                            <m:sub>
                               <m:r>
                                 <a:rPr lang="en-US" i="1">
                                   <a:latin typeface="Cambria Math" panose="02040503050406030204" pitchFamily="18" charset="0"/>
@@ -5098,64 +7570,8 @@
                             <a:rPr lang="en-US" i="1">
                               <a:latin typeface="Cambria Math" panose="02040503050406030204" pitchFamily="18" charset="0"/>
                             </a:rPr>
-                            <m:t>1</m:t>
+                            <m:t>1,…</m:t>
                           </m:r>
-                        </m:sub>
-                      </m:sSub>
-                      <m:r>
-                        <a:rPr lang="en-US" i="1">
-                          <a:latin typeface="Cambria Math" panose="02040503050406030204" pitchFamily="18" charset="0"/>
-                        </a:rPr>
-                        <m:t>, </m:t>
-                      </m:r>
-                      <m:sSub>
-                        <m:sSubPr>
-                          <m:ctrlPr>
-                            <a:rPr lang="en-US" i="1">
-                              <a:latin typeface="Cambria Math" panose="02040503050406030204" pitchFamily="18" charset="0"/>
-                            </a:rPr>
-                          </m:ctrlPr>
-                        </m:sSubPr>
-                        <m:e>
-                          <m:r>
-                            <a:rPr lang="en-US" b="0" i="1" smtClean="0">
-                              <a:latin typeface="Cambria Math" panose="02040503050406030204" pitchFamily="18" charset="0"/>
-                            </a:rPr>
-                            <m:t>𝑉</m:t>
-                          </m:r>
-                        </m:e>
-                        <m:sub>
-                          <m:r>
-                            <a:rPr lang="en-US" i="1">
-                              <a:latin typeface="Cambria Math" panose="02040503050406030204" pitchFamily="18" charset="0"/>
-                            </a:rPr>
-                            <m:t>2</m:t>
-                          </m:r>
-                        </m:sub>
-                      </m:sSub>
-                      <m:r>
-                        <a:rPr lang="en-US" i="1">
-                          <a:latin typeface="Cambria Math" panose="02040503050406030204" pitchFamily="18" charset="0"/>
-                        </a:rPr>
-                        <m:t>,…,</m:t>
-                      </m:r>
-                      <m:sSub>
-                        <m:sSubPr>
-                          <m:ctrlPr>
-                            <a:rPr lang="en-US" i="1">
-                              <a:latin typeface="Cambria Math" panose="02040503050406030204" pitchFamily="18" charset="0"/>
-                            </a:rPr>
-                          </m:ctrlPr>
-                        </m:sSubPr>
-                        <m:e>
-                          <m:r>
-                            <a:rPr lang="en-US" i="1">
-                              <a:latin typeface="Cambria Math" panose="02040503050406030204" pitchFamily="18" charset="0"/>
-                            </a:rPr>
-                            <m:t>𝑉</m:t>
-                          </m:r>
-                        </m:e>
-                        <m:sub>
                           <m:r>
                             <a:rPr lang="en-US" i="1">
                               <a:latin typeface="Cambria Math" panose="02040503050406030204" pitchFamily="18" charset="0"/>
@@ -5191,64 +7607,8 @@
                             <a:rPr lang="en-US" i="1">
                               <a:latin typeface="Cambria Math" panose="02040503050406030204" pitchFamily="18" charset="0"/>
                             </a:rPr>
-                            <m:t>1</m:t>
+                            <m:t>1,…,</m:t>
                           </m:r>
-                        </m:sub>
-                      </m:sSub>
-                      <m:r>
-                        <a:rPr lang="en-US" i="1">
-                          <a:latin typeface="Cambria Math" panose="02040503050406030204" pitchFamily="18" charset="0"/>
-                        </a:rPr>
-                        <m:t>, </m:t>
-                      </m:r>
-                      <m:sSub>
-                        <m:sSubPr>
-                          <m:ctrlPr>
-                            <a:rPr lang="en-US" i="1">
-                              <a:latin typeface="Cambria Math" panose="02040503050406030204" pitchFamily="18" charset="0"/>
-                            </a:rPr>
-                          </m:ctrlPr>
-                        </m:sSubPr>
-                        <m:e>
-                          <m:r>
-                            <a:rPr lang="en-US" i="1">
-                              <a:latin typeface="Cambria Math" panose="02040503050406030204" pitchFamily="18" charset="0"/>
-                            </a:rPr>
-                            <m:t>𝑋</m:t>
-                          </m:r>
-                        </m:e>
-                        <m:sub>
-                          <m:r>
-                            <a:rPr lang="en-US" i="1">
-                              <a:latin typeface="Cambria Math" panose="02040503050406030204" pitchFamily="18" charset="0"/>
-                            </a:rPr>
-                            <m:t>2</m:t>
-                          </m:r>
-                        </m:sub>
-                      </m:sSub>
-                      <m:r>
-                        <a:rPr lang="en-US" i="1">
-                          <a:latin typeface="Cambria Math" panose="02040503050406030204" pitchFamily="18" charset="0"/>
-                        </a:rPr>
-                        <m:t>,…,</m:t>
-                      </m:r>
-                      <m:sSub>
-                        <m:sSubPr>
-                          <m:ctrlPr>
-                            <a:rPr lang="en-US" i="1">
-                              <a:latin typeface="Cambria Math" panose="02040503050406030204" pitchFamily="18" charset="0"/>
-                            </a:rPr>
-                          </m:ctrlPr>
-                        </m:sSubPr>
-                        <m:e>
-                          <m:r>
-                            <a:rPr lang="en-US" i="1">
-                              <a:latin typeface="Cambria Math" panose="02040503050406030204" pitchFamily="18" charset="0"/>
-                            </a:rPr>
-                            <m:t>𝑋</m:t>
-                          </m:r>
-                        </m:e>
-                        <m:sub>
                           <m:r>
                             <a:rPr lang="en-US" i="1">
                               <a:latin typeface="Cambria Math" panose="02040503050406030204" pitchFamily="18" charset="0"/>
@@ -5266,6 +7626,12 @@
                     </m:oMath>
                   </m:oMathPara>
                 </a14:m>
+                <a:endParaRPr lang="en-US" dirty="0"/>
+              </a:p>
+              <a:p>
+                <a:pPr marL="0" indent="0" algn="ctr">
+                  <a:buNone/>
+                </a:pPr>
                 <a:endParaRPr lang="en-US" dirty="0"/>
               </a:p>
               <a:p>
@@ -5351,64 +7717,8 @@
                                     <a:rPr lang="en-US" i="1">
                                       <a:latin typeface="Cambria Math" panose="02040503050406030204" pitchFamily="18" charset="0"/>
                                     </a:rPr>
-                                    <m:t>1</m:t>
+                                    <m:t>1,…</m:t>
                                   </m:r>
-                                </m:sub>
-                              </m:sSub>
-                              <m:r>
-                                <a:rPr lang="en-US" i="1">
-                                  <a:latin typeface="Cambria Math" panose="02040503050406030204" pitchFamily="18" charset="0"/>
-                                </a:rPr>
-                                <m:t>, </m:t>
-                              </m:r>
-                              <m:sSub>
-                                <m:sSubPr>
-                                  <m:ctrlPr>
-                                    <a:rPr lang="en-US" i="1">
-                                      <a:latin typeface="Cambria Math" panose="02040503050406030204" pitchFamily="18" charset="0"/>
-                                    </a:rPr>
-                                  </m:ctrlPr>
-                                </m:sSubPr>
-                                <m:e>
-                                  <m:r>
-                                    <a:rPr lang="en-US" i="1">
-                                      <a:latin typeface="Cambria Math" panose="02040503050406030204" pitchFamily="18" charset="0"/>
-                                    </a:rPr>
-                                    <m:t>𝑉</m:t>
-                                  </m:r>
-                                </m:e>
-                                <m:sub>
-                                  <m:r>
-                                    <a:rPr lang="en-US" i="1">
-                                      <a:latin typeface="Cambria Math" panose="02040503050406030204" pitchFamily="18" charset="0"/>
-                                    </a:rPr>
-                                    <m:t>2</m:t>
-                                  </m:r>
-                                </m:sub>
-                              </m:sSub>
-                              <m:r>
-                                <a:rPr lang="en-US" i="1">
-                                  <a:latin typeface="Cambria Math" panose="02040503050406030204" pitchFamily="18" charset="0"/>
-                                </a:rPr>
-                                <m:t>,.., </m:t>
-                              </m:r>
-                              <m:sSub>
-                                <m:sSubPr>
-                                  <m:ctrlPr>
-                                    <a:rPr lang="en-US" i="1">
-                                      <a:latin typeface="Cambria Math" panose="02040503050406030204" pitchFamily="18" charset="0"/>
-                                    </a:rPr>
-                                  </m:ctrlPr>
-                                </m:sSubPr>
-                                <m:e>
-                                  <m:r>
-                                    <a:rPr lang="en-US" i="1">
-                                      <a:latin typeface="Cambria Math" panose="02040503050406030204" pitchFamily="18" charset="0"/>
-                                    </a:rPr>
-                                    <m:t>𝑉</m:t>
-                                  </m:r>
-                                </m:e>
-                                <m:sub>
                                   <m:r>
                                     <a:rPr lang="en-US" i="1">
                                       <a:latin typeface="Cambria Math" panose="02040503050406030204" pitchFamily="18" charset="0"/>
@@ -5580,64 +7890,8 @@
                                 <a:rPr lang="en-US" i="1">
                                   <a:latin typeface="Cambria Math" panose="02040503050406030204" pitchFamily="18" charset="0"/>
                                 </a:rPr>
-                                <m:t>1</m:t>
+                                <m:t>1,…</m:t>
                               </m:r>
-                            </m:sub>
-                          </m:sSub>
-                          <m:r>
-                            <a:rPr lang="en-US" i="1">
-                              <a:latin typeface="Cambria Math" panose="02040503050406030204" pitchFamily="18" charset="0"/>
-                            </a:rPr>
-                            <m:t>, </m:t>
-                          </m:r>
-                          <m:sSub>
-                            <m:sSubPr>
-                              <m:ctrlPr>
-                                <a:rPr lang="en-US" i="1">
-                                  <a:latin typeface="Cambria Math" panose="02040503050406030204" pitchFamily="18" charset="0"/>
-                                </a:rPr>
-                              </m:ctrlPr>
-                            </m:sSubPr>
-                            <m:e>
-                              <m:r>
-                                <a:rPr lang="en-US" i="1">
-                                  <a:latin typeface="Cambria Math" panose="02040503050406030204" pitchFamily="18" charset="0"/>
-                                </a:rPr>
-                                <m:t>𝑉</m:t>
-                              </m:r>
-                            </m:e>
-                            <m:sub>
-                              <m:r>
-                                <a:rPr lang="en-US" i="1">
-                                  <a:latin typeface="Cambria Math" panose="02040503050406030204" pitchFamily="18" charset="0"/>
-                                </a:rPr>
-                                <m:t>2</m:t>
-                              </m:r>
-                            </m:sub>
-                          </m:sSub>
-                          <m:r>
-                            <a:rPr lang="en-US" i="1">
-                              <a:latin typeface="Cambria Math" panose="02040503050406030204" pitchFamily="18" charset="0"/>
-                            </a:rPr>
-                            <m:t>,.., </m:t>
-                          </m:r>
-                          <m:sSub>
-                            <m:sSubPr>
-                              <m:ctrlPr>
-                                <a:rPr lang="en-US" i="1">
-                                  <a:latin typeface="Cambria Math" panose="02040503050406030204" pitchFamily="18" charset="0"/>
-                                </a:rPr>
-                              </m:ctrlPr>
-                            </m:sSubPr>
-                            <m:e>
-                              <m:r>
-                                <a:rPr lang="en-US" i="1">
-                                  <a:latin typeface="Cambria Math" panose="02040503050406030204" pitchFamily="18" charset="0"/>
-                                </a:rPr>
-                                <m:t>𝑉</m:t>
-                              </m:r>
-                            </m:e>
-                            <m:sub>
                               <m:r>
                                 <a:rPr lang="en-US" i="1">
                                   <a:latin typeface="Cambria Math" panose="02040503050406030204" pitchFamily="18" charset="0"/>
@@ -5657,10 +7911,69 @@
                 <a:pPr marL="0" indent="0" algn="ctr">
                   <a:buNone/>
                 </a:pPr>
+                <a:endParaRPr lang="en-US" dirty="0"/>
+              </a:p>
+              <a:p>
                 <a:r>
                   <a:rPr lang="en-US" dirty="0"/>
-                  <a:t> </a:t>
+                  <a:t>The aim of the optimization is to find the structures </a:t>
                 </a:r>
+                <a14:m>
+                  <m:oMath xmlns:m="http://schemas.openxmlformats.org/officeDocument/2006/math">
+                    <m:sSub>
+                      <m:sSubPr>
+                        <m:ctrlPr>
+                          <a:rPr lang="en-US" i="1">
+                            <a:latin typeface="Cambria Math" panose="02040503050406030204" pitchFamily="18" charset="0"/>
+                          </a:rPr>
+                        </m:ctrlPr>
+                      </m:sSubPr>
+                      <m:e>
+                        <m:r>
+                          <a:rPr lang="en-US" i="1">
+                            <a:latin typeface="Cambria Math" panose="02040503050406030204" pitchFamily="18" charset="0"/>
+                          </a:rPr>
+                          <m:t>𝑉</m:t>
+                        </m:r>
+                      </m:e>
+                      <m:sub>
+                        <m:r>
+                          <a:rPr lang="en-US" i="1">
+                            <a:latin typeface="Cambria Math" panose="02040503050406030204" pitchFamily="18" charset="0"/>
+                          </a:rPr>
+                          <m:t>1,…</m:t>
+                        </m:r>
+                        <m:r>
+                          <a:rPr lang="en-US" i="1">
+                            <a:latin typeface="Cambria Math" panose="02040503050406030204" pitchFamily="18" charset="0"/>
+                          </a:rPr>
+                          <m:t>𝐾</m:t>
+                        </m:r>
+                      </m:sub>
+                    </m:sSub>
+                  </m:oMath>
+                </a14:m>
+                <a:r>
+                  <a:rPr lang="en-US" dirty="0"/>
+                  <a:t> which best explain the set of observed projections by marginalizing over the set of unknown orientations </a:t>
+                </a:r>
+                <a14:m>
+                  <m:oMath xmlns:m="http://schemas.openxmlformats.org/officeDocument/2006/math">
+                    <m:r>
+                      <a:rPr lang="en-US" b="1" i="1" smtClean="0">
+                        <a:latin typeface="Cambria Math" panose="02040503050406030204" pitchFamily="18" charset="0"/>
+                      </a:rPr>
+                      <m:t>𝜽</m:t>
+                    </m:r>
+                    <m:r>
+                      <a:rPr lang="en-US" b="1" i="1" smtClean="0">
+                        <a:latin typeface="Cambria Math" panose="02040503050406030204" pitchFamily="18" charset="0"/>
+                      </a:rPr>
+                      <m:t>.</m:t>
+                    </m:r>
+                  </m:oMath>
+                </a14:m>
+                <a:endParaRPr lang="en-US" b="1" dirty="0"/>
               </a:p>
             </p:txBody>
           </p:sp>
@@ -5683,10 +7996,14 @@
               </p:nvPr>
             </p:nvSpPr>
             <p:spPr>
+              <a:xfrm>
+                <a:off x="838200" y="1825625"/>
+                <a:ext cx="10515600" cy="4351338"/>
+              </a:xfrm>
               <a:blipFill>
                 <a:blip r:embed="rId2"/>
                 <a:stretch>
-                  <a:fillRect l="-965" t="-2632"/>
+                  <a:fillRect l="-965" t="-3509" r="-121" b="-2339"/>
                 </a:stretch>
               </a:blipFill>
             </p:spPr>
@@ -5715,6 +8032,2738 @@
   <p:clrMapOvr>
     <a:masterClrMapping/>
   </p:clrMapOvr>
+</p:sld>
+</file>
+
+<file path=ppt/slides/slide4.xml><?xml version="1.0" encoding="utf-8"?>
+<p:sld xmlns:a="http://schemas.openxmlformats.org/drawingml/2006/main" xmlns:r="http://schemas.openxmlformats.org/officeDocument/2006/relationships" xmlns:p="http://schemas.openxmlformats.org/presentationml/2006/main">
+  <p:cSld>
+    <p:spTree>
+      <p:nvGrpSpPr>
+        <p:cNvPr id="1" name=""/>
+        <p:cNvGrpSpPr/>
+        <p:nvPr/>
+      </p:nvGrpSpPr>
+      <p:grpSpPr>
+        <a:xfrm>
+          <a:off x="0" y="0"/>
+          <a:ext cx="0" cy="0"/>
+          <a:chOff x="0" y="0"/>
+          <a:chExt cx="0" cy="0"/>
+        </a:xfrm>
+      </p:grpSpPr>
+      <p:sp>
+        <p:nvSpPr>
+          <p:cNvPr id="2" name="Title 1">
+            <a:extLst>
+              <a:ext uri="{FF2B5EF4-FFF2-40B4-BE49-F238E27FC236}">
+                <a16:creationId xmlns:a16="http://schemas.microsoft.com/office/drawing/2014/main" id="{C9FB5511-E778-1246-93C0-78CACAFDA2C5}"/>
+              </a:ext>
+            </a:extLst>
+          </p:cNvPr>
+          <p:cNvSpPr>
+            <a:spLocks noGrp="1"/>
+          </p:cNvSpPr>
+          <p:nvPr>
+            <p:ph type="title"/>
+          </p:nvPr>
+        </p:nvSpPr>
+        <p:spPr>
+          <a:xfrm>
+            <a:off x="838200" y="365125"/>
+            <a:ext cx="10515600" cy="1325563"/>
+          </a:xfrm>
+        </p:spPr>
+        <p:txBody>
+          <a:bodyPr/>
+          <a:lstStyle/>
+          <a:p>
+            <a:r>
+              <a:rPr lang="en-US"/>
+              <a:t>Optimization strategy </a:t>
+            </a:r>
+            <a:endParaRPr lang="en-US" dirty="0"/>
+          </a:p>
+        </p:txBody>
+      </p:sp>
+      <p:sp>
+        <p:nvSpPr>
+          <p:cNvPr id="3" name="Content Placeholder 2">
+            <a:extLst>
+              <a:ext uri="{FF2B5EF4-FFF2-40B4-BE49-F238E27FC236}">
+                <a16:creationId xmlns:a16="http://schemas.microsoft.com/office/drawing/2014/main" id="{04DF78A6-58C5-BD4E-B633-DF4DC8B968AA}"/>
+              </a:ext>
+            </a:extLst>
+          </p:cNvPr>
+          <p:cNvSpPr>
+            <a:spLocks noGrp="1"/>
+          </p:cNvSpPr>
+          <p:nvPr>
+            <p:ph idx="1"/>
+          </p:nvPr>
+        </p:nvSpPr>
+        <p:spPr>
+          <a:xfrm>
+            <a:off x="838200" y="1825625"/>
+            <a:ext cx="10515600" cy="4351338"/>
+          </a:xfrm>
+        </p:spPr>
+        <p:txBody>
+          <a:bodyPr/>
+          <a:lstStyle/>
+          <a:p>
+            <a:r>
+              <a:rPr lang="en-US"/>
+              <a:t>Identifying the structures from the projections in unknown directions is a nonconvex optimization problem. Sensitivity to local optima yields inaccurate structure estimates. </a:t>
+            </a:r>
+          </a:p>
+          <a:p>
+            <a:r>
+              <a:rPr lang="en-US"/>
+              <a:t>Recently, however, methods have been discovered that perform well on nonconvex problems. One such method is </a:t>
+            </a:r>
+            <a:r>
+              <a:rPr lang="en-US" i="1"/>
+              <a:t>Stochastic Gradient Descent (SGD).</a:t>
+            </a:r>
+          </a:p>
+          <a:p>
+            <a:r>
+              <a:rPr lang="en-US"/>
+              <a:t>Stochastic gradient descent (SGD) algorithm enables </a:t>
+            </a:r>
+            <a:r>
+              <a:rPr lang="en-US" i="1"/>
+              <a:t>ab initio</a:t>
+            </a:r>
+            <a:r>
+              <a:rPr lang="en-US"/>
+              <a:t> structure determination through insensitivity to initialization.</a:t>
+            </a:r>
+            <a:endParaRPr lang="en-US" i="1"/>
+          </a:p>
+          <a:p>
+            <a:endParaRPr lang="en-US" dirty="0"/>
+          </a:p>
+        </p:txBody>
+      </p:sp>
+    </p:spTree>
+    <p:extLst>
+      <p:ext uri="{BB962C8B-B14F-4D97-AF65-F5344CB8AC3E}">
+        <p14:creationId xmlns:p14="http://schemas.microsoft.com/office/powerpoint/2010/main" val="3683302912"/>
+      </p:ext>
+    </p:extLst>
+  </p:cSld>
+  <p:clrMapOvr>
+    <a:masterClrMapping/>
+  </p:clrMapOvr>
+</p:sld>
+</file>
+
+<file path=ppt/slides/slide5.xml><?xml version="1.0" encoding="utf-8"?>
+<p:sld xmlns:a="http://schemas.openxmlformats.org/drawingml/2006/main" xmlns:r="http://schemas.openxmlformats.org/officeDocument/2006/relationships" xmlns:p="http://schemas.openxmlformats.org/presentationml/2006/main">
+  <p:cSld>
+    <p:spTree>
+      <p:nvGrpSpPr>
+        <p:cNvPr id="1" name=""/>
+        <p:cNvGrpSpPr/>
+        <p:nvPr/>
+      </p:nvGrpSpPr>
+      <p:grpSpPr>
+        <a:xfrm>
+          <a:off x="0" y="0"/>
+          <a:ext cx="0" cy="0"/>
+          <a:chOff x="0" y="0"/>
+          <a:chExt cx="0" cy="0"/>
+        </a:xfrm>
+      </p:grpSpPr>
+      <p:sp>
+        <p:nvSpPr>
+          <p:cNvPr id="2" name="Title 1">
+            <a:extLst>
+              <a:ext uri="{FF2B5EF4-FFF2-40B4-BE49-F238E27FC236}">
+                <a16:creationId xmlns:a16="http://schemas.microsoft.com/office/drawing/2014/main" id="{CC24C508-B454-2E4D-852E-CAE1E46537EC}"/>
+              </a:ext>
+            </a:extLst>
+          </p:cNvPr>
+          <p:cNvSpPr>
+            <a:spLocks noGrp="1"/>
+          </p:cNvSpPr>
+          <p:nvPr>
+            <p:ph type="title"/>
+          </p:nvPr>
+        </p:nvSpPr>
+        <p:spPr/>
+        <p:txBody>
+          <a:bodyPr/>
+          <a:lstStyle/>
+          <a:p>
+            <a:r>
+              <a:rPr lang="en-US" dirty="0"/>
+              <a:t>Stochastic gradient descent - Mathematics</a:t>
+            </a:r>
+          </a:p>
+        </p:txBody>
+      </p:sp>
+      <p:sp>
+        <p:nvSpPr>
+          <p:cNvPr id="3" name="Content Placeholder 2">
+            <a:extLst>
+              <a:ext uri="{FF2B5EF4-FFF2-40B4-BE49-F238E27FC236}">
+                <a16:creationId xmlns:a16="http://schemas.microsoft.com/office/drawing/2014/main" id="{BE80CB0C-81C9-AB47-94B2-FD874871F4A8}"/>
+              </a:ext>
+            </a:extLst>
+          </p:cNvPr>
+          <p:cNvSpPr>
+            <a:spLocks noGrp="1"/>
+          </p:cNvSpPr>
+          <p:nvPr>
+            <p:ph idx="1"/>
+          </p:nvPr>
+        </p:nvSpPr>
+        <p:spPr/>
+        <p:txBody>
+          <a:bodyPr/>
+          <a:lstStyle/>
+          <a:p>
+            <a:pPr lvl="1"/>
+            <a:r>
+              <a:rPr lang="en-US" dirty="0"/>
+              <a:t>Here is the objective function we want to optimize -</a:t>
+            </a:r>
+          </a:p>
+          <a:p>
+            <a:pPr lvl="1"/>
+            <a:endParaRPr lang="en-US" dirty="0"/>
+          </a:p>
+          <a:p>
+            <a:pPr lvl="1"/>
+            <a:endParaRPr lang="en-US" dirty="0"/>
+          </a:p>
+          <a:p>
+            <a:pPr lvl="1"/>
+            <a:endParaRPr lang="en-US" dirty="0"/>
+          </a:p>
+          <a:p>
+            <a:pPr lvl="1"/>
+            <a:endParaRPr lang="en-US" dirty="0"/>
+          </a:p>
+          <a:p>
+            <a:pPr lvl="1"/>
+            <a:r>
+              <a:rPr lang="en-US" dirty="0"/>
+              <a:t>SGD optimizes the objective function by taking steps proportional to the gradient of the objective function</a:t>
+            </a:r>
+          </a:p>
+        </p:txBody>
+      </p:sp>
+      <p:pic>
+        <p:nvPicPr>
+          <p:cNvPr id="5" name="Picture 4">
+            <a:extLst>
+              <a:ext uri="{FF2B5EF4-FFF2-40B4-BE49-F238E27FC236}">
+                <a16:creationId xmlns:a16="http://schemas.microsoft.com/office/drawing/2014/main" id="{F5EE5077-7B49-264B-8034-F07A978448C7}"/>
+              </a:ext>
+            </a:extLst>
+          </p:cNvPr>
+          <p:cNvPicPr>
+            <a:picLocks noChangeAspect="1"/>
+          </p:cNvPicPr>
+          <p:nvPr/>
+        </p:nvPicPr>
+        <p:blipFill>
+          <a:blip r:embed="rId2"/>
+          <a:stretch>
+            <a:fillRect/>
+          </a:stretch>
+        </p:blipFill>
+        <p:spPr>
+          <a:xfrm>
+            <a:off x="1730448" y="2495846"/>
+            <a:ext cx="8305800" cy="1079500"/>
+          </a:xfrm>
+          <a:prstGeom prst="rect">
+            <a:avLst/>
+          </a:prstGeom>
+        </p:spPr>
+      </p:pic>
+      <p:pic>
+        <p:nvPicPr>
+          <p:cNvPr id="13" name="Picture 12">
+            <a:extLst>
+              <a:ext uri="{FF2B5EF4-FFF2-40B4-BE49-F238E27FC236}">
+                <a16:creationId xmlns:a16="http://schemas.microsoft.com/office/drawing/2014/main" id="{F30957F8-3BCE-3243-9D54-A348D6C3FE15}"/>
+              </a:ext>
+            </a:extLst>
+          </p:cNvPr>
+          <p:cNvPicPr>
+            <a:picLocks noChangeAspect="1"/>
+          </p:cNvPicPr>
+          <p:nvPr/>
+        </p:nvPicPr>
+        <p:blipFill>
+          <a:blip r:embed="rId3"/>
+          <a:stretch>
+            <a:fillRect/>
+          </a:stretch>
+        </p:blipFill>
+        <p:spPr>
+          <a:xfrm>
+            <a:off x="1730448" y="4793056"/>
+            <a:ext cx="8625664" cy="1203853"/>
+          </a:xfrm>
+          <a:prstGeom prst="rect">
+            <a:avLst/>
+          </a:prstGeom>
+        </p:spPr>
+      </p:pic>
+    </p:spTree>
+    <p:extLst>
+      <p:ext uri="{BB962C8B-B14F-4D97-AF65-F5344CB8AC3E}">
+        <p14:creationId xmlns:p14="http://schemas.microsoft.com/office/powerpoint/2010/main" val="2667405604"/>
+      </p:ext>
+    </p:extLst>
+  </p:cSld>
+  <p:clrMapOvr>
+    <a:masterClrMapping/>
+  </p:clrMapOvr>
+</p:sld>
+</file>
+
+<file path=ppt/slides/slide6.xml><?xml version="1.0" encoding="utf-8"?>
+<p:sld xmlns:a="http://schemas.openxmlformats.org/drawingml/2006/main" xmlns:r="http://schemas.openxmlformats.org/officeDocument/2006/relationships" xmlns:p="http://schemas.openxmlformats.org/presentationml/2006/main">
+  <p:cSld>
+    <p:spTree>
+      <p:nvGrpSpPr>
+        <p:cNvPr id="1" name=""/>
+        <p:cNvGrpSpPr/>
+        <p:nvPr/>
+      </p:nvGrpSpPr>
+      <p:grpSpPr>
+        <a:xfrm>
+          <a:off x="0" y="0"/>
+          <a:ext cx="0" cy="0"/>
+          <a:chOff x="0" y="0"/>
+          <a:chExt cx="0" cy="0"/>
+        </a:xfrm>
+      </p:grpSpPr>
+      <p:sp>
+        <p:nvSpPr>
+          <p:cNvPr id="2" name="Title 1">
+            <a:extLst>
+              <a:ext uri="{FF2B5EF4-FFF2-40B4-BE49-F238E27FC236}">
+                <a16:creationId xmlns:a16="http://schemas.microsoft.com/office/drawing/2014/main" id="{2FB495D4-7E6E-D04B-B8BA-CE9A80540ADF}"/>
+              </a:ext>
+            </a:extLst>
+          </p:cNvPr>
+          <p:cNvSpPr>
+            <a:spLocks noGrp="1"/>
+          </p:cNvSpPr>
+          <p:nvPr>
+            <p:ph type="title"/>
+          </p:nvPr>
+        </p:nvSpPr>
+        <p:spPr>
+          <a:xfrm>
+            <a:off x="838200" y="418288"/>
+            <a:ext cx="10515600" cy="1325563"/>
+          </a:xfrm>
+        </p:spPr>
+        <p:txBody>
+          <a:bodyPr/>
+          <a:lstStyle/>
+          <a:p>
+            <a:r>
+              <a:rPr lang="en-US"/>
+              <a:t>Stochastic gradient descent - Mathematics</a:t>
+            </a:r>
+            <a:endParaRPr lang="en-US" dirty="0"/>
+          </a:p>
+        </p:txBody>
+      </p:sp>
+      <p:sp>
+        <p:nvSpPr>
+          <p:cNvPr id="3" name="Content Placeholder 2">
+            <a:extLst>
+              <a:ext uri="{FF2B5EF4-FFF2-40B4-BE49-F238E27FC236}">
+                <a16:creationId xmlns:a16="http://schemas.microsoft.com/office/drawing/2014/main" id="{33BA8EAD-2079-9B49-93A7-3F9FBBAFF937}"/>
+              </a:ext>
+            </a:extLst>
+          </p:cNvPr>
+          <p:cNvSpPr>
+            <a:spLocks noGrp="1"/>
+          </p:cNvSpPr>
+          <p:nvPr>
+            <p:ph idx="1"/>
+          </p:nvPr>
+        </p:nvSpPr>
+        <p:spPr>
+          <a:xfrm>
+            <a:off x="838200" y="1825625"/>
+            <a:ext cx="10515600" cy="4351338"/>
+          </a:xfrm>
+        </p:spPr>
+        <p:txBody>
+          <a:bodyPr/>
+          <a:lstStyle/>
+          <a:p>
+            <a:r>
+              <a:rPr lang="en-US"/>
+              <a:t>In SGD, the gradient is approximated using subsampling. </a:t>
+            </a:r>
+          </a:p>
+          <a:p>
+            <a:r>
+              <a:rPr lang="en-US"/>
+              <a:t>These approximate gradients do not exactly match the overall optimization objective. </a:t>
+            </a:r>
+          </a:p>
+          <a:p>
+            <a:r>
+              <a:rPr lang="en-US"/>
+              <a:t>The success of SGD is commonly explained by the noisy sampling approximation allowing the algorithm to widely explore the space before finally arrive near the correct structure.</a:t>
+            </a:r>
+          </a:p>
+          <a:p>
+            <a:r>
+              <a:rPr lang="en-US"/>
+              <a:t>The approximate gradient is (M projections randomly chosen):</a:t>
+            </a:r>
+            <a:endParaRPr lang="en-US" dirty="0"/>
+          </a:p>
+        </p:txBody>
+      </p:sp>
+      <p:pic>
+        <p:nvPicPr>
+          <p:cNvPr id="5" name="Picture 4">
+            <a:extLst>
+              <a:ext uri="{FF2B5EF4-FFF2-40B4-BE49-F238E27FC236}">
+                <a16:creationId xmlns:a16="http://schemas.microsoft.com/office/drawing/2014/main" id="{921AB28B-77F4-5E48-A00E-C9DF7B65A46A}"/>
+              </a:ext>
+            </a:extLst>
+          </p:cNvPr>
+          <p:cNvPicPr>
+            <a:picLocks noChangeAspect="1"/>
+          </p:cNvPicPr>
+          <p:nvPr/>
+        </p:nvPicPr>
+        <p:blipFill>
+          <a:blip r:embed="rId2"/>
+          <a:stretch>
+            <a:fillRect/>
+          </a:stretch>
+        </p:blipFill>
+        <p:spPr>
+          <a:xfrm>
+            <a:off x="1135321" y="5223687"/>
+            <a:ext cx="9347200" cy="876300"/>
+          </a:xfrm>
+          <a:prstGeom prst="rect">
+            <a:avLst/>
+          </a:prstGeom>
+        </p:spPr>
+      </p:pic>
+    </p:spTree>
+    <p:extLst>
+      <p:ext uri="{BB962C8B-B14F-4D97-AF65-F5344CB8AC3E}">
+        <p14:creationId xmlns:p14="http://schemas.microsoft.com/office/powerpoint/2010/main" val="2665691396"/>
+      </p:ext>
+    </p:extLst>
+  </p:cSld>
+  <p:clrMapOvr>
+    <a:masterClrMapping/>
+  </p:clrMapOvr>
+</p:sld>
+</file>
+
+<file path=ppt/slides/slide7.xml><?xml version="1.0" encoding="utf-8"?>
+<p:sld xmlns:a="http://schemas.openxmlformats.org/drawingml/2006/main" xmlns:r="http://schemas.openxmlformats.org/officeDocument/2006/relationships" xmlns:p="http://schemas.openxmlformats.org/presentationml/2006/main">
+  <p:cSld>
+    <p:spTree>
+      <p:nvGrpSpPr>
+        <p:cNvPr id="1" name=""/>
+        <p:cNvGrpSpPr/>
+        <p:nvPr/>
+      </p:nvGrpSpPr>
+      <p:grpSpPr>
+        <a:xfrm>
+          <a:off x="0" y="0"/>
+          <a:ext cx="0" cy="0"/>
+          <a:chOff x="0" y="0"/>
+          <a:chExt cx="0" cy="0"/>
+        </a:xfrm>
+      </p:grpSpPr>
+      <p:sp>
+        <p:nvSpPr>
+          <p:cNvPr id="2" name="Title 1">
+            <a:extLst>
+              <a:ext uri="{FF2B5EF4-FFF2-40B4-BE49-F238E27FC236}">
+                <a16:creationId xmlns:a16="http://schemas.microsoft.com/office/drawing/2014/main" id="{DF8DD200-C86F-F048-A465-29CBCAE2B18F}"/>
+              </a:ext>
+            </a:extLst>
+          </p:cNvPr>
+          <p:cNvSpPr>
+            <a:spLocks noGrp="1"/>
+          </p:cNvSpPr>
+          <p:nvPr>
+            <p:ph type="title"/>
+          </p:nvPr>
+        </p:nvSpPr>
+        <p:spPr/>
+        <p:txBody>
+          <a:bodyPr/>
+          <a:lstStyle/>
+          <a:p>
+            <a:r>
+              <a:rPr lang="en-US" dirty="0"/>
+              <a:t>Results</a:t>
+            </a:r>
+          </a:p>
+        </p:txBody>
+      </p:sp>
+      <p:sp>
+        <p:nvSpPr>
+          <p:cNvPr id="3" name="Content Placeholder 2">
+            <a:extLst>
+              <a:ext uri="{FF2B5EF4-FFF2-40B4-BE49-F238E27FC236}">
+                <a16:creationId xmlns:a16="http://schemas.microsoft.com/office/drawing/2014/main" id="{348CECA5-A8B1-9840-AB74-B6925CF9E14D}"/>
+              </a:ext>
+            </a:extLst>
+          </p:cNvPr>
+          <p:cNvSpPr>
+            <a:spLocks noGrp="1"/>
+          </p:cNvSpPr>
+          <p:nvPr>
+            <p:ph idx="1"/>
+          </p:nvPr>
+        </p:nvSpPr>
+        <p:spPr/>
+        <p:txBody>
+          <a:bodyPr/>
+          <a:lstStyle/>
+          <a:p>
+            <a:r>
+              <a:rPr lang="en-US" dirty="0"/>
+              <a:t>The approximate gradient points in a direction within the space that will, in expectation  over random selections of minibatches, improve the objective function. </a:t>
+            </a:r>
+          </a:p>
+          <a:p>
+            <a:r>
+              <a:rPr lang="en-US" dirty="0"/>
+              <a:t>Even though optimization of nonconvex problems is difficult, we find that in practice SGD performs quite well.</a:t>
+            </a:r>
+          </a:p>
+          <a:p>
+            <a:r>
+              <a:rPr lang="en-US" dirty="0"/>
+              <a:t>In the next section, I’ll show how an SGD algorithm can accurately estimate the structure with completely unknown orientations and no initial estimate. </a:t>
+            </a:r>
+          </a:p>
+        </p:txBody>
+      </p:sp>
+    </p:spTree>
+    <p:extLst>
+      <p:ext uri="{BB962C8B-B14F-4D97-AF65-F5344CB8AC3E}">
+        <p14:creationId xmlns:p14="http://schemas.microsoft.com/office/powerpoint/2010/main" val="730512556"/>
+      </p:ext>
+    </p:extLst>
+  </p:cSld>
+  <p:clrMapOvr>
+    <a:masterClrMapping/>
+  </p:clrMapOvr>
+</p:sld>
+</file>
+
+<file path=ppt/slides/slide8.xml><?xml version="1.0" encoding="utf-8"?>
+<p:sld xmlns:a="http://schemas.openxmlformats.org/drawingml/2006/main" xmlns:r="http://schemas.openxmlformats.org/officeDocument/2006/relationships" xmlns:p="http://schemas.openxmlformats.org/presentationml/2006/main">
+  <p:cSld>
+    <p:spTree>
+      <p:nvGrpSpPr>
+        <p:cNvPr id="1" name=""/>
+        <p:cNvGrpSpPr/>
+        <p:nvPr/>
+      </p:nvGrpSpPr>
+      <p:grpSpPr>
+        <a:xfrm>
+          <a:off x="0" y="0"/>
+          <a:ext cx="0" cy="0"/>
+          <a:chOff x="0" y="0"/>
+          <a:chExt cx="0" cy="0"/>
+        </a:xfrm>
+      </p:grpSpPr>
+      <p:sp>
+        <p:nvSpPr>
+          <p:cNvPr id="2" name="Title 1">
+            <a:extLst>
+              <a:ext uri="{FF2B5EF4-FFF2-40B4-BE49-F238E27FC236}">
+                <a16:creationId xmlns:a16="http://schemas.microsoft.com/office/drawing/2014/main" id="{CD762588-9281-3E46-B854-66F0302D39C9}"/>
+              </a:ext>
+            </a:extLst>
+          </p:cNvPr>
+          <p:cNvSpPr>
+            <a:spLocks noGrp="1"/>
+          </p:cNvSpPr>
+          <p:nvPr>
+            <p:ph type="title"/>
+          </p:nvPr>
+        </p:nvSpPr>
+        <p:spPr/>
+        <p:txBody>
+          <a:bodyPr/>
+          <a:lstStyle/>
+          <a:p>
+            <a:r>
+              <a:rPr lang="en-US" dirty="0"/>
+              <a:t>Experiment</a:t>
+            </a:r>
+          </a:p>
+        </p:txBody>
+      </p:sp>
+      <p:sp>
+        <p:nvSpPr>
+          <p:cNvPr id="3" name="Content Placeholder 2">
+            <a:extLst>
+              <a:ext uri="{FF2B5EF4-FFF2-40B4-BE49-F238E27FC236}">
+                <a16:creationId xmlns:a16="http://schemas.microsoft.com/office/drawing/2014/main" id="{CA53DD3E-F022-C441-9E5C-12901A5CF0AD}"/>
+              </a:ext>
+            </a:extLst>
+          </p:cNvPr>
+          <p:cNvSpPr>
+            <a:spLocks noGrp="1"/>
+          </p:cNvSpPr>
+          <p:nvPr>
+            <p:ph idx="1"/>
+          </p:nvPr>
+        </p:nvSpPr>
+        <p:spPr/>
+        <p:txBody>
+          <a:bodyPr/>
+          <a:lstStyle/>
+          <a:p>
+            <a:r>
+              <a:rPr lang="en-US" dirty="0"/>
+              <a:t>Original structure – Shepp-Logan Phantom</a:t>
+            </a:r>
+          </a:p>
+          <a:p>
+            <a:endParaRPr lang="en-US" dirty="0"/>
+          </a:p>
+          <a:p>
+            <a:endParaRPr lang="en-US" dirty="0"/>
+          </a:p>
+          <a:p>
+            <a:endParaRPr lang="en-US" dirty="0"/>
+          </a:p>
+          <a:p>
+            <a:endParaRPr lang="en-US" dirty="0"/>
+          </a:p>
+          <a:p>
+            <a:r>
+              <a:rPr lang="en-US" dirty="0"/>
+              <a:t>Number of projections – 180</a:t>
+            </a:r>
+          </a:p>
+          <a:p>
+            <a:r>
+              <a:rPr lang="en-US" dirty="0"/>
+              <a:t>Noise in the projections –  Gaussian noise with variance 5 percent of 				     the average value of the projections</a:t>
+            </a:r>
+          </a:p>
+        </p:txBody>
+      </p:sp>
+      <p:pic>
+        <p:nvPicPr>
+          <p:cNvPr id="5" name="Picture 4">
+            <a:extLst>
+              <a:ext uri="{FF2B5EF4-FFF2-40B4-BE49-F238E27FC236}">
+                <a16:creationId xmlns:a16="http://schemas.microsoft.com/office/drawing/2014/main" id="{B03D702A-3541-D049-B80D-9D2702DBB3F0}"/>
+              </a:ext>
+            </a:extLst>
+          </p:cNvPr>
+          <p:cNvPicPr>
+            <a:picLocks noChangeAspect="1"/>
+          </p:cNvPicPr>
+          <p:nvPr/>
+        </p:nvPicPr>
+        <p:blipFill>
+          <a:blip r:embed="rId2"/>
+          <a:stretch>
+            <a:fillRect/>
+          </a:stretch>
+        </p:blipFill>
+        <p:spPr>
+          <a:xfrm>
+            <a:off x="1188189" y="2348910"/>
+            <a:ext cx="1905000" cy="1905000"/>
+          </a:xfrm>
+          <a:prstGeom prst="rect">
+            <a:avLst/>
+          </a:prstGeom>
+        </p:spPr>
+      </p:pic>
+    </p:spTree>
+    <p:extLst>
+      <p:ext uri="{BB962C8B-B14F-4D97-AF65-F5344CB8AC3E}">
+        <p14:creationId xmlns:p14="http://schemas.microsoft.com/office/powerpoint/2010/main" val="1223489013"/>
+      </p:ext>
+    </p:extLst>
+  </p:cSld>
+  <p:clrMapOvr>
+    <a:masterClrMapping/>
+  </p:clrMapOvr>
+</p:sld>
+</file>
+
+<file path=ppt/slides/slide9.xml><?xml version="1.0" encoding="utf-8"?>
+<p:sld xmlns:a="http://schemas.openxmlformats.org/drawingml/2006/main" xmlns:r="http://schemas.openxmlformats.org/officeDocument/2006/relationships" xmlns:p="http://schemas.openxmlformats.org/presentationml/2006/main">
+  <p:cSld>
+    <p:spTree>
+      <p:nvGrpSpPr>
+        <p:cNvPr id="1" name=""/>
+        <p:cNvGrpSpPr/>
+        <p:nvPr/>
+      </p:nvGrpSpPr>
+      <p:grpSpPr>
+        <a:xfrm>
+          <a:off x="0" y="0"/>
+          <a:ext cx="0" cy="0"/>
+          <a:chOff x="0" y="0"/>
+          <a:chExt cx="0" cy="0"/>
+        </a:xfrm>
+      </p:grpSpPr>
+      <p:pic>
+        <p:nvPicPr>
+          <p:cNvPr id="18" name="Picture 17">
+            <a:extLst>
+              <a:ext uri="{FF2B5EF4-FFF2-40B4-BE49-F238E27FC236}">
+                <a16:creationId xmlns:a16="http://schemas.microsoft.com/office/drawing/2014/main" id="{E3F145FE-86FA-2B47-A121-82F96B0FBA08}"/>
+              </a:ext>
+            </a:extLst>
+          </p:cNvPr>
+          <p:cNvPicPr>
+            <a:picLocks noChangeAspect="1"/>
+          </p:cNvPicPr>
+          <p:nvPr/>
+        </p:nvPicPr>
+        <p:blipFill>
+          <a:blip r:embed="rId2"/>
+          <a:stretch>
+            <a:fillRect/>
+          </a:stretch>
+        </p:blipFill>
+        <p:spPr>
+          <a:xfrm>
+            <a:off x="1328081" y="1650111"/>
+            <a:ext cx="1346200" cy="1346200"/>
+          </a:xfrm>
+          <a:prstGeom prst="rect">
+            <a:avLst/>
+          </a:prstGeom>
+        </p:spPr>
+      </p:pic>
+      <p:sp>
+        <p:nvSpPr>
+          <p:cNvPr id="19" name="Right Arrow 18">
+            <a:extLst>
+              <a:ext uri="{FF2B5EF4-FFF2-40B4-BE49-F238E27FC236}">
+                <a16:creationId xmlns:a16="http://schemas.microsoft.com/office/drawing/2014/main" id="{B580AA88-01DB-6A47-9505-AFD6455F0E29}"/>
+              </a:ext>
+            </a:extLst>
+          </p:cNvPr>
+          <p:cNvSpPr/>
+          <p:nvPr/>
+        </p:nvSpPr>
+        <p:spPr>
+          <a:xfrm>
+            <a:off x="2759837" y="2142455"/>
+            <a:ext cx="510363" cy="393405"/>
+          </a:xfrm>
+          <a:prstGeom prst="rightArrow">
+            <a:avLst/>
+          </a:prstGeom>
+        </p:spPr>
+        <p:style>
+          <a:lnRef idx="2">
+            <a:schemeClr val="accent1">
+              <a:shade val="50000"/>
+            </a:schemeClr>
+          </a:lnRef>
+          <a:fillRef idx="1">
+            <a:schemeClr val="accent1"/>
+          </a:fillRef>
+          <a:effectRef idx="0">
+            <a:schemeClr val="accent1"/>
+          </a:effectRef>
+          <a:fontRef idx="minor">
+            <a:schemeClr val="lt1"/>
+          </a:fontRef>
+        </p:style>
+        <p:txBody>
+          <a:bodyPr rtlCol="0" anchor="ctr"/>
+          <a:lstStyle/>
+          <a:p>
+            <a:pPr algn="ctr"/>
+            <a:endParaRPr lang="en-US"/>
+          </a:p>
+        </p:txBody>
+      </p:sp>
+      <p:pic>
+        <p:nvPicPr>
+          <p:cNvPr id="25" name="Picture 24">
+            <a:extLst>
+              <a:ext uri="{FF2B5EF4-FFF2-40B4-BE49-F238E27FC236}">
+                <a16:creationId xmlns:a16="http://schemas.microsoft.com/office/drawing/2014/main" id="{92F03D64-D927-C043-B83F-5FED45E0F822}"/>
+              </a:ext>
+            </a:extLst>
+          </p:cNvPr>
+          <p:cNvPicPr>
+            <a:picLocks noChangeAspect="1"/>
+          </p:cNvPicPr>
+          <p:nvPr/>
+        </p:nvPicPr>
+        <p:blipFill>
+          <a:blip r:embed="rId3"/>
+          <a:stretch>
+            <a:fillRect/>
+          </a:stretch>
+        </p:blipFill>
+        <p:spPr>
+          <a:xfrm>
+            <a:off x="3355756" y="1666057"/>
+            <a:ext cx="1346200" cy="1346200"/>
+          </a:xfrm>
+          <a:prstGeom prst="rect">
+            <a:avLst/>
+          </a:prstGeom>
+        </p:spPr>
+      </p:pic>
+      <p:pic>
+        <p:nvPicPr>
+          <p:cNvPr id="27" name="Picture 26">
+            <a:extLst>
+              <a:ext uri="{FF2B5EF4-FFF2-40B4-BE49-F238E27FC236}">
+                <a16:creationId xmlns:a16="http://schemas.microsoft.com/office/drawing/2014/main" id="{523F29A8-012D-7A46-8E43-D7BFF54CE066}"/>
+              </a:ext>
+            </a:extLst>
+          </p:cNvPr>
+          <p:cNvPicPr>
+            <a:picLocks noChangeAspect="1"/>
+          </p:cNvPicPr>
+          <p:nvPr/>
+        </p:nvPicPr>
+        <p:blipFill>
+          <a:blip r:embed="rId4"/>
+          <a:stretch>
+            <a:fillRect/>
+          </a:stretch>
+        </p:blipFill>
+        <p:spPr>
+          <a:xfrm>
+            <a:off x="5379309" y="1650111"/>
+            <a:ext cx="1346200" cy="1346200"/>
+          </a:xfrm>
+          <a:prstGeom prst="rect">
+            <a:avLst/>
+          </a:prstGeom>
+        </p:spPr>
+      </p:pic>
+      <p:sp>
+        <p:nvSpPr>
+          <p:cNvPr id="28" name="Right Arrow 27">
+            <a:extLst>
+              <a:ext uri="{FF2B5EF4-FFF2-40B4-BE49-F238E27FC236}">
+                <a16:creationId xmlns:a16="http://schemas.microsoft.com/office/drawing/2014/main" id="{71FFA010-82B7-2949-A8A9-ACA1E4B5F761}"/>
+              </a:ext>
+            </a:extLst>
+          </p:cNvPr>
+          <p:cNvSpPr/>
+          <p:nvPr/>
+        </p:nvSpPr>
+        <p:spPr>
+          <a:xfrm>
+            <a:off x="4787512" y="2142454"/>
+            <a:ext cx="510363" cy="393405"/>
+          </a:xfrm>
+          <a:prstGeom prst="rightArrow">
+            <a:avLst/>
+          </a:prstGeom>
+        </p:spPr>
+        <p:style>
+          <a:lnRef idx="2">
+            <a:schemeClr val="accent1">
+              <a:shade val="50000"/>
+            </a:schemeClr>
+          </a:lnRef>
+          <a:fillRef idx="1">
+            <a:schemeClr val="accent1"/>
+          </a:fillRef>
+          <a:effectRef idx="0">
+            <a:schemeClr val="accent1"/>
+          </a:effectRef>
+          <a:fontRef idx="minor">
+            <a:schemeClr val="lt1"/>
+          </a:fontRef>
+        </p:style>
+        <p:txBody>
+          <a:bodyPr rtlCol="0" anchor="ctr"/>
+          <a:lstStyle/>
+          <a:p>
+            <a:pPr algn="ctr"/>
+            <a:endParaRPr lang="en-US"/>
+          </a:p>
+        </p:txBody>
+      </p:sp>
+      <p:pic>
+        <p:nvPicPr>
+          <p:cNvPr id="30" name="Picture 29">
+            <a:extLst>
+              <a:ext uri="{FF2B5EF4-FFF2-40B4-BE49-F238E27FC236}">
+                <a16:creationId xmlns:a16="http://schemas.microsoft.com/office/drawing/2014/main" id="{17B6C871-AF70-AC48-84B3-9B5FCFCA0357}"/>
+              </a:ext>
+            </a:extLst>
+          </p:cNvPr>
+          <p:cNvPicPr>
+            <a:picLocks noChangeAspect="1"/>
+          </p:cNvPicPr>
+          <p:nvPr/>
+        </p:nvPicPr>
+        <p:blipFill>
+          <a:blip r:embed="rId5"/>
+          <a:stretch>
+            <a:fillRect/>
+          </a:stretch>
+        </p:blipFill>
+        <p:spPr>
+          <a:xfrm>
+            <a:off x="7406984" y="1666057"/>
+            <a:ext cx="1346200" cy="1346200"/>
+          </a:xfrm>
+          <a:prstGeom prst="rect">
+            <a:avLst/>
+          </a:prstGeom>
+        </p:spPr>
+      </p:pic>
+      <p:sp>
+        <p:nvSpPr>
+          <p:cNvPr id="31" name="Right Arrow 30">
+            <a:extLst>
+              <a:ext uri="{FF2B5EF4-FFF2-40B4-BE49-F238E27FC236}">
+                <a16:creationId xmlns:a16="http://schemas.microsoft.com/office/drawing/2014/main" id="{BFFF7ED5-65CE-5443-91D1-9B8894542476}"/>
+              </a:ext>
+            </a:extLst>
+          </p:cNvPr>
+          <p:cNvSpPr/>
+          <p:nvPr/>
+        </p:nvSpPr>
+        <p:spPr>
+          <a:xfrm>
+            <a:off x="6806943" y="2142454"/>
+            <a:ext cx="510363" cy="393405"/>
+          </a:xfrm>
+          <a:prstGeom prst="rightArrow">
+            <a:avLst/>
+          </a:prstGeom>
+        </p:spPr>
+        <p:style>
+          <a:lnRef idx="2">
+            <a:schemeClr val="accent1">
+              <a:shade val="50000"/>
+            </a:schemeClr>
+          </a:lnRef>
+          <a:fillRef idx="1">
+            <a:schemeClr val="accent1"/>
+          </a:fillRef>
+          <a:effectRef idx="0">
+            <a:schemeClr val="accent1"/>
+          </a:effectRef>
+          <a:fontRef idx="minor">
+            <a:schemeClr val="lt1"/>
+          </a:fontRef>
+        </p:style>
+        <p:txBody>
+          <a:bodyPr rtlCol="0" anchor="ctr"/>
+          <a:lstStyle/>
+          <a:p>
+            <a:pPr algn="ctr"/>
+            <a:endParaRPr lang="en-US"/>
+          </a:p>
+        </p:txBody>
+      </p:sp>
+      <p:pic>
+        <p:nvPicPr>
+          <p:cNvPr id="33" name="Picture 32">
+            <a:extLst>
+              <a:ext uri="{FF2B5EF4-FFF2-40B4-BE49-F238E27FC236}">
+                <a16:creationId xmlns:a16="http://schemas.microsoft.com/office/drawing/2014/main" id="{C7DEA453-D0E0-E14A-8D91-4FB049D87F71}"/>
+              </a:ext>
+            </a:extLst>
+          </p:cNvPr>
+          <p:cNvPicPr>
+            <a:picLocks noChangeAspect="1"/>
+          </p:cNvPicPr>
+          <p:nvPr/>
+        </p:nvPicPr>
+        <p:blipFill>
+          <a:blip r:embed="rId6"/>
+          <a:stretch>
+            <a:fillRect/>
+          </a:stretch>
+        </p:blipFill>
+        <p:spPr>
+          <a:xfrm>
+            <a:off x="9451409" y="1666057"/>
+            <a:ext cx="1346200" cy="1346200"/>
+          </a:xfrm>
+          <a:prstGeom prst="rect">
+            <a:avLst/>
+          </a:prstGeom>
+        </p:spPr>
+      </p:pic>
+      <p:sp>
+        <p:nvSpPr>
+          <p:cNvPr id="34" name="Right Arrow 33">
+            <a:extLst>
+              <a:ext uri="{FF2B5EF4-FFF2-40B4-BE49-F238E27FC236}">
+                <a16:creationId xmlns:a16="http://schemas.microsoft.com/office/drawing/2014/main" id="{7862ED7D-A03F-9E47-BF0A-8251104A3077}"/>
+              </a:ext>
+            </a:extLst>
+          </p:cNvPr>
+          <p:cNvSpPr/>
+          <p:nvPr/>
+        </p:nvSpPr>
+        <p:spPr>
+          <a:xfrm>
+            <a:off x="8847115" y="2126508"/>
+            <a:ext cx="510363" cy="393405"/>
+          </a:xfrm>
+          <a:prstGeom prst="rightArrow">
+            <a:avLst/>
+          </a:prstGeom>
+        </p:spPr>
+        <p:style>
+          <a:lnRef idx="2">
+            <a:schemeClr val="accent1">
+              <a:shade val="50000"/>
+            </a:schemeClr>
+          </a:lnRef>
+          <a:fillRef idx="1">
+            <a:schemeClr val="accent1"/>
+          </a:fillRef>
+          <a:effectRef idx="0">
+            <a:schemeClr val="accent1"/>
+          </a:effectRef>
+          <a:fontRef idx="minor">
+            <a:schemeClr val="lt1"/>
+          </a:fontRef>
+        </p:style>
+        <p:txBody>
+          <a:bodyPr rtlCol="0" anchor="ctr"/>
+          <a:lstStyle/>
+          <a:p>
+            <a:pPr algn="ctr"/>
+            <a:endParaRPr lang="en-US"/>
+          </a:p>
+        </p:txBody>
+      </p:sp>
+      <p:sp>
+        <p:nvSpPr>
+          <p:cNvPr id="36" name="Right Arrow 35">
+            <a:extLst>
+              <a:ext uri="{FF2B5EF4-FFF2-40B4-BE49-F238E27FC236}">
+                <a16:creationId xmlns:a16="http://schemas.microsoft.com/office/drawing/2014/main" id="{A13EC68C-71E4-1F4F-B5BB-5CAD39A2B643}"/>
+              </a:ext>
+            </a:extLst>
+          </p:cNvPr>
+          <p:cNvSpPr/>
+          <p:nvPr/>
+        </p:nvSpPr>
+        <p:spPr>
+          <a:xfrm rot="5400000">
+            <a:off x="9869327" y="3196551"/>
+            <a:ext cx="510363" cy="393405"/>
+          </a:xfrm>
+          <a:prstGeom prst="rightArrow">
+            <a:avLst/>
+          </a:prstGeom>
+        </p:spPr>
+        <p:style>
+          <a:lnRef idx="2">
+            <a:schemeClr val="accent1">
+              <a:shade val="50000"/>
+            </a:schemeClr>
+          </a:lnRef>
+          <a:fillRef idx="1">
+            <a:schemeClr val="accent1"/>
+          </a:fillRef>
+          <a:effectRef idx="0">
+            <a:schemeClr val="accent1"/>
+          </a:effectRef>
+          <a:fontRef idx="minor">
+            <a:schemeClr val="lt1"/>
+          </a:fontRef>
+        </p:style>
+        <p:txBody>
+          <a:bodyPr rtlCol="0" anchor="ctr"/>
+          <a:lstStyle/>
+          <a:p>
+            <a:pPr algn="ctr"/>
+            <a:endParaRPr lang="en-US"/>
+          </a:p>
+        </p:txBody>
+      </p:sp>
+      <p:pic>
+        <p:nvPicPr>
+          <p:cNvPr id="38" name="Picture 37">
+            <a:extLst>
+              <a:ext uri="{FF2B5EF4-FFF2-40B4-BE49-F238E27FC236}">
+                <a16:creationId xmlns:a16="http://schemas.microsoft.com/office/drawing/2014/main" id="{D8F163B4-90FE-DA41-8FEF-E4326DA98156}"/>
+              </a:ext>
+            </a:extLst>
+          </p:cNvPr>
+          <p:cNvPicPr>
+            <a:picLocks noChangeAspect="1"/>
+          </p:cNvPicPr>
+          <p:nvPr/>
+        </p:nvPicPr>
+        <p:blipFill>
+          <a:blip r:embed="rId6"/>
+          <a:stretch>
+            <a:fillRect/>
+          </a:stretch>
+        </p:blipFill>
+        <p:spPr>
+          <a:xfrm>
+            <a:off x="9451409" y="3774250"/>
+            <a:ext cx="1346200" cy="1346200"/>
+          </a:xfrm>
+          <a:prstGeom prst="rect">
+            <a:avLst/>
+          </a:prstGeom>
+        </p:spPr>
+      </p:pic>
+      <p:sp>
+        <p:nvSpPr>
+          <p:cNvPr id="39" name="Right Arrow 38">
+            <a:extLst>
+              <a:ext uri="{FF2B5EF4-FFF2-40B4-BE49-F238E27FC236}">
+                <a16:creationId xmlns:a16="http://schemas.microsoft.com/office/drawing/2014/main" id="{C17018A1-095C-6C46-B136-737CB13CFD37}"/>
+              </a:ext>
+            </a:extLst>
+          </p:cNvPr>
+          <p:cNvSpPr/>
+          <p:nvPr/>
+        </p:nvSpPr>
+        <p:spPr>
+          <a:xfrm rot="10800000">
+            <a:off x="8847115" y="4250647"/>
+            <a:ext cx="510363" cy="393405"/>
+          </a:xfrm>
+          <a:prstGeom prst="rightArrow">
+            <a:avLst/>
+          </a:prstGeom>
+        </p:spPr>
+        <p:style>
+          <a:lnRef idx="2">
+            <a:schemeClr val="accent1">
+              <a:shade val="50000"/>
+            </a:schemeClr>
+          </a:lnRef>
+          <a:fillRef idx="1">
+            <a:schemeClr val="accent1"/>
+          </a:fillRef>
+          <a:effectRef idx="0">
+            <a:schemeClr val="accent1"/>
+          </a:effectRef>
+          <a:fontRef idx="minor">
+            <a:schemeClr val="lt1"/>
+          </a:fontRef>
+        </p:style>
+        <p:txBody>
+          <a:bodyPr rtlCol="0" anchor="ctr"/>
+          <a:lstStyle/>
+          <a:p>
+            <a:pPr algn="ctr"/>
+            <a:endParaRPr lang="en-US"/>
+          </a:p>
+        </p:txBody>
+      </p:sp>
+      <p:pic>
+        <p:nvPicPr>
+          <p:cNvPr id="41" name="Picture 40">
+            <a:extLst>
+              <a:ext uri="{FF2B5EF4-FFF2-40B4-BE49-F238E27FC236}">
+                <a16:creationId xmlns:a16="http://schemas.microsoft.com/office/drawing/2014/main" id="{FCC10CE4-39F4-7947-AA3B-D8FDAF82C333}"/>
+              </a:ext>
+            </a:extLst>
+          </p:cNvPr>
+          <p:cNvPicPr>
+            <a:picLocks noChangeAspect="1"/>
+          </p:cNvPicPr>
+          <p:nvPr/>
+        </p:nvPicPr>
+        <p:blipFill>
+          <a:blip r:embed="rId7"/>
+          <a:stretch>
+            <a:fillRect/>
+          </a:stretch>
+        </p:blipFill>
+        <p:spPr>
+          <a:xfrm>
+            <a:off x="7406984" y="3774250"/>
+            <a:ext cx="1346200" cy="1346200"/>
+          </a:xfrm>
+          <a:prstGeom prst="rect">
+            <a:avLst/>
+          </a:prstGeom>
+        </p:spPr>
+      </p:pic>
+      <p:pic>
+        <p:nvPicPr>
+          <p:cNvPr id="43" name="Picture 42">
+            <a:extLst>
+              <a:ext uri="{FF2B5EF4-FFF2-40B4-BE49-F238E27FC236}">
+                <a16:creationId xmlns:a16="http://schemas.microsoft.com/office/drawing/2014/main" id="{1560FF72-B2C0-FF47-B4B3-4E2870239E15}"/>
+              </a:ext>
+            </a:extLst>
+          </p:cNvPr>
+          <p:cNvPicPr>
+            <a:picLocks noChangeAspect="1"/>
+          </p:cNvPicPr>
+          <p:nvPr/>
+        </p:nvPicPr>
+        <p:blipFill>
+          <a:blip r:embed="rId8"/>
+          <a:stretch>
+            <a:fillRect/>
+          </a:stretch>
+        </p:blipFill>
+        <p:spPr>
+          <a:xfrm>
+            <a:off x="5379309" y="3774250"/>
+            <a:ext cx="1346200" cy="1346200"/>
+          </a:xfrm>
+          <a:prstGeom prst="rect">
+            <a:avLst/>
+          </a:prstGeom>
+        </p:spPr>
+      </p:pic>
+      <p:sp>
+        <p:nvSpPr>
+          <p:cNvPr id="44" name="Right Arrow 43">
+            <a:extLst>
+              <a:ext uri="{FF2B5EF4-FFF2-40B4-BE49-F238E27FC236}">
+                <a16:creationId xmlns:a16="http://schemas.microsoft.com/office/drawing/2014/main" id="{D3B854BB-5747-FE4E-ABAF-2D2D556DCD41}"/>
+              </a:ext>
+            </a:extLst>
+          </p:cNvPr>
+          <p:cNvSpPr/>
+          <p:nvPr/>
+        </p:nvSpPr>
+        <p:spPr>
+          <a:xfrm rot="10800000">
+            <a:off x="6802690" y="4250648"/>
+            <a:ext cx="510363" cy="393405"/>
+          </a:xfrm>
+          <a:prstGeom prst="rightArrow">
+            <a:avLst/>
+          </a:prstGeom>
+        </p:spPr>
+        <p:style>
+          <a:lnRef idx="2">
+            <a:schemeClr val="accent1">
+              <a:shade val="50000"/>
+            </a:schemeClr>
+          </a:lnRef>
+          <a:fillRef idx="1">
+            <a:schemeClr val="accent1"/>
+          </a:fillRef>
+          <a:effectRef idx="0">
+            <a:schemeClr val="accent1"/>
+          </a:effectRef>
+          <a:fontRef idx="minor">
+            <a:schemeClr val="lt1"/>
+          </a:fontRef>
+        </p:style>
+        <p:txBody>
+          <a:bodyPr rtlCol="0" anchor="ctr"/>
+          <a:lstStyle/>
+          <a:p>
+            <a:pPr algn="ctr"/>
+            <a:endParaRPr lang="en-US"/>
+          </a:p>
+        </p:txBody>
+      </p:sp>
+      <p:sp>
+        <p:nvSpPr>
+          <p:cNvPr id="45" name="Right Arrow 44">
+            <a:extLst>
+              <a:ext uri="{FF2B5EF4-FFF2-40B4-BE49-F238E27FC236}">
+                <a16:creationId xmlns:a16="http://schemas.microsoft.com/office/drawing/2014/main" id="{D02E7100-6588-D848-802A-5A2CB59F99F8}"/>
+              </a:ext>
+            </a:extLst>
+          </p:cNvPr>
+          <p:cNvSpPr/>
+          <p:nvPr/>
+        </p:nvSpPr>
+        <p:spPr>
+          <a:xfrm rot="10800000">
+            <a:off x="4775015" y="4250648"/>
+            <a:ext cx="510363" cy="393405"/>
+          </a:xfrm>
+          <a:prstGeom prst="rightArrow">
+            <a:avLst/>
+          </a:prstGeom>
+        </p:spPr>
+        <p:style>
+          <a:lnRef idx="2">
+            <a:schemeClr val="accent1">
+              <a:shade val="50000"/>
+            </a:schemeClr>
+          </a:lnRef>
+          <a:fillRef idx="1">
+            <a:schemeClr val="accent1"/>
+          </a:fillRef>
+          <a:effectRef idx="0">
+            <a:schemeClr val="accent1"/>
+          </a:effectRef>
+          <a:fontRef idx="minor">
+            <a:schemeClr val="lt1"/>
+          </a:fontRef>
+        </p:style>
+        <p:txBody>
+          <a:bodyPr rtlCol="0" anchor="ctr"/>
+          <a:lstStyle/>
+          <a:p>
+            <a:pPr algn="ctr"/>
+            <a:endParaRPr lang="en-US"/>
+          </a:p>
+        </p:txBody>
+      </p:sp>
+      <p:pic>
+        <p:nvPicPr>
+          <p:cNvPr id="47" name="Picture 46">
+            <a:extLst>
+              <a:ext uri="{FF2B5EF4-FFF2-40B4-BE49-F238E27FC236}">
+                <a16:creationId xmlns:a16="http://schemas.microsoft.com/office/drawing/2014/main" id="{6DD93B78-ECC2-DC4A-81D1-F0ABAB256B82}"/>
+              </a:ext>
+            </a:extLst>
+          </p:cNvPr>
+          <p:cNvPicPr>
+            <a:picLocks noChangeAspect="1"/>
+          </p:cNvPicPr>
+          <p:nvPr/>
+        </p:nvPicPr>
+        <p:blipFill>
+          <a:blip r:embed="rId9"/>
+          <a:stretch>
+            <a:fillRect/>
+          </a:stretch>
+        </p:blipFill>
+        <p:spPr>
+          <a:xfrm>
+            <a:off x="3334883" y="3774250"/>
+            <a:ext cx="1346200" cy="1346200"/>
+          </a:xfrm>
+          <a:prstGeom prst="rect">
+            <a:avLst/>
+          </a:prstGeom>
+        </p:spPr>
+      </p:pic>
+      <p:pic>
+        <p:nvPicPr>
+          <p:cNvPr id="49" name="Picture 48">
+            <a:extLst>
+              <a:ext uri="{FF2B5EF4-FFF2-40B4-BE49-F238E27FC236}">
+                <a16:creationId xmlns:a16="http://schemas.microsoft.com/office/drawing/2014/main" id="{7C18C10C-DEAC-794A-A684-2109868B0360}"/>
+              </a:ext>
+            </a:extLst>
+          </p:cNvPr>
+          <p:cNvPicPr>
+            <a:picLocks noChangeAspect="1"/>
+          </p:cNvPicPr>
+          <p:nvPr/>
+        </p:nvPicPr>
+        <p:blipFill>
+          <a:blip r:embed="rId10"/>
+          <a:stretch>
+            <a:fillRect/>
+          </a:stretch>
+        </p:blipFill>
+        <p:spPr>
+          <a:xfrm>
+            <a:off x="1328081" y="3774250"/>
+            <a:ext cx="1346200" cy="1346200"/>
+          </a:xfrm>
+          <a:prstGeom prst="rect">
+            <a:avLst/>
+          </a:prstGeom>
+        </p:spPr>
+      </p:pic>
+      <p:sp>
+        <p:nvSpPr>
+          <p:cNvPr id="50" name="Right Arrow 49">
+            <a:extLst>
+              <a:ext uri="{FF2B5EF4-FFF2-40B4-BE49-F238E27FC236}">
+                <a16:creationId xmlns:a16="http://schemas.microsoft.com/office/drawing/2014/main" id="{DD51ABA2-033C-FA42-BF20-69D1C15DC5B4}"/>
+              </a:ext>
+            </a:extLst>
+          </p:cNvPr>
+          <p:cNvSpPr/>
+          <p:nvPr/>
+        </p:nvSpPr>
+        <p:spPr>
+          <a:xfrm rot="10800000">
+            <a:off x="2730589" y="4250648"/>
+            <a:ext cx="510363" cy="393405"/>
+          </a:xfrm>
+          <a:prstGeom prst="rightArrow">
+            <a:avLst/>
+          </a:prstGeom>
+        </p:spPr>
+        <p:style>
+          <a:lnRef idx="2">
+            <a:schemeClr val="accent1">
+              <a:shade val="50000"/>
+            </a:schemeClr>
+          </a:lnRef>
+          <a:fillRef idx="1">
+            <a:schemeClr val="accent1"/>
+          </a:fillRef>
+          <a:effectRef idx="0">
+            <a:schemeClr val="accent1"/>
+          </a:effectRef>
+          <a:fontRef idx="minor">
+            <a:schemeClr val="lt1"/>
+          </a:fontRef>
+        </p:style>
+        <p:txBody>
+          <a:bodyPr rtlCol="0" anchor="ctr"/>
+          <a:lstStyle/>
+          <a:p>
+            <a:pPr algn="ctr"/>
+            <a:endParaRPr lang="en-US"/>
+          </a:p>
+        </p:txBody>
+      </p:sp>
+      <p:sp>
+        <p:nvSpPr>
+          <p:cNvPr id="51" name="Title 1">
+            <a:extLst>
+              <a:ext uri="{FF2B5EF4-FFF2-40B4-BE49-F238E27FC236}">
+                <a16:creationId xmlns:a16="http://schemas.microsoft.com/office/drawing/2014/main" id="{95176080-7BEA-294E-AF36-E339D96237B8}"/>
+              </a:ext>
+            </a:extLst>
+          </p:cNvPr>
+          <p:cNvSpPr txBox="1">
+            <a:spLocks/>
+          </p:cNvSpPr>
+          <p:nvPr/>
+        </p:nvSpPr>
+        <p:spPr>
+          <a:xfrm>
+            <a:off x="0" y="427665"/>
+            <a:ext cx="12192000" cy="1263023"/>
+          </a:xfrm>
+          <a:prstGeom prst="rect">
+            <a:avLst/>
+          </a:prstGeom>
+        </p:spPr>
+        <p:txBody>
+          <a:bodyPr/>
+          <a:lstStyle>
+            <a:lvl1pPr algn="l" defTabSz="914400" rtl="0" eaLnBrk="1" latinLnBrk="0" hangingPunct="1">
+              <a:lnSpc>
+                <a:spcPct val="90000"/>
+              </a:lnSpc>
+              <a:spcBef>
+                <a:spcPct val="0"/>
+              </a:spcBef>
+              <a:buNone/>
+              <a:defRPr sz="4400" kern="1200">
+                <a:solidFill>
+                  <a:schemeClr val="tx1"/>
+                </a:solidFill>
+                <a:latin typeface="+mj-lt"/>
+                <a:ea typeface="+mj-ea"/>
+                <a:cs typeface="+mj-cs"/>
+              </a:defRPr>
+            </a:lvl1pPr>
+          </a:lstStyle>
+          <a:p>
+            <a:pPr algn="ctr"/>
+            <a:r>
+              <a:rPr lang="en-US" dirty="0"/>
+              <a:t>As the iterations progressed…</a:t>
+            </a:r>
+          </a:p>
+        </p:txBody>
+      </p:sp>
+    </p:spTree>
+    <p:extLst>
+      <p:ext uri="{BB962C8B-B14F-4D97-AF65-F5344CB8AC3E}">
+        <p14:creationId xmlns:p14="http://schemas.microsoft.com/office/powerpoint/2010/main" val="2450408740"/>
+      </p:ext>
+    </p:extLst>
+  </p:cSld>
+  <p:clrMapOvr>
+    <a:masterClrMapping/>
+  </p:clrMapOvr>
+  <p:timing>
+    <p:tnLst>
+      <p:par>
+        <p:cTn id="1" dur="indefinite" restart="never" nodeType="tmRoot">
+          <p:childTnLst>
+            <p:seq concurrent="1" nextAc="seek">
+              <p:cTn id="2" dur="indefinite" nodeType="mainSeq">
+                <p:childTnLst>
+                  <p:par>
+                    <p:cTn id="3" fill="hold">
+                      <p:stCondLst>
+                        <p:cond delay="indefinite"/>
+                      </p:stCondLst>
+                      <p:childTnLst>
+                        <p:par>
+                          <p:cTn id="4" fill="hold">
+                            <p:stCondLst>
+                              <p:cond delay="0"/>
+                            </p:stCondLst>
+                            <p:childTnLst>
+                              <p:par>
+                                <p:cTn id="5" presetID="55" presetClass="entr" presetSubtype="0" fill="hold" grpId="0" nodeType="clickEffect">
+                                  <p:stCondLst>
+                                    <p:cond delay="0"/>
+                                  </p:stCondLst>
+                                  <p:childTnLst>
+                                    <p:set>
+                                      <p:cBhvr>
+                                        <p:cTn id="6" dur="1" fill="hold">
+                                          <p:stCondLst>
+                                            <p:cond delay="0"/>
+                                          </p:stCondLst>
+                                        </p:cTn>
+                                        <p:tgtEl>
+                                          <p:spTgt spid="19"/>
+                                        </p:tgtEl>
+                                        <p:attrNameLst>
+                                          <p:attrName>style.visibility</p:attrName>
+                                        </p:attrNameLst>
+                                      </p:cBhvr>
+                                      <p:to>
+                                        <p:strVal val="visible"/>
+                                      </p:to>
+                                    </p:set>
+                                    <p:anim calcmode="lin" valueType="num">
+                                      <p:cBhvr>
+                                        <p:cTn id="7" dur="1000" fill="hold"/>
+                                        <p:tgtEl>
+                                          <p:spTgt spid="19"/>
+                                        </p:tgtEl>
+                                        <p:attrNameLst>
+                                          <p:attrName>ppt_w</p:attrName>
+                                        </p:attrNameLst>
+                                      </p:cBhvr>
+                                      <p:tavLst>
+                                        <p:tav tm="0">
+                                          <p:val>
+                                            <p:strVal val="#ppt_w*0.70"/>
+                                          </p:val>
+                                        </p:tav>
+                                        <p:tav tm="100000">
+                                          <p:val>
+                                            <p:strVal val="#ppt_w"/>
+                                          </p:val>
+                                        </p:tav>
+                                      </p:tavLst>
+                                    </p:anim>
+                                    <p:anim calcmode="lin" valueType="num">
+                                      <p:cBhvr>
+                                        <p:cTn id="8" dur="1000" fill="hold"/>
+                                        <p:tgtEl>
+                                          <p:spTgt spid="19"/>
+                                        </p:tgtEl>
+                                        <p:attrNameLst>
+                                          <p:attrName>ppt_h</p:attrName>
+                                        </p:attrNameLst>
+                                      </p:cBhvr>
+                                      <p:tavLst>
+                                        <p:tav tm="0">
+                                          <p:val>
+                                            <p:strVal val="#ppt_h"/>
+                                          </p:val>
+                                        </p:tav>
+                                        <p:tav tm="100000">
+                                          <p:val>
+                                            <p:strVal val="#ppt_h"/>
+                                          </p:val>
+                                        </p:tav>
+                                      </p:tavLst>
+                                    </p:anim>
+                                    <p:animEffect transition="in" filter="fade">
+                                      <p:cBhvr>
+                                        <p:cTn id="9" dur="1000"/>
+                                        <p:tgtEl>
+                                          <p:spTgt spid="19"/>
+                                        </p:tgtEl>
+                                      </p:cBhvr>
+                                    </p:animEffect>
+                                  </p:childTnLst>
+                                </p:cTn>
+                              </p:par>
+                            </p:childTnLst>
+                          </p:cTn>
+                        </p:par>
+                        <p:par>
+                          <p:cTn id="10" fill="hold">
+                            <p:stCondLst>
+                              <p:cond delay="1000"/>
+                            </p:stCondLst>
+                            <p:childTnLst>
+                              <p:par>
+                                <p:cTn id="11" presetID="6" presetClass="entr" presetSubtype="16" fill="hold" nodeType="afterEffect">
+                                  <p:stCondLst>
+                                    <p:cond delay="0"/>
+                                  </p:stCondLst>
+                                  <p:childTnLst>
+                                    <p:set>
+                                      <p:cBhvr>
+                                        <p:cTn id="12" dur="1" fill="hold">
+                                          <p:stCondLst>
+                                            <p:cond delay="0"/>
+                                          </p:stCondLst>
+                                        </p:cTn>
+                                        <p:tgtEl>
+                                          <p:spTgt spid="25"/>
+                                        </p:tgtEl>
+                                        <p:attrNameLst>
+                                          <p:attrName>style.visibility</p:attrName>
+                                        </p:attrNameLst>
+                                      </p:cBhvr>
+                                      <p:to>
+                                        <p:strVal val="visible"/>
+                                      </p:to>
+                                    </p:set>
+                                    <p:animEffect transition="in" filter="circle(in)">
+                                      <p:cBhvr>
+                                        <p:cTn id="13" dur="2000"/>
+                                        <p:tgtEl>
+                                          <p:spTgt spid="25"/>
+                                        </p:tgtEl>
+                                      </p:cBhvr>
+                                    </p:animEffect>
+                                  </p:childTnLst>
+                                </p:cTn>
+                              </p:par>
+                            </p:childTnLst>
+                          </p:cTn>
+                        </p:par>
+                        <p:par>
+                          <p:cTn id="14" fill="hold">
+                            <p:stCondLst>
+                              <p:cond delay="3000"/>
+                            </p:stCondLst>
+                            <p:childTnLst>
+                              <p:par>
+                                <p:cTn id="15" presetID="55" presetClass="entr" presetSubtype="0" fill="hold" grpId="0" nodeType="afterEffect">
+                                  <p:stCondLst>
+                                    <p:cond delay="0"/>
+                                  </p:stCondLst>
+                                  <p:childTnLst>
+                                    <p:set>
+                                      <p:cBhvr>
+                                        <p:cTn id="16" dur="1" fill="hold">
+                                          <p:stCondLst>
+                                            <p:cond delay="0"/>
+                                          </p:stCondLst>
+                                        </p:cTn>
+                                        <p:tgtEl>
+                                          <p:spTgt spid="28"/>
+                                        </p:tgtEl>
+                                        <p:attrNameLst>
+                                          <p:attrName>style.visibility</p:attrName>
+                                        </p:attrNameLst>
+                                      </p:cBhvr>
+                                      <p:to>
+                                        <p:strVal val="visible"/>
+                                      </p:to>
+                                    </p:set>
+                                    <p:anim calcmode="lin" valueType="num">
+                                      <p:cBhvr>
+                                        <p:cTn id="17" dur="1000" fill="hold"/>
+                                        <p:tgtEl>
+                                          <p:spTgt spid="28"/>
+                                        </p:tgtEl>
+                                        <p:attrNameLst>
+                                          <p:attrName>ppt_w</p:attrName>
+                                        </p:attrNameLst>
+                                      </p:cBhvr>
+                                      <p:tavLst>
+                                        <p:tav tm="0">
+                                          <p:val>
+                                            <p:strVal val="#ppt_w*0.70"/>
+                                          </p:val>
+                                        </p:tav>
+                                        <p:tav tm="100000">
+                                          <p:val>
+                                            <p:strVal val="#ppt_w"/>
+                                          </p:val>
+                                        </p:tav>
+                                      </p:tavLst>
+                                    </p:anim>
+                                    <p:anim calcmode="lin" valueType="num">
+                                      <p:cBhvr>
+                                        <p:cTn id="18" dur="1000" fill="hold"/>
+                                        <p:tgtEl>
+                                          <p:spTgt spid="28"/>
+                                        </p:tgtEl>
+                                        <p:attrNameLst>
+                                          <p:attrName>ppt_h</p:attrName>
+                                        </p:attrNameLst>
+                                      </p:cBhvr>
+                                      <p:tavLst>
+                                        <p:tav tm="0">
+                                          <p:val>
+                                            <p:strVal val="#ppt_h"/>
+                                          </p:val>
+                                        </p:tav>
+                                        <p:tav tm="100000">
+                                          <p:val>
+                                            <p:strVal val="#ppt_h"/>
+                                          </p:val>
+                                        </p:tav>
+                                      </p:tavLst>
+                                    </p:anim>
+                                    <p:animEffect transition="in" filter="fade">
+                                      <p:cBhvr>
+                                        <p:cTn id="19" dur="1000"/>
+                                        <p:tgtEl>
+                                          <p:spTgt spid="28"/>
+                                        </p:tgtEl>
+                                      </p:cBhvr>
+                                    </p:animEffect>
+                                  </p:childTnLst>
+                                </p:cTn>
+                              </p:par>
+                            </p:childTnLst>
+                          </p:cTn>
+                        </p:par>
+                        <p:par>
+                          <p:cTn id="20" fill="hold">
+                            <p:stCondLst>
+                              <p:cond delay="4000"/>
+                            </p:stCondLst>
+                            <p:childTnLst>
+                              <p:par>
+                                <p:cTn id="21" presetID="6" presetClass="entr" presetSubtype="16" fill="hold" nodeType="afterEffect">
+                                  <p:stCondLst>
+                                    <p:cond delay="0"/>
+                                  </p:stCondLst>
+                                  <p:childTnLst>
+                                    <p:set>
+                                      <p:cBhvr>
+                                        <p:cTn id="22" dur="1" fill="hold">
+                                          <p:stCondLst>
+                                            <p:cond delay="0"/>
+                                          </p:stCondLst>
+                                        </p:cTn>
+                                        <p:tgtEl>
+                                          <p:spTgt spid="27"/>
+                                        </p:tgtEl>
+                                        <p:attrNameLst>
+                                          <p:attrName>style.visibility</p:attrName>
+                                        </p:attrNameLst>
+                                      </p:cBhvr>
+                                      <p:to>
+                                        <p:strVal val="visible"/>
+                                      </p:to>
+                                    </p:set>
+                                    <p:animEffect transition="in" filter="circle(in)">
+                                      <p:cBhvr>
+                                        <p:cTn id="23" dur="2000"/>
+                                        <p:tgtEl>
+                                          <p:spTgt spid="27"/>
+                                        </p:tgtEl>
+                                      </p:cBhvr>
+                                    </p:animEffect>
+                                  </p:childTnLst>
+                                </p:cTn>
+                              </p:par>
+                            </p:childTnLst>
+                          </p:cTn>
+                        </p:par>
+                        <p:par>
+                          <p:cTn id="24" fill="hold">
+                            <p:stCondLst>
+                              <p:cond delay="6000"/>
+                            </p:stCondLst>
+                            <p:childTnLst>
+                              <p:par>
+                                <p:cTn id="25" presetID="55" presetClass="entr" presetSubtype="0" fill="hold" grpId="0" nodeType="afterEffect">
+                                  <p:stCondLst>
+                                    <p:cond delay="0"/>
+                                  </p:stCondLst>
+                                  <p:childTnLst>
+                                    <p:set>
+                                      <p:cBhvr>
+                                        <p:cTn id="26" dur="1" fill="hold">
+                                          <p:stCondLst>
+                                            <p:cond delay="0"/>
+                                          </p:stCondLst>
+                                        </p:cTn>
+                                        <p:tgtEl>
+                                          <p:spTgt spid="31"/>
+                                        </p:tgtEl>
+                                        <p:attrNameLst>
+                                          <p:attrName>style.visibility</p:attrName>
+                                        </p:attrNameLst>
+                                      </p:cBhvr>
+                                      <p:to>
+                                        <p:strVal val="visible"/>
+                                      </p:to>
+                                    </p:set>
+                                    <p:anim calcmode="lin" valueType="num">
+                                      <p:cBhvr>
+                                        <p:cTn id="27" dur="1000" fill="hold"/>
+                                        <p:tgtEl>
+                                          <p:spTgt spid="31"/>
+                                        </p:tgtEl>
+                                        <p:attrNameLst>
+                                          <p:attrName>ppt_w</p:attrName>
+                                        </p:attrNameLst>
+                                      </p:cBhvr>
+                                      <p:tavLst>
+                                        <p:tav tm="0">
+                                          <p:val>
+                                            <p:strVal val="#ppt_w*0.70"/>
+                                          </p:val>
+                                        </p:tav>
+                                        <p:tav tm="100000">
+                                          <p:val>
+                                            <p:strVal val="#ppt_w"/>
+                                          </p:val>
+                                        </p:tav>
+                                      </p:tavLst>
+                                    </p:anim>
+                                    <p:anim calcmode="lin" valueType="num">
+                                      <p:cBhvr>
+                                        <p:cTn id="28" dur="1000" fill="hold"/>
+                                        <p:tgtEl>
+                                          <p:spTgt spid="31"/>
+                                        </p:tgtEl>
+                                        <p:attrNameLst>
+                                          <p:attrName>ppt_h</p:attrName>
+                                        </p:attrNameLst>
+                                      </p:cBhvr>
+                                      <p:tavLst>
+                                        <p:tav tm="0">
+                                          <p:val>
+                                            <p:strVal val="#ppt_h"/>
+                                          </p:val>
+                                        </p:tav>
+                                        <p:tav tm="100000">
+                                          <p:val>
+                                            <p:strVal val="#ppt_h"/>
+                                          </p:val>
+                                        </p:tav>
+                                      </p:tavLst>
+                                    </p:anim>
+                                    <p:animEffect transition="in" filter="fade">
+                                      <p:cBhvr>
+                                        <p:cTn id="29" dur="1000"/>
+                                        <p:tgtEl>
+                                          <p:spTgt spid="31"/>
+                                        </p:tgtEl>
+                                      </p:cBhvr>
+                                    </p:animEffect>
+                                  </p:childTnLst>
+                                </p:cTn>
+                              </p:par>
+                            </p:childTnLst>
+                          </p:cTn>
+                        </p:par>
+                        <p:par>
+                          <p:cTn id="30" fill="hold">
+                            <p:stCondLst>
+                              <p:cond delay="7000"/>
+                            </p:stCondLst>
+                            <p:childTnLst>
+                              <p:par>
+                                <p:cTn id="31" presetID="6" presetClass="entr" presetSubtype="16" fill="hold" nodeType="afterEffect">
+                                  <p:stCondLst>
+                                    <p:cond delay="0"/>
+                                  </p:stCondLst>
+                                  <p:childTnLst>
+                                    <p:set>
+                                      <p:cBhvr>
+                                        <p:cTn id="32" dur="1" fill="hold">
+                                          <p:stCondLst>
+                                            <p:cond delay="0"/>
+                                          </p:stCondLst>
+                                        </p:cTn>
+                                        <p:tgtEl>
+                                          <p:spTgt spid="30"/>
+                                        </p:tgtEl>
+                                        <p:attrNameLst>
+                                          <p:attrName>style.visibility</p:attrName>
+                                        </p:attrNameLst>
+                                      </p:cBhvr>
+                                      <p:to>
+                                        <p:strVal val="visible"/>
+                                      </p:to>
+                                    </p:set>
+                                    <p:animEffect transition="in" filter="circle(in)">
+                                      <p:cBhvr>
+                                        <p:cTn id="33" dur="2000"/>
+                                        <p:tgtEl>
+                                          <p:spTgt spid="30"/>
+                                        </p:tgtEl>
+                                      </p:cBhvr>
+                                    </p:animEffect>
+                                  </p:childTnLst>
+                                </p:cTn>
+                              </p:par>
+                            </p:childTnLst>
+                          </p:cTn>
+                        </p:par>
+                        <p:par>
+                          <p:cTn id="34" fill="hold">
+                            <p:stCondLst>
+                              <p:cond delay="9000"/>
+                            </p:stCondLst>
+                            <p:childTnLst>
+                              <p:par>
+                                <p:cTn id="35" presetID="55" presetClass="entr" presetSubtype="0" fill="hold" grpId="0" nodeType="afterEffect">
+                                  <p:stCondLst>
+                                    <p:cond delay="0"/>
+                                  </p:stCondLst>
+                                  <p:childTnLst>
+                                    <p:set>
+                                      <p:cBhvr>
+                                        <p:cTn id="36" dur="1" fill="hold">
+                                          <p:stCondLst>
+                                            <p:cond delay="0"/>
+                                          </p:stCondLst>
+                                        </p:cTn>
+                                        <p:tgtEl>
+                                          <p:spTgt spid="34"/>
+                                        </p:tgtEl>
+                                        <p:attrNameLst>
+                                          <p:attrName>style.visibility</p:attrName>
+                                        </p:attrNameLst>
+                                      </p:cBhvr>
+                                      <p:to>
+                                        <p:strVal val="visible"/>
+                                      </p:to>
+                                    </p:set>
+                                    <p:anim calcmode="lin" valueType="num">
+                                      <p:cBhvr>
+                                        <p:cTn id="37" dur="1000" fill="hold"/>
+                                        <p:tgtEl>
+                                          <p:spTgt spid="34"/>
+                                        </p:tgtEl>
+                                        <p:attrNameLst>
+                                          <p:attrName>ppt_w</p:attrName>
+                                        </p:attrNameLst>
+                                      </p:cBhvr>
+                                      <p:tavLst>
+                                        <p:tav tm="0">
+                                          <p:val>
+                                            <p:strVal val="#ppt_w*0.70"/>
+                                          </p:val>
+                                        </p:tav>
+                                        <p:tav tm="100000">
+                                          <p:val>
+                                            <p:strVal val="#ppt_w"/>
+                                          </p:val>
+                                        </p:tav>
+                                      </p:tavLst>
+                                    </p:anim>
+                                    <p:anim calcmode="lin" valueType="num">
+                                      <p:cBhvr>
+                                        <p:cTn id="38" dur="1000" fill="hold"/>
+                                        <p:tgtEl>
+                                          <p:spTgt spid="34"/>
+                                        </p:tgtEl>
+                                        <p:attrNameLst>
+                                          <p:attrName>ppt_h</p:attrName>
+                                        </p:attrNameLst>
+                                      </p:cBhvr>
+                                      <p:tavLst>
+                                        <p:tav tm="0">
+                                          <p:val>
+                                            <p:strVal val="#ppt_h"/>
+                                          </p:val>
+                                        </p:tav>
+                                        <p:tav tm="100000">
+                                          <p:val>
+                                            <p:strVal val="#ppt_h"/>
+                                          </p:val>
+                                        </p:tav>
+                                      </p:tavLst>
+                                    </p:anim>
+                                    <p:animEffect transition="in" filter="fade">
+                                      <p:cBhvr>
+                                        <p:cTn id="39" dur="1000"/>
+                                        <p:tgtEl>
+                                          <p:spTgt spid="34"/>
+                                        </p:tgtEl>
+                                      </p:cBhvr>
+                                    </p:animEffect>
+                                  </p:childTnLst>
+                                </p:cTn>
+                              </p:par>
+                            </p:childTnLst>
+                          </p:cTn>
+                        </p:par>
+                        <p:par>
+                          <p:cTn id="40" fill="hold">
+                            <p:stCondLst>
+                              <p:cond delay="10000"/>
+                            </p:stCondLst>
+                            <p:childTnLst>
+                              <p:par>
+                                <p:cTn id="41" presetID="6" presetClass="entr" presetSubtype="16" fill="hold" nodeType="afterEffect">
+                                  <p:stCondLst>
+                                    <p:cond delay="0"/>
+                                  </p:stCondLst>
+                                  <p:childTnLst>
+                                    <p:set>
+                                      <p:cBhvr>
+                                        <p:cTn id="42" dur="1" fill="hold">
+                                          <p:stCondLst>
+                                            <p:cond delay="0"/>
+                                          </p:stCondLst>
+                                        </p:cTn>
+                                        <p:tgtEl>
+                                          <p:spTgt spid="33"/>
+                                        </p:tgtEl>
+                                        <p:attrNameLst>
+                                          <p:attrName>style.visibility</p:attrName>
+                                        </p:attrNameLst>
+                                      </p:cBhvr>
+                                      <p:to>
+                                        <p:strVal val="visible"/>
+                                      </p:to>
+                                    </p:set>
+                                    <p:animEffect transition="in" filter="circle(in)">
+                                      <p:cBhvr>
+                                        <p:cTn id="43" dur="2000"/>
+                                        <p:tgtEl>
+                                          <p:spTgt spid="33"/>
+                                        </p:tgtEl>
+                                      </p:cBhvr>
+                                    </p:animEffect>
+                                  </p:childTnLst>
+                                </p:cTn>
+                              </p:par>
+                            </p:childTnLst>
+                          </p:cTn>
+                        </p:par>
+                        <p:par>
+                          <p:cTn id="44" fill="hold">
+                            <p:stCondLst>
+                              <p:cond delay="12000"/>
+                            </p:stCondLst>
+                            <p:childTnLst>
+                              <p:par>
+                                <p:cTn id="45" presetID="55" presetClass="entr" presetSubtype="0" fill="hold" grpId="0" nodeType="afterEffect">
+                                  <p:stCondLst>
+                                    <p:cond delay="0"/>
+                                  </p:stCondLst>
+                                  <p:childTnLst>
+                                    <p:set>
+                                      <p:cBhvr>
+                                        <p:cTn id="46" dur="1" fill="hold">
+                                          <p:stCondLst>
+                                            <p:cond delay="0"/>
+                                          </p:stCondLst>
+                                        </p:cTn>
+                                        <p:tgtEl>
+                                          <p:spTgt spid="36"/>
+                                        </p:tgtEl>
+                                        <p:attrNameLst>
+                                          <p:attrName>style.visibility</p:attrName>
+                                        </p:attrNameLst>
+                                      </p:cBhvr>
+                                      <p:to>
+                                        <p:strVal val="visible"/>
+                                      </p:to>
+                                    </p:set>
+                                    <p:anim calcmode="lin" valueType="num">
+                                      <p:cBhvr>
+                                        <p:cTn id="47" dur="1000" fill="hold"/>
+                                        <p:tgtEl>
+                                          <p:spTgt spid="36"/>
+                                        </p:tgtEl>
+                                        <p:attrNameLst>
+                                          <p:attrName>ppt_w</p:attrName>
+                                        </p:attrNameLst>
+                                      </p:cBhvr>
+                                      <p:tavLst>
+                                        <p:tav tm="0">
+                                          <p:val>
+                                            <p:strVal val="#ppt_w*0.70"/>
+                                          </p:val>
+                                        </p:tav>
+                                        <p:tav tm="100000">
+                                          <p:val>
+                                            <p:strVal val="#ppt_w"/>
+                                          </p:val>
+                                        </p:tav>
+                                      </p:tavLst>
+                                    </p:anim>
+                                    <p:anim calcmode="lin" valueType="num">
+                                      <p:cBhvr>
+                                        <p:cTn id="48" dur="1000" fill="hold"/>
+                                        <p:tgtEl>
+                                          <p:spTgt spid="36"/>
+                                        </p:tgtEl>
+                                        <p:attrNameLst>
+                                          <p:attrName>ppt_h</p:attrName>
+                                        </p:attrNameLst>
+                                      </p:cBhvr>
+                                      <p:tavLst>
+                                        <p:tav tm="0">
+                                          <p:val>
+                                            <p:strVal val="#ppt_h"/>
+                                          </p:val>
+                                        </p:tav>
+                                        <p:tav tm="100000">
+                                          <p:val>
+                                            <p:strVal val="#ppt_h"/>
+                                          </p:val>
+                                        </p:tav>
+                                      </p:tavLst>
+                                    </p:anim>
+                                    <p:animEffect transition="in" filter="fade">
+                                      <p:cBhvr>
+                                        <p:cTn id="49" dur="1000"/>
+                                        <p:tgtEl>
+                                          <p:spTgt spid="36"/>
+                                        </p:tgtEl>
+                                      </p:cBhvr>
+                                    </p:animEffect>
+                                  </p:childTnLst>
+                                </p:cTn>
+                              </p:par>
+                            </p:childTnLst>
+                          </p:cTn>
+                        </p:par>
+                        <p:par>
+                          <p:cTn id="50" fill="hold">
+                            <p:stCondLst>
+                              <p:cond delay="13000"/>
+                            </p:stCondLst>
+                            <p:childTnLst>
+                              <p:par>
+                                <p:cTn id="51" presetID="6" presetClass="entr" presetSubtype="16" fill="hold" nodeType="afterEffect">
+                                  <p:stCondLst>
+                                    <p:cond delay="0"/>
+                                  </p:stCondLst>
+                                  <p:childTnLst>
+                                    <p:set>
+                                      <p:cBhvr>
+                                        <p:cTn id="52" dur="1" fill="hold">
+                                          <p:stCondLst>
+                                            <p:cond delay="0"/>
+                                          </p:stCondLst>
+                                        </p:cTn>
+                                        <p:tgtEl>
+                                          <p:spTgt spid="38"/>
+                                        </p:tgtEl>
+                                        <p:attrNameLst>
+                                          <p:attrName>style.visibility</p:attrName>
+                                        </p:attrNameLst>
+                                      </p:cBhvr>
+                                      <p:to>
+                                        <p:strVal val="visible"/>
+                                      </p:to>
+                                    </p:set>
+                                    <p:animEffect transition="in" filter="circle(in)">
+                                      <p:cBhvr>
+                                        <p:cTn id="53" dur="2000"/>
+                                        <p:tgtEl>
+                                          <p:spTgt spid="38"/>
+                                        </p:tgtEl>
+                                      </p:cBhvr>
+                                    </p:animEffect>
+                                  </p:childTnLst>
+                                </p:cTn>
+                              </p:par>
+                            </p:childTnLst>
+                          </p:cTn>
+                        </p:par>
+                        <p:par>
+                          <p:cTn id="54" fill="hold">
+                            <p:stCondLst>
+                              <p:cond delay="15000"/>
+                            </p:stCondLst>
+                            <p:childTnLst>
+                              <p:par>
+                                <p:cTn id="55" presetID="55" presetClass="entr" presetSubtype="0" fill="hold" grpId="0" nodeType="afterEffect">
+                                  <p:stCondLst>
+                                    <p:cond delay="0"/>
+                                  </p:stCondLst>
+                                  <p:childTnLst>
+                                    <p:set>
+                                      <p:cBhvr>
+                                        <p:cTn id="56" dur="1" fill="hold">
+                                          <p:stCondLst>
+                                            <p:cond delay="0"/>
+                                          </p:stCondLst>
+                                        </p:cTn>
+                                        <p:tgtEl>
+                                          <p:spTgt spid="39"/>
+                                        </p:tgtEl>
+                                        <p:attrNameLst>
+                                          <p:attrName>style.visibility</p:attrName>
+                                        </p:attrNameLst>
+                                      </p:cBhvr>
+                                      <p:to>
+                                        <p:strVal val="visible"/>
+                                      </p:to>
+                                    </p:set>
+                                    <p:anim calcmode="lin" valueType="num">
+                                      <p:cBhvr>
+                                        <p:cTn id="57" dur="1000" fill="hold"/>
+                                        <p:tgtEl>
+                                          <p:spTgt spid="39"/>
+                                        </p:tgtEl>
+                                        <p:attrNameLst>
+                                          <p:attrName>ppt_w</p:attrName>
+                                        </p:attrNameLst>
+                                      </p:cBhvr>
+                                      <p:tavLst>
+                                        <p:tav tm="0">
+                                          <p:val>
+                                            <p:strVal val="#ppt_w*0.70"/>
+                                          </p:val>
+                                        </p:tav>
+                                        <p:tav tm="100000">
+                                          <p:val>
+                                            <p:strVal val="#ppt_w"/>
+                                          </p:val>
+                                        </p:tav>
+                                      </p:tavLst>
+                                    </p:anim>
+                                    <p:anim calcmode="lin" valueType="num">
+                                      <p:cBhvr>
+                                        <p:cTn id="58" dur="1000" fill="hold"/>
+                                        <p:tgtEl>
+                                          <p:spTgt spid="39"/>
+                                        </p:tgtEl>
+                                        <p:attrNameLst>
+                                          <p:attrName>ppt_h</p:attrName>
+                                        </p:attrNameLst>
+                                      </p:cBhvr>
+                                      <p:tavLst>
+                                        <p:tav tm="0">
+                                          <p:val>
+                                            <p:strVal val="#ppt_h"/>
+                                          </p:val>
+                                        </p:tav>
+                                        <p:tav tm="100000">
+                                          <p:val>
+                                            <p:strVal val="#ppt_h"/>
+                                          </p:val>
+                                        </p:tav>
+                                      </p:tavLst>
+                                    </p:anim>
+                                    <p:animEffect transition="in" filter="fade">
+                                      <p:cBhvr>
+                                        <p:cTn id="59" dur="1000"/>
+                                        <p:tgtEl>
+                                          <p:spTgt spid="39"/>
+                                        </p:tgtEl>
+                                      </p:cBhvr>
+                                    </p:animEffect>
+                                  </p:childTnLst>
+                                </p:cTn>
+                              </p:par>
+                            </p:childTnLst>
+                          </p:cTn>
+                        </p:par>
+                        <p:par>
+                          <p:cTn id="60" fill="hold">
+                            <p:stCondLst>
+                              <p:cond delay="16000"/>
+                            </p:stCondLst>
+                            <p:childTnLst>
+                              <p:par>
+                                <p:cTn id="61" presetID="6" presetClass="entr" presetSubtype="16" fill="hold" nodeType="afterEffect">
+                                  <p:stCondLst>
+                                    <p:cond delay="0"/>
+                                  </p:stCondLst>
+                                  <p:childTnLst>
+                                    <p:set>
+                                      <p:cBhvr>
+                                        <p:cTn id="62" dur="1" fill="hold">
+                                          <p:stCondLst>
+                                            <p:cond delay="0"/>
+                                          </p:stCondLst>
+                                        </p:cTn>
+                                        <p:tgtEl>
+                                          <p:spTgt spid="41"/>
+                                        </p:tgtEl>
+                                        <p:attrNameLst>
+                                          <p:attrName>style.visibility</p:attrName>
+                                        </p:attrNameLst>
+                                      </p:cBhvr>
+                                      <p:to>
+                                        <p:strVal val="visible"/>
+                                      </p:to>
+                                    </p:set>
+                                    <p:animEffect transition="in" filter="circle(in)">
+                                      <p:cBhvr>
+                                        <p:cTn id="63" dur="2000"/>
+                                        <p:tgtEl>
+                                          <p:spTgt spid="41"/>
+                                        </p:tgtEl>
+                                      </p:cBhvr>
+                                    </p:animEffect>
+                                  </p:childTnLst>
+                                </p:cTn>
+                              </p:par>
+                            </p:childTnLst>
+                          </p:cTn>
+                        </p:par>
+                        <p:par>
+                          <p:cTn id="64" fill="hold">
+                            <p:stCondLst>
+                              <p:cond delay="18000"/>
+                            </p:stCondLst>
+                            <p:childTnLst>
+                              <p:par>
+                                <p:cTn id="65" presetID="55" presetClass="entr" presetSubtype="0" fill="hold" grpId="0" nodeType="afterEffect">
+                                  <p:stCondLst>
+                                    <p:cond delay="0"/>
+                                  </p:stCondLst>
+                                  <p:childTnLst>
+                                    <p:set>
+                                      <p:cBhvr>
+                                        <p:cTn id="66" dur="1" fill="hold">
+                                          <p:stCondLst>
+                                            <p:cond delay="0"/>
+                                          </p:stCondLst>
+                                        </p:cTn>
+                                        <p:tgtEl>
+                                          <p:spTgt spid="44"/>
+                                        </p:tgtEl>
+                                        <p:attrNameLst>
+                                          <p:attrName>style.visibility</p:attrName>
+                                        </p:attrNameLst>
+                                      </p:cBhvr>
+                                      <p:to>
+                                        <p:strVal val="visible"/>
+                                      </p:to>
+                                    </p:set>
+                                    <p:anim calcmode="lin" valueType="num">
+                                      <p:cBhvr>
+                                        <p:cTn id="67" dur="1000" fill="hold"/>
+                                        <p:tgtEl>
+                                          <p:spTgt spid="44"/>
+                                        </p:tgtEl>
+                                        <p:attrNameLst>
+                                          <p:attrName>ppt_w</p:attrName>
+                                        </p:attrNameLst>
+                                      </p:cBhvr>
+                                      <p:tavLst>
+                                        <p:tav tm="0">
+                                          <p:val>
+                                            <p:strVal val="#ppt_w*0.70"/>
+                                          </p:val>
+                                        </p:tav>
+                                        <p:tav tm="100000">
+                                          <p:val>
+                                            <p:strVal val="#ppt_w"/>
+                                          </p:val>
+                                        </p:tav>
+                                      </p:tavLst>
+                                    </p:anim>
+                                    <p:anim calcmode="lin" valueType="num">
+                                      <p:cBhvr>
+                                        <p:cTn id="68" dur="1000" fill="hold"/>
+                                        <p:tgtEl>
+                                          <p:spTgt spid="44"/>
+                                        </p:tgtEl>
+                                        <p:attrNameLst>
+                                          <p:attrName>ppt_h</p:attrName>
+                                        </p:attrNameLst>
+                                      </p:cBhvr>
+                                      <p:tavLst>
+                                        <p:tav tm="0">
+                                          <p:val>
+                                            <p:strVal val="#ppt_h"/>
+                                          </p:val>
+                                        </p:tav>
+                                        <p:tav tm="100000">
+                                          <p:val>
+                                            <p:strVal val="#ppt_h"/>
+                                          </p:val>
+                                        </p:tav>
+                                      </p:tavLst>
+                                    </p:anim>
+                                    <p:animEffect transition="in" filter="fade">
+                                      <p:cBhvr>
+                                        <p:cTn id="69" dur="1000"/>
+                                        <p:tgtEl>
+                                          <p:spTgt spid="44"/>
+                                        </p:tgtEl>
+                                      </p:cBhvr>
+                                    </p:animEffect>
+                                  </p:childTnLst>
+                                </p:cTn>
+                              </p:par>
+                            </p:childTnLst>
+                          </p:cTn>
+                        </p:par>
+                        <p:par>
+                          <p:cTn id="70" fill="hold">
+                            <p:stCondLst>
+                              <p:cond delay="19000"/>
+                            </p:stCondLst>
+                            <p:childTnLst>
+                              <p:par>
+                                <p:cTn id="71" presetID="6" presetClass="entr" presetSubtype="16" fill="hold" nodeType="afterEffect">
+                                  <p:stCondLst>
+                                    <p:cond delay="0"/>
+                                  </p:stCondLst>
+                                  <p:childTnLst>
+                                    <p:set>
+                                      <p:cBhvr>
+                                        <p:cTn id="72" dur="1" fill="hold">
+                                          <p:stCondLst>
+                                            <p:cond delay="0"/>
+                                          </p:stCondLst>
+                                        </p:cTn>
+                                        <p:tgtEl>
+                                          <p:spTgt spid="43"/>
+                                        </p:tgtEl>
+                                        <p:attrNameLst>
+                                          <p:attrName>style.visibility</p:attrName>
+                                        </p:attrNameLst>
+                                      </p:cBhvr>
+                                      <p:to>
+                                        <p:strVal val="visible"/>
+                                      </p:to>
+                                    </p:set>
+                                    <p:animEffect transition="in" filter="circle(in)">
+                                      <p:cBhvr>
+                                        <p:cTn id="73" dur="2000"/>
+                                        <p:tgtEl>
+                                          <p:spTgt spid="43"/>
+                                        </p:tgtEl>
+                                      </p:cBhvr>
+                                    </p:animEffect>
+                                  </p:childTnLst>
+                                </p:cTn>
+                              </p:par>
+                            </p:childTnLst>
+                          </p:cTn>
+                        </p:par>
+                        <p:par>
+                          <p:cTn id="74" fill="hold">
+                            <p:stCondLst>
+                              <p:cond delay="21000"/>
+                            </p:stCondLst>
+                            <p:childTnLst>
+                              <p:par>
+                                <p:cTn id="75" presetID="55" presetClass="entr" presetSubtype="0" fill="hold" grpId="0" nodeType="afterEffect">
+                                  <p:stCondLst>
+                                    <p:cond delay="0"/>
+                                  </p:stCondLst>
+                                  <p:childTnLst>
+                                    <p:set>
+                                      <p:cBhvr>
+                                        <p:cTn id="76" dur="1" fill="hold">
+                                          <p:stCondLst>
+                                            <p:cond delay="0"/>
+                                          </p:stCondLst>
+                                        </p:cTn>
+                                        <p:tgtEl>
+                                          <p:spTgt spid="45"/>
+                                        </p:tgtEl>
+                                        <p:attrNameLst>
+                                          <p:attrName>style.visibility</p:attrName>
+                                        </p:attrNameLst>
+                                      </p:cBhvr>
+                                      <p:to>
+                                        <p:strVal val="visible"/>
+                                      </p:to>
+                                    </p:set>
+                                    <p:anim calcmode="lin" valueType="num">
+                                      <p:cBhvr>
+                                        <p:cTn id="77" dur="1000" fill="hold"/>
+                                        <p:tgtEl>
+                                          <p:spTgt spid="45"/>
+                                        </p:tgtEl>
+                                        <p:attrNameLst>
+                                          <p:attrName>ppt_w</p:attrName>
+                                        </p:attrNameLst>
+                                      </p:cBhvr>
+                                      <p:tavLst>
+                                        <p:tav tm="0">
+                                          <p:val>
+                                            <p:strVal val="#ppt_w*0.70"/>
+                                          </p:val>
+                                        </p:tav>
+                                        <p:tav tm="100000">
+                                          <p:val>
+                                            <p:strVal val="#ppt_w"/>
+                                          </p:val>
+                                        </p:tav>
+                                      </p:tavLst>
+                                    </p:anim>
+                                    <p:anim calcmode="lin" valueType="num">
+                                      <p:cBhvr>
+                                        <p:cTn id="78" dur="1000" fill="hold"/>
+                                        <p:tgtEl>
+                                          <p:spTgt spid="45"/>
+                                        </p:tgtEl>
+                                        <p:attrNameLst>
+                                          <p:attrName>ppt_h</p:attrName>
+                                        </p:attrNameLst>
+                                      </p:cBhvr>
+                                      <p:tavLst>
+                                        <p:tav tm="0">
+                                          <p:val>
+                                            <p:strVal val="#ppt_h"/>
+                                          </p:val>
+                                        </p:tav>
+                                        <p:tav tm="100000">
+                                          <p:val>
+                                            <p:strVal val="#ppt_h"/>
+                                          </p:val>
+                                        </p:tav>
+                                      </p:tavLst>
+                                    </p:anim>
+                                    <p:animEffect transition="in" filter="fade">
+                                      <p:cBhvr>
+                                        <p:cTn id="79" dur="1000"/>
+                                        <p:tgtEl>
+                                          <p:spTgt spid="45"/>
+                                        </p:tgtEl>
+                                      </p:cBhvr>
+                                    </p:animEffect>
+                                  </p:childTnLst>
+                                </p:cTn>
+                              </p:par>
+                            </p:childTnLst>
+                          </p:cTn>
+                        </p:par>
+                        <p:par>
+                          <p:cTn id="80" fill="hold">
+                            <p:stCondLst>
+                              <p:cond delay="22000"/>
+                            </p:stCondLst>
+                            <p:childTnLst>
+                              <p:par>
+                                <p:cTn id="81" presetID="6" presetClass="entr" presetSubtype="16" fill="hold" nodeType="afterEffect">
+                                  <p:stCondLst>
+                                    <p:cond delay="0"/>
+                                  </p:stCondLst>
+                                  <p:childTnLst>
+                                    <p:set>
+                                      <p:cBhvr>
+                                        <p:cTn id="82" dur="1" fill="hold">
+                                          <p:stCondLst>
+                                            <p:cond delay="0"/>
+                                          </p:stCondLst>
+                                        </p:cTn>
+                                        <p:tgtEl>
+                                          <p:spTgt spid="47"/>
+                                        </p:tgtEl>
+                                        <p:attrNameLst>
+                                          <p:attrName>style.visibility</p:attrName>
+                                        </p:attrNameLst>
+                                      </p:cBhvr>
+                                      <p:to>
+                                        <p:strVal val="visible"/>
+                                      </p:to>
+                                    </p:set>
+                                    <p:animEffect transition="in" filter="circle(in)">
+                                      <p:cBhvr>
+                                        <p:cTn id="83" dur="2000"/>
+                                        <p:tgtEl>
+                                          <p:spTgt spid="47"/>
+                                        </p:tgtEl>
+                                      </p:cBhvr>
+                                    </p:animEffect>
+                                  </p:childTnLst>
+                                </p:cTn>
+                              </p:par>
+                            </p:childTnLst>
+                          </p:cTn>
+                        </p:par>
+                        <p:par>
+                          <p:cTn id="84" fill="hold">
+                            <p:stCondLst>
+                              <p:cond delay="24000"/>
+                            </p:stCondLst>
+                            <p:childTnLst>
+                              <p:par>
+                                <p:cTn id="85" presetID="55" presetClass="entr" presetSubtype="0" fill="hold" grpId="0" nodeType="afterEffect">
+                                  <p:stCondLst>
+                                    <p:cond delay="0"/>
+                                  </p:stCondLst>
+                                  <p:childTnLst>
+                                    <p:set>
+                                      <p:cBhvr>
+                                        <p:cTn id="86" dur="1" fill="hold">
+                                          <p:stCondLst>
+                                            <p:cond delay="0"/>
+                                          </p:stCondLst>
+                                        </p:cTn>
+                                        <p:tgtEl>
+                                          <p:spTgt spid="50"/>
+                                        </p:tgtEl>
+                                        <p:attrNameLst>
+                                          <p:attrName>style.visibility</p:attrName>
+                                        </p:attrNameLst>
+                                      </p:cBhvr>
+                                      <p:to>
+                                        <p:strVal val="visible"/>
+                                      </p:to>
+                                    </p:set>
+                                    <p:anim calcmode="lin" valueType="num">
+                                      <p:cBhvr>
+                                        <p:cTn id="87" dur="1000" fill="hold"/>
+                                        <p:tgtEl>
+                                          <p:spTgt spid="50"/>
+                                        </p:tgtEl>
+                                        <p:attrNameLst>
+                                          <p:attrName>ppt_w</p:attrName>
+                                        </p:attrNameLst>
+                                      </p:cBhvr>
+                                      <p:tavLst>
+                                        <p:tav tm="0">
+                                          <p:val>
+                                            <p:strVal val="#ppt_w*0.70"/>
+                                          </p:val>
+                                        </p:tav>
+                                        <p:tav tm="100000">
+                                          <p:val>
+                                            <p:strVal val="#ppt_w"/>
+                                          </p:val>
+                                        </p:tav>
+                                      </p:tavLst>
+                                    </p:anim>
+                                    <p:anim calcmode="lin" valueType="num">
+                                      <p:cBhvr>
+                                        <p:cTn id="88" dur="1000" fill="hold"/>
+                                        <p:tgtEl>
+                                          <p:spTgt spid="50"/>
+                                        </p:tgtEl>
+                                        <p:attrNameLst>
+                                          <p:attrName>ppt_h</p:attrName>
+                                        </p:attrNameLst>
+                                      </p:cBhvr>
+                                      <p:tavLst>
+                                        <p:tav tm="0">
+                                          <p:val>
+                                            <p:strVal val="#ppt_h"/>
+                                          </p:val>
+                                        </p:tav>
+                                        <p:tav tm="100000">
+                                          <p:val>
+                                            <p:strVal val="#ppt_h"/>
+                                          </p:val>
+                                        </p:tav>
+                                      </p:tavLst>
+                                    </p:anim>
+                                    <p:animEffect transition="in" filter="fade">
+                                      <p:cBhvr>
+                                        <p:cTn id="89" dur="1000"/>
+                                        <p:tgtEl>
+                                          <p:spTgt spid="50"/>
+                                        </p:tgtEl>
+                                      </p:cBhvr>
+                                    </p:animEffect>
+                                  </p:childTnLst>
+                                </p:cTn>
+                              </p:par>
+                            </p:childTnLst>
+                          </p:cTn>
+                        </p:par>
+                        <p:par>
+                          <p:cTn id="90" fill="hold">
+                            <p:stCondLst>
+                              <p:cond delay="25000"/>
+                            </p:stCondLst>
+                            <p:childTnLst>
+                              <p:par>
+                                <p:cTn id="91" presetID="6" presetClass="entr" presetSubtype="16" fill="hold" nodeType="afterEffect">
+                                  <p:stCondLst>
+                                    <p:cond delay="0"/>
+                                  </p:stCondLst>
+                                  <p:childTnLst>
+                                    <p:set>
+                                      <p:cBhvr>
+                                        <p:cTn id="92" dur="1" fill="hold">
+                                          <p:stCondLst>
+                                            <p:cond delay="0"/>
+                                          </p:stCondLst>
+                                        </p:cTn>
+                                        <p:tgtEl>
+                                          <p:spTgt spid="49"/>
+                                        </p:tgtEl>
+                                        <p:attrNameLst>
+                                          <p:attrName>style.visibility</p:attrName>
+                                        </p:attrNameLst>
+                                      </p:cBhvr>
+                                      <p:to>
+                                        <p:strVal val="visible"/>
+                                      </p:to>
+                                    </p:set>
+                                    <p:animEffect transition="in" filter="circle(in)">
+                                      <p:cBhvr>
+                                        <p:cTn id="93" dur="2000"/>
+                                        <p:tgtEl>
+                                          <p:spTgt spid="49"/>
+                                        </p:tgtEl>
+                                      </p:cBhvr>
+                                    </p:animEffect>
+                                  </p:childTnLst>
+                                </p:cTn>
+                              </p:par>
+                            </p:childTnLst>
+                          </p:cTn>
+                        </p:par>
+                      </p:childTnLst>
+                    </p:cTn>
+                  </p:par>
+                </p:childTnLst>
+              </p:cTn>
+              <p:prevCondLst>
+                <p:cond evt="onPrev" delay="0">
+                  <p:tgtEl>
+                    <p:sldTgt/>
+                  </p:tgtEl>
+                </p:cond>
+              </p:prevCondLst>
+              <p:nextCondLst>
+                <p:cond evt="onNext" delay="0">
+                  <p:tgtEl>
+                    <p:sldTgt/>
+                  </p:tgtEl>
+                </p:cond>
+              </p:nextCondLst>
+            </p:seq>
+          </p:childTnLst>
+        </p:cTn>
+      </p:par>
+    </p:tnLst>
+    <p:bldLst>
+      <p:bldP spid="19" grpId="0" animBg="1"/>
+      <p:bldP spid="28" grpId="0" animBg="1"/>
+      <p:bldP spid="31" grpId="0" animBg="1"/>
+      <p:bldP spid="34" grpId="0" animBg="1"/>
+      <p:bldP spid="36" grpId="0" animBg="1"/>
+      <p:bldP spid="39" grpId="0" animBg="1"/>
+      <p:bldP spid="44" grpId="0" animBg="1"/>
+      <p:bldP spid="45" grpId="0" animBg="1"/>
+      <p:bldP spid="50" grpId="0" animBg="1"/>
+    </p:bldLst>
+  </p:timing>
 </p:sld>
 </file>
 
@@ -6011,4 +11060,299 @@
     </a:ext>
   </a:extLst>
 </a:theme>
+</file>
+
+<file path=ppt/theme/theme2.xml><?xml version="1.0" encoding="utf-8"?>
+<a:theme xmlns:a="http://schemas.openxmlformats.org/drawingml/2006/main" name="Office Theme">
+  <a:themeElements>
+    <a:clrScheme name="Office">
+      <a:dk1>
+        <a:sysClr val="windowText" lastClr="000000"/>
+      </a:dk1>
+      <a:lt1>
+        <a:sysClr val="window" lastClr="FFFFFF"/>
+      </a:lt1>
+      <a:dk2>
+        <a:srgbClr val="44546A"/>
+      </a:dk2>
+      <a:lt2>
+        <a:srgbClr val="E7E6E6"/>
+      </a:lt2>
+      <a:accent1>
+        <a:srgbClr val="4472C4"/>
+      </a:accent1>
+      <a:accent2>
+        <a:srgbClr val="ED7D31"/>
+      </a:accent2>
+      <a:accent3>
+        <a:srgbClr val="A5A5A5"/>
+      </a:accent3>
+      <a:accent4>
+        <a:srgbClr val="FFC000"/>
+      </a:accent4>
+      <a:accent5>
+        <a:srgbClr val="5B9BD5"/>
+      </a:accent5>
+      <a:accent6>
+        <a:srgbClr val="70AD47"/>
+      </a:accent6>
+      <a:hlink>
+        <a:srgbClr val="0563C1"/>
+      </a:hlink>
+      <a:folHlink>
+        <a:srgbClr val="954F72"/>
+      </a:folHlink>
+    </a:clrScheme>
+    <a:fontScheme name="Office">
+      <a:majorFont>
+        <a:latin typeface="Calibri Light" panose="020F0302020204030204"/>
+        <a:ea typeface=""/>
+        <a:cs typeface=""/>
+        <a:font script="Jpan" typeface="游ゴシック Light"/>
+        <a:font script="Hang" typeface="맑은 고딕"/>
+        <a:font script="Hans" typeface="等线 Light"/>
+        <a:font script="Hant" typeface="新細明體"/>
+        <a:font script="Arab" typeface="Times New Roman"/>
+        <a:font script="Hebr" typeface="Times New Roman"/>
+        <a:font script="Thai" typeface="Angsana New"/>
+        <a:font script="Ethi" typeface="Nyala"/>
+        <a:font script="Beng" typeface="Vrinda"/>
+        <a:font script="Gujr" typeface="Shruti"/>
+        <a:font script="Khmr" typeface="MoolBoran"/>
+        <a:font script="Knda" typeface="Tunga"/>
+        <a:font script="Guru" typeface="Raavi"/>
+        <a:font script="Cans" typeface="Euphemia"/>
+        <a:font script="Cher" typeface="Plantagenet Cherokee"/>
+        <a:font script="Yiii" typeface="Microsoft Yi Baiti"/>
+        <a:font script="Tibt" typeface="Microsoft Himalaya"/>
+        <a:font script="Thaa" typeface="MV Boli"/>
+        <a:font script="Deva" typeface="Mangal"/>
+        <a:font script="Telu" typeface="Gautami"/>
+        <a:font script="Taml" typeface="Latha"/>
+        <a:font script="Syrc" typeface="Estrangelo Edessa"/>
+        <a:font script="Orya" typeface="Kalinga"/>
+        <a:font script="Mlym" typeface="Kartika"/>
+        <a:font script="Laoo" typeface="DokChampa"/>
+        <a:font script="Sinh" typeface="Iskoola Pota"/>
+        <a:font script="Mong" typeface="Mongolian Baiti"/>
+        <a:font script="Viet" typeface="Times New Roman"/>
+        <a:font script="Uigh" typeface="Microsoft Uighur"/>
+        <a:font script="Geor" typeface="Sylfaen"/>
+        <a:font script="Armn" typeface="Arial"/>
+        <a:font script="Bugi" typeface="Leelawadee UI"/>
+        <a:font script="Bopo" typeface="Microsoft JhengHei"/>
+        <a:font script="Java" typeface="Javanese Text"/>
+        <a:font script="Lisu" typeface="Segoe UI"/>
+        <a:font script="Mymr" typeface="Myanmar Text"/>
+        <a:font script="Nkoo" typeface="Ebrima"/>
+        <a:font script="Olck" typeface="Nirmala UI"/>
+        <a:font script="Osma" typeface="Ebrima"/>
+        <a:font script="Phag" typeface="Phagspa"/>
+        <a:font script="Syrn" typeface="Estrangelo Edessa"/>
+        <a:font script="Syrj" typeface="Estrangelo Edessa"/>
+        <a:font script="Syre" typeface="Estrangelo Edessa"/>
+        <a:font script="Sora" typeface="Nirmala UI"/>
+        <a:font script="Tale" typeface="Microsoft Tai Le"/>
+        <a:font script="Talu" typeface="Microsoft New Tai Lue"/>
+        <a:font script="Tfng" typeface="Ebrima"/>
+      </a:majorFont>
+      <a:minorFont>
+        <a:latin typeface="Calibri" panose="020F0502020204030204"/>
+        <a:ea typeface=""/>
+        <a:cs typeface=""/>
+        <a:font script="Jpan" typeface="游ゴシック"/>
+        <a:font script="Hang" typeface="맑은 고딕"/>
+        <a:font script="Hans" typeface="等线"/>
+        <a:font script="Hant" typeface="新細明體"/>
+        <a:font script="Arab" typeface="Arial"/>
+        <a:font script="Hebr" typeface="Arial"/>
+        <a:font script="Thai" typeface="Cordia New"/>
+        <a:font script="Ethi" typeface="Nyala"/>
+        <a:font script="Beng" typeface="Vrinda"/>
+        <a:font script="Gujr" typeface="Shruti"/>
+        <a:font script="Khmr" typeface="DaunPenh"/>
+        <a:font script="Knda" typeface="Tunga"/>
+        <a:font script="Guru" typeface="Raavi"/>
+        <a:font script="Cans" typeface="Euphemia"/>
+        <a:font script="Cher" typeface="Plantagenet Cherokee"/>
+        <a:font script="Yiii" typeface="Microsoft Yi Baiti"/>
+        <a:font script="Tibt" typeface="Microsoft Himalaya"/>
+        <a:font script="Thaa" typeface="MV Boli"/>
+        <a:font script="Deva" typeface="Mangal"/>
+        <a:font script="Telu" typeface="Gautami"/>
+        <a:font script="Taml" typeface="Latha"/>
+        <a:font script="Syrc" typeface="Estrangelo Edessa"/>
+        <a:font script="Orya" typeface="Kalinga"/>
+        <a:font script="Mlym" typeface="Kartika"/>
+        <a:font script="Laoo" typeface="DokChampa"/>
+        <a:font script="Sinh" typeface="Iskoola Pota"/>
+        <a:font script="Mong" typeface="Mongolian Baiti"/>
+        <a:font script="Viet" typeface="Arial"/>
+        <a:font script="Uigh" typeface="Microsoft Uighur"/>
+        <a:font script="Geor" typeface="Sylfaen"/>
+        <a:font script="Armn" typeface="Arial"/>
+        <a:font script="Bugi" typeface="Leelawadee UI"/>
+        <a:font script="Bopo" typeface="Microsoft JhengHei"/>
+        <a:font script="Java" typeface="Javanese Text"/>
+        <a:font script="Lisu" typeface="Segoe UI"/>
+        <a:font script="Mymr" typeface="Myanmar Text"/>
+        <a:font script="Nkoo" typeface="Ebrima"/>
+        <a:font script="Olck" typeface="Nirmala UI"/>
+        <a:font script="Osma" typeface="Ebrima"/>
+        <a:font script="Phag" typeface="Phagspa"/>
+        <a:font script="Syrn" typeface="Estrangelo Edessa"/>
+        <a:font script="Syrj" typeface="Estrangelo Edessa"/>
+        <a:font script="Syre" typeface="Estrangelo Edessa"/>
+        <a:font script="Sora" typeface="Nirmala UI"/>
+        <a:font script="Tale" typeface="Microsoft Tai Le"/>
+        <a:font script="Talu" typeface="Microsoft New Tai Lue"/>
+        <a:font script="Tfng" typeface="Ebrima"/>
+      </a:minorFont>
+    </a:fontScheme>
+    <a:fmtScheme name="Office">
+      <a:fillStyleLst>
+        <a:solidFill>
+          <a:schemeClr val="phClr"/>
+        </a:solidFill>
+        <a:gradFill rotWithShape="1">
+          <a:gsLst>
+            <a:gs pos="0">
+              <a:schemeClr val="phClr">
+                <a:lumMod val="110000"/>
+                <a:satMod val="105000"/>
+                <a:tint val="67000"/>
+              </a:schemeClr>
+            </a:gs>
+            <a:gs pos="50000">
+              <a:schemeClr val="phClr">
+                <a:lumMod val="105000"/>
+                <a:satMod val="103000"/>
+                <a:tint val="73000"/>
+              </a:schemeClr>
+            </a:gs>
+            <a:gs pos="100000">
+              <a:schemeClr val="phClr">
+                <a:lumMod val="105000"/>
+                <a:satMod val="109000"/>
+                <a:tint val="81000"/>
+              </a:schemeClr>
+            </a:gs>
+          </a:gsLst>
+          <a:lin ang="5400000" scaled="0"/>
+        </a:gradFill>
+        <a:gradFill rotWithShape="1">
+          <a:gsLst>
+            <a:gs pos="0">
+              <a:schemeClr val="phClr">
+                <a:satMod val="103000"/>
+                <a:lumMod val="102000"/>
+                <a:tint val="94000"/>
+              </a:schemeClr>
+            </a:gs>
+            <a:gs pos="50000">
+              <a:schemeClr val="phClr">
+                <a:satMod val="110000"/>
+                <a:lumMod val="100000"/>
+                <a:shade val="100000"/>
+              </a:schemeClr>
+            </a:gs>
+            <a:gs pos="100000">
+              <a:schemeClr val="phClr">
+                <a:lumMod val="99000"/>
+                <a:satMod val="120000"/>
+                <a:shade val="78000"/>
+              </a:schemeClr>
+            </a:gs>
+          </a:gsLst>
+          <a:lin ang="5400000" scaled="0"/>
+        </a:gradFill>
+      </a:fillStyleLst>
+      <a:lnStyleLst>
+        <a:ln w="6350" cap="flat" cmpd="sng" algn="ctr">
+          <a:solidFill>
+            <a:schemeClr val="phClr"/>
+          </a:solidFill>
+          <a:prstDash val="solid"/>
+          <a:miter lim="800000"/>
+        </a:ln>
+        <a:ln w="12700" cap="flat" cmpd="sng" algn="ctr">
+          <a:solidFill>
+            <a:schemeClr val="phClr"/>
+          </a:solidFill>
+          <a:prstDash val="solid"/>
+          <a:miter lim="800000"/>
+        </a:ln>
+        <a:ln w="19050" cap="flat" cmpd="sng" algn="ctr">
+          <a:solidFill>
+            <a:schemeClr val="phClr"/>
+          </a:solidFill>
+          <a:prstDash val="solid"/>
+          <a:miter lim="800000"/>
+        </a:ln>
+      </a:lnStyleLst>
+      <a:effectStyleLst>
+        <a:effectStyle>
+          <a:effectLst/>
+        </a:effectStyle>
+        <a:effectStyle>
+          <a:effectLst/>
+        </a:effectStyle>
+        <a:effectStyle>
+          <a:effectLst>
+            <a:outerShdw blurRad="57150" dist="19050" dir="5400000" algn="ctr" rotWithShape="0">
+              <a:srgbClr val="000000">
+                <a:alpha val="63000"/>
+              </a:srgbClr>
+            </a:outerShdw>
+          </a:effectLst>
+        </a:effectStyle>
+      </a:effectStyleLst>
+      <a:bgFillStyleLst>
+        <a:solidFill>
+          <a:schemeClr val="phClr"/>
+        </a:solidFill>
+        <a:solidFill>
+          <a:schemeClr val="phClr">
+            <a:tint val="95000"/>
+            <a:satMod val="170000"/>
+          </a:schemeClr>
+        </a:solidFill>
+        <a:gradFill rotWithShape="1">
+          <a:gsLst>
+            <a:gs pos="0">
+              <a:schemeClr val="phClr">
+                <a:tint val="93000"/>
+                <a:satMod val="150000"/>
+                <a:shade val="98000"/>
+                <a:lumMod val="102000"/>
+              </a:schemeClr>
+            </a:gs>
+            <a:gs pos="50000">
+              <a:schemeClr val="phClr">
+                <a:tint val="98000"/>
+                <a:satMod val="130000"/>
+                <a:shade val="90000"/>
+                <a:lumMod val="103000"/>
+              </a:schemeClr>
+            </a:gs>
+            <a:gs pos="100000">
+              <a:schemeClr val="phClr">
+                <a:shade val="63000"/>
+                <a:satMod val="120000"/>
+              </a:schemeClr>
+            </a:gs>
+          </a:gsLst>
+          <a:lin ang="5400000" scaled="0"/>
+        </a:gradFill>
+      </a:bgFillStyleLst>
+    </a:fmtScheme>
+  </a:themeElements>
+  <a:objectDefaults/>
+  <a:extraClrSchemeLst/>
+  <a:extLst>
+    <a:ext uri="{05A4C25C-085E-4340-85A3-A5531E510DB2}">
+      <thm15:themeFamily xmlns:thm15="http://schemas.microsoft.com/office/thememl/2012/main" name="Office Theme" id="{62F939B6-93AF-4DB8-9C6B-D6C7DFDC589F}" vid="{4A3C46E8-61CC-4603-A589-7422A47A8E4A}"/>
+    </a:ext>
+  </a:extLst>
+</a:theme>
 </file>
--- a/reports/Project Status 4.pptx
+++ b/reports/Project Status 4.pptx
@@ -5,7 +5,7 @@
     <p:sldMasterId id="2147483648" r:id="rId1"/>
   </p:sldMasterIdLst>
   <p:notesMasterIdLst>
-    <p:notesMasterId r:id="rId14"/>
+    <p:notesMasterId r:id="rId18"/>
   </p:notesMasterIdLst>
   <p:sldIdLst>
     <p:sldId id="256" r:id="rId2"/>
@@ -19,7 +19,11 @@
     <p:sldId id="264" r:id="rId10"/>
     <p:sldId id="265" r:id="rId11"/>
     <p:sldId id="266" r:id="rId12"/>
-    <p:sldId id="267" r:id="rId13"/>
+    <p:sldId id="268" r:id="rId13"/>
+    <p:sldId id="269" r:id="rId14"/>
+    <p:sldId id="270" r:id="rId15"/>
+    <p:sldId id="271" r:id="rId16"/>
+    <p:sldId id="272" r:id="rId17"/>
   </p:sldIdLst>
   <p:sldSz cx="12192000" cy="6858000"/>
   <p:notesSz cx="6858000" cy="9144000"/>
@@ -129,7 +133,8 @@
 <file path=ppt/revisionInfo.xml><?xml version="1.0" encoding="utf-8"?>
 <p1510:revInfo xmlns:a="http://schemas.openxmlformats.org/drawingml/2006/main" xmlns:r="http://schemas.openxmlformats.org/officeDocument/2006/relationships" xmlns:p1510="http://schemas.microsoft.com/office/powerpoint/2015/10/main">
   <p1510:revLst>
-    <p1510:client id="{C4DB1577-FF31-AC41-B4ED-71663BE73819}" v="4047" dt="2018-07-18T15:46:36.194"/>
+    <p1510:client id="{C4DB1577-FF31-AC41-B4ED-71663BE73819}" v="4052" dt="2018-07-19T13:05:54.644"/>
+    <p1510:client id="{CB116862-C2DC-4C95-B8C1-502711DDD77B}" v="2612" dt="2018-07-19T11:08:12.310"/>
   </p1510:revLst>
 </p1510:revInfo>
 </file>
@@ -139,7 +144,7 @@
   <pc:docChgLst>
     <pc:chgData name="Arunabh Ghosh" userId="7064b204c6fa9c53" providerId="LiveId" clId="{C4DB1577-FF31-AC41-B4ED-71663BE73819}"/>
     <pc:docChg chg="undo redo custSel addSld delSld modSld sldOrd">
-      <pc:chgData name="Arunabh Ghosh" userId="7064b204c6fa9c53" providerId="LiveId" clId="{C4DB1577-FF31-AC41-B4ED-71663BE73819}" dt="2018-07-18T15:41:41.215" v="4035" actId="1076"/>
+      <pc:chgData name="Arunabh Ghosh" userId="7064b204c6fa9c53" providerId="LiveId" clId="{C4DB1577-FF31-AC41-B4ED-71663BE73819}" dt="2018-07-19T13:05:54.644" v="4040"/>
       <pc:docMkLst>
         <pc:docMk/>
       </pc:docMkLst>
@@ -502,8 +507,8 @@
           </ac:cxnSpMkLst>
         </pc:cxnChg>
       </pc:sldChg>
-      <pc:sldChg chg="addSp delSp modSp mod setBg setClrOvrMap">
-        <pc:chgData name="Arunabh Ghosh" userId="7064b204c6fa9c53" providerId="LiveId" clId="{C4DB1577-FF31-AC41-B4ED-71663BE73819}" dt="2018-07-18T14:34:17.817" v="2265" actId="26606"/>
+      <pc:sldChg chg="addSp delSp modSp mod ord setBg setClrOvrMap">
+        <pc:chgData name="Arunabh Ghosh" userId="7064b204c6fa9c53" providerId="LiveId" clId="{C4DB1577-FF31-AC41-B4ED-71663BE73819}" dt="2018-07-19T13:05:54.644" v="4040"/>
         <pc:sldMkLst>
           <pc:docMk/>
           <pc:sldMk cId="3761794938" sldId="257"/>
@@ -1377,7 +1382,7 @@
         </pc:spChg>
       </pc:sldChg>
       <pc:sldChg chg="addSp modSp add">
-        <pc:chgData name="Arunabh Ghosh" userId="7064b204c6fa9c53" providerId="LiveId" clId="{C4DB1577-FF31-AC41-B4ED-71663BE73819}" dt="2018-07-18T14:40:57.171" v="2807" actId="20577"/>
+        <pc:chgData name="Arunabh Ghosh" userId="7064b204c6fa9c53" providerId="LiveId" clId="{C4DB1577-FF31-AC41-B4ED-71663BE73819}" dt="2018-07-19T12:17:43.952" v="4039" actId="688"/>
         <pc:sldMkLst>
           <pc:docMk/>
           <pc:sldMk cId="1223489013" sldId="263"/>
@@ -1399,7 +1404,7 @@
           </ac:spMkLst>
         </pc:spChg>
         <pc:picChg chg="add mod">
-          <ac:chgData name="Arunabh Ghosh" userId="7064b204c6fa9c53" providerId="LiveId" clId="{C4DB1577-FF31-AC41-B4ED-71663BE73819}" dt="2018-07-18T14:37:17.149" v="2481" actId="1076"/>
+          <ac:chgData name="Arunabh Ghosh" userId="7064b204c6fa9c53" providerId="LiveId" clId="{C4DB1577-FF31-AC41-B4ED-71663BE73819}" dt="2018-07-19T12:17:43.952" v="4039" actId="688"/>
           <ac:picMkLst>
             <pc:docMk/>
             <pc:sldMk cId="1223489013" sldId="263"/>
@@ -1824,6 +1829,209 @@
             <ac:picMk id="5" creationId="{FBD1FF75-76B7-8A41-AFED-DE551443EA47}"/>
           </ac:picMkLst>
         </pc:picChg>
+      </pc:sldChg>
+    </pc:docChg>
+  </pc:docChgLst>
+  <pc:docChgLst>
+    <pc:chgData name="Arunabh Ghosh" userId="7064b204c6fa9c53" providerId="LiveId" clId="{CB116862-C2DC-4C95-B8C1-502711DDD77B}"/>
+    <pc:docChg chg="undo custSel mod addSld delSld modSld">
+      <pc:chgData name="Arunabh Ghosh" userId="7064b204c6fa9c53" providerId="LiveId" clId="{CB116862-C2DC-4C95-B8C1-502711DDD77B}" dt="2018-07-19T11:08:12.310" v="2609" actId="26606"/>
+      <pc:docMkLst>
+        <pc:docMk/>
+      </pc:docMkLst>
+      <pc:sldChg chg="del">
+        <pc:chgData name="Arunabh Ghosh" userId="7064b204c6fa9c53" providerId="LiveId" clId="{CB116862-C2DC-4C95-B8C1-502711DDD77B}" dt="2018-07-19T10:53:19.153" v="708" actId="2696"/>
+        <pc:sldMkLst>
+          <pc:docMk/>
+          <pc:sldMk cId="1384843664" sldId="267"/>
+        </pc:sldMkLst>
+      </pc:sldChg>
+      <pc:sldChg chg="addSp modSp add">
+        <pc:chgData name="Arunabh Ghosh" userId="7064b204c6fa9c53" providerId="LiveId" clId="{CB116862-C2DC-4C95-B8C1-502711DDD77B}" dt="2018-07-19T10:50:16.375" v="428" actId="1076"/>
+        <pc:sldMkLst>
+          <pc:docMk/>
+          <pc:sldMk cId="1514776235" sldId="268"/>
+        </pc:sldMkLst>
+        <pc:spChg chg="mod">
+          <ac:chgData name="Arunabh Ghosh" userId="7064b204c6fa9c53" providerId="LiveId" clId="{CB116862-C2DC-4C95-B8C1-502711DDD77B}" dt="2018-07-19T10:43:19.933" v="38" actId="20577"/>
+          <ac:spMkLst>
+            <pc:docMk/>
+            <pc:sldMk cId="1514776235" sldId="268"/>
+            <ac:spMk id="2" creationId="{2DB67824-21B2-4D27-B3D1-84EA2DF15602}"/>
+          </ac:spMkLst>
+        </pc:spChg>
+        <pc:spChg chg="mod">
+          <ac:chgData name="Arunabh Ghosh" userId="7064b204c6fa9c53" providerId="LiveId" clId="{CB116862-C2DC-4C95-B8C1-502711DDD77B}" dt="2018-07-19T10:44:11.312" v="244" actId="20577"/>
+          <ac:spMkLst>
+            <pc:docMk/>
+            <pc:sldMk cId="1514776235" sldId="268"/>
+            <ac:spMk id="3" creationId="{6E376D0F-7A74-441C-8F9D-1FB02B288077}"/>
+          </ac:spMkLst>
+        </pc:spChg>
+        <pc:picChg chg="add mod modCrop">
+          <ac:chgData name="Arunabh Ghosh" userId="7064b204c6fa9c53" providerId="LiveId" clId="{CB116862-C2DC-4C95-B8C1-502711DDD77B}" dt="2018-07-19T10:50:16.375" v="428" actId="1076"/>
+          <ac:picMkLst>
+            <pc:docMk/>
+            <pc:sldMk cId="1514776235" sldId="268"/>
+            <ac:picMk id="5" creationId="{28859F44-C1ED-40CC-8D8F-AC6F48C3558F}"/>
+          </ac:picMkLst>
+        </pc:picChg>
+      </pc:sldChg>
+      <pc:sldChg chg="modSp add">
+        <pc:chgData name="Arunabh Ghosh" userId="7064b204c6fa9c53" providerId="LiveId" clId="{CB116862-C2DC-4C95-B8C1-502711DDD77B}" dt="2018-07-19T10:54:32.654" v="840" actId="20577"/>
+        <pc:sldMkLst>
+          <pc:docMk/>
+          <pc:sldMk cId="1198141620" sldId="269"/>
+        </pc:sldMkLst>
+        <pc:spChg chg="mod">
+          <ac:chgData name="Arunabh Ghosh" userId="7064b204c6fa9c53" providerId="LiveId" clId="{CB116862-C2DC-4C95-B8C1-502711DDD77B}" dt="2018-07-19T10:46:06.334" v="276" actId="5793"/>
+          <ac:spMkLst>
+            <pc:docMk/>
+            <pc:sldMk cId="1198141620" sldId="269"/>
+            <ac:spMk id="2" creationId="{33C9A79C-8B04-4D92-987B-D890ADF5384A}"/>
+          </ac:spMkLst>
+        </pc:spChg>
+        <pc:spChg chg="mod">
+          <ac:chgData name="Arunabh Ghosh" userId="7064b204c6fa9c53" providerId="LiveId" clId="{CB116862-C2DC-4C95-B8C1-502711DDD77B}" dt="2018-07-19T10:54:32.654" v="840" actId="20577"/>
+          <ac:spMkLst>
+            <pc:docMk/>
+            <pc:sldMk cId="1198141620" sldId="269"/>
+            <ac:spMk id="3" creationId="{F147D31D-0F5A-44A8-952E-5504F4AA2634}"/>
+          </ac:spMkLst>
+        </pc:spChg>
+      </pc:sldChg>
+      <pc:sldChg chg="modSp add">
+        <pc:chgData name="Arunabh Ghosh" userId="7064b204c6fa9c53" providerId="LiveId" clId="{CB116862-C2DC-4C95-B8C1-502711DDD77B}" dt="2018-07-19T11:00:47.027" v="1770" actId="20577"/>
+        <pc:sldMkLst>
+          <pc:docMk/>
+          <pc:sldMk cId="799066559" sldId="270"/>
+        </pc:sldMkLst>
+        <pc:spChg chg="mod">
+          <ac:chgData name="Arunabh Ghosh" userId="7064b204c6fa9c53" providerId="LiveId" clId="{CB116862-C2DC-4C95-B8C1-502711DDD77B}" dt="2018-07-19T10:54:45.843" v="872" actId="20577"/>
+          <ac:spMkLst>
+            <pc:docMk/>
+            <pc:sldMk cId="799066559" sldId="270"/>
+            <ac:spMk id="2" creationId="{FFF6D825-F1E3-4B88-98B8-197A53FB9766}"/>
+          </ac:spMkLst>
+        </pc:spChg>
+        <pc:spChg chg="mod">
+          <ac:chgData name="Arunabh Ghosh" userId="7064b204c6fa9c53" providerId="LiveId" clId="{CB116862-C2DC-4C95-B8C1-502711DDD77B}" dt="2018-07-19T11:00:47.027" v="1770" actId="20577"/>
+          <ac:spMkLst>
+            <pc:docMk/>
+            <pc:sldMk cId="799066559" sldId="270"/>
+            <ac:spMk id="3" creationId="{00129BA9-DE29-4A23-AD29-C5E943B5D1AA}"/>
+          </ac:spMkLst>
+        </pc:spChg>
+      </pc:sldChg>
+      <pc:sldChg chg="modSp add">
+        <pc:chgData name="Arunabh Ghosh" userId="7064b204c6fa9c53" providerId="LiveId" clId="{CB116862-C2DC-4C95-B8C1-502711DDD77B}" dt="2018-07-19T11:06:51.303" v="2546" actId="20577"/>
+        <pc:sldMkLst>
+          <pc:docMk/>
+          <pc:sldMk cId="81866049" sldId="271"/>
+        </pc:sldMkLst>
+        <pc:spChg chg="mod">
+          <ac:chgData name="Arunabh Ghosh" userId="7064b204c6fa9c53" providerId="LiveId" clId="{CB116862-C2DC-4C95-B8C1-502711DDD77B}" dt="2018-07-19T11:01:13.102" v="1867" actId="20577"/>
+          <ac:spMkLst>
+            <pc:docMk/>
+            <pc:sldMk cId="81866049" sldId="271"/>
+            <ac:spMk id="2" creationId="{6A6ED8EB-BDB4-4D66-B444-389B1259D07D}"/>
+          </ac:spMkLst>
+        </pc:spChg>
+        <pc:spChg chg="mod">
+          <ac:chgData name="Arunabh Ghosh" userId="7064b204c6fa9c53" providerId="LiveId" clId="{CB116862-C2DC-4C95-B8C1-502711DDD77B}" dt="2018-07-19T11:06:51.303" v="2546" actId="20577"/>
+          <ac:spMkLst>
+            <pc:docMk/>
+            <pc:sldMk cId="81866049" sldId="271"/>
+            <ac:spMk id="3" creationId="{5352361C-B324-4B9C-8442-BEBFF3750978}"/>
+          </ac:spMkLst>
+        </pc:spChg>
+      </pc:sldChg>
+      <pc:sldChg chg="addSp delSp modSp add mod setBg">
+        <pc:chgData name="Arunabh Ghosh" userId="7064b204c6fa9c53" providerId="LiveId" clId="{CB116862-C2DC-4C95-B8C1-502711DDD77B}" dt="2018-07-19T11:08:12.310" v="2609" actId="26606"/>
+        <pc:sldMkLst>
+          <pc:docMk/>
+          <pc:sldMk cId="3226350802" sldId="272"/>
+        </pc:sldMkLst>
+        <pc:spChg chg="del">
+          <ac:chgData name="Arunabh Ghosh" userId="7064b204c6fa9c53" providerId="LiveId" clId="{CB116862-C2DC-4C95-B8C1-502711DDD77B}" dt="2018-07-19T11:07:07.360" v="2548"/>
+          <ac:spMkLst>
+            <pc:docMk/>
+            <pc:sldMk cId="3226350802" sldId="272"/>
+            <ac:spMk id="2" creationId="{D8692545-C1B2-42F0-A129-496A639727C7}"/>
+          </ac:spMkLst>
+        </pc:spChg>
+        <pc:spChg chg="del">
+          <ac:chgData name="Arunabh Ghosh" userId="7064b204c6fa9c53" providerId="LiveId" clId="{CB116862-C2DC-4C95-B8C1-502711DDD77B}" dt="2018-07-19T11:07:07.360" v="2548"/>
+          <ac:spMkLst>
+            <pc:docMk/>
+            <pc:sldMk cId="3226350802" sldId="272"/>
+            <ac:spMk id="3" creationId="{55C3D337-5458-4E86-90DB-3B72D7C8A4BD}"/>
+          </ac:spMkLst>
+        </pc:spChg>
+        <pc:spChg chg="add mod">
+          <ac:chgData name="Arunabh Ghosh" userId="7064b204c6fa9c53" providerId="LiveId" clId="{CB116862-C2DC-4C95-B8C1-502711DDD77B}" dt="2018-07-19T11:08:12.310" v="2609" actId="26606"/>
+          <ac:spMkLst>
+            <pc:docMk/>
+            <pc:sldMk cId="3226350802" sldId="272"/>
+            <ac:spMk id="4" creationId="{35779B76-040E-4CBA-B5FD-04DEC1058AC3}"/>
+          </ac:spMkLst>
+        </pc:spChg>
+        <pc:spChg chg="add mod">
+          <ac:chgData name="Arunabh Ghosh" userId="7064b204c6fa9c53" providerId="LiveId" clId="{CB116862-C2DC-4C95-B8C1-502711DDD77B}" dt="2018-07-19T11:08:12.310" v="2609" actId="26606"/>
+          <ac:spMkLst>
+            <pc:docMk/>
+            <pc:sldMk cId="3226350802" sldId="272"/>
+            <ac:spMk id="5" creationId="{825CE2CA-C3EB-4B50-97AB-AA20D22D0DF8}"/>
+          </ac:spMkLst>
+        </pc:spChg>
+        <pc:spChg chg="add">
+          <ac:chgData name="Arunabh Ghosh" userId="7064b204c6fa9c53" providerId="LiveId" clId="{CB116862-C2DC-4C95-B8C1-502711DDD77B}" dt="2018-07-19T11:08:12.310" v="2609" actId="26606"/>
+          <ac:spMkLst>
+            <pc:docMk/>
+            <pc:sldMk cId="3226350802" sldId="272"/>
+            <ac:spMk id="10" creationId="{559AE206-7EBA-4D33-8BC9-9D8158553F0E}"/>
+          </ac:spMkLst>
+        </pc:spChg>
+        <pc:spChg chg="add">
+          <ac:chgData name="Arunabh Ghosh" userId="7064b204c6fa9c53" providerId="LiveId" clId="{CB116862-C2DC-4C95-B8C1-502711DDD77B}" dt="2018-07-19T11:08:12.310" v="2609" actId="26606"/>
+          <ac:spMkLst>
+            <pc:docMk/>
+            <pc:sldMk cId="3226350802" sldId="272"/>
+            <ac:spMk id="12" creationId="{6437D937-A7F1-4011-92B4-328E5BE1B166}"/>
+          </ac:spMkLst>
+        </pc:spChg>
+        <pc:spChg chg="add">
+          <ac:chgData name="Arunabh Ghosh" userId="7064b204c6fa9c53" providerId="LiveId" clId="{CB116862-C2DC-4C95-B8C1-502711DDD77B}" dt="2018-07-19T11:08:12.310" v="2609" actId="26606"/>
+          <ac:spMkLst>
+            <pc:docMk/>
+            <pc:sldMk cId="3226350802" sldId="272"/>
+            <ac:spMk id="14" creationId="{B672F332-AF08-46C6-94F0-77684310D7B7}"/>
+          </ac:spMkLst>
+        </pc:spChg>
+        <pc:spChg chg="add">
+          <ac:chgData name="Arunabh Ghosh" userId="7064b204c6fa9c53" providerId="LiveId" clId="{CB116862-C2DC-4C95-B8C1-502711DDD77B}" dt="2018-07-19T11:08:12.310" v="2609" actId="26606"/>
+          <ac:spMkLst>
+            <pc:docMk/>
+            <pc:sldMk cId="3226350802" sldId="272"/>
+            <ac:spMk id="16" creationId="{34244EF8-D73A-40E1-BE73-D46E6B4B04ED}"/>
+          </ac:spMkLst>
+        </pc:spChg>
+        <pc:spChg chg="add">
+          <ac:chgData name="Arunabh Ghosh" userId="7064b204c6fa9c53" providerId="LiveId" clId="{CB116862-C2DC-4C95-B8C1-502711DDD77B}" dt="2018-07-19T11:08:12.310" v="2609" actId="26606"/>
+          <ac:spMkLst>
+            <pc:docMk/>
+            <pc:sldMk cId="3226350802" sldId="272"/>
+            <ac:spMk id="18" creationId="{AB84D7E8-4ECB-42D7-ADBF-01689B0F24AE}"/>
+          </ac:spMkLst>
+        </pc:spChg>
+        <pc:cxnChg chg="add">
+          <ac:chgData name="Arunabh Ghosh" userId="7064b204c6fa9c53" providerId="LiveId" clId="{CB116862-C2DC-4C95-B8C1-502711DDD77B}" dt="2018-07-19T11:08:12.310" v="2609" actId="26606"/>
+          <ac:cxnSpMkLst>
+            <pc:docMk/>
+            <pc:sldMk cId="3226350802" sldId="272"/>
+            <ac:cxnSpMk id="20" creationId="{9E8E38ED-369A-44C2-B635-0BED0E48A6E8}"/>
+          </ac:cxnSpMkLst>
+        </pc:cxnChg>
       </pc:sldChg>
     </pc:docChg>
   </pc:docChgLst>
@@ -1912,7 +2120,7 @@
           <a:p>
             <a:fld id="{1EEF49AA-3BB3-6748-A57A-245DC422C49B}" type="datetimeFigureOut">
               <a:rPr lang="en-US" smtClean="0"/>
-              <a:t>7/18/18</a:t>
+              <a:t>7/19/18</a:t>
             </a:fld>
             <a:endParaRPr lang="en-US"/>
           </a:p>
@@ -2410,7 +2618,7 @@
           <a:p>
             <a:fld id="{C5E919E7-4320-B242-96C3-3FD5537AB232}" type="datetimeFigureOut">
               <a:rPr lang="en-US" smtClean="0"/>
-              <a:t>7/18/18</a:t>
+              <a:t>7/19/18</a:t>
             </a:fld>
             <a:endParaRPr lang="en-US"/>
           </a:p>
@@ -2608,7 +2816,7 @@
           <a:p>
             <a:fld id="{C5E919E7-4320-B242-96C3-3FD5537AB232}" type="datetimeFigureOut">
               <a:rPr lang="en-US" smtClean="0"/>
-              <a:t>7/18/18</a:t>
+              <a:t>7/19/18</a:t>
             </a:fld>
             <a:endParaRPr lang="en-US"/>
           </a:p>
@@ -2816,7 +3024,7 @@
           <a:p>
             <a:fld id="{C5E919E7-4320-B242-96C3-3FD5537AB232}" type="datetimeFigureOut">
               <a:rPr lang="en-US" smtClean="0"/>
-              <a:t>7/18/18</a:t>
+              <a:t>7/19/18</a:t>
             </a:fld>
             <a:endParaRPr lang="en-US"/>
           </a:p>
@@ -3014,7 +3222,7 @@
           <a:p>
             <a:fld id="{C5E919E7-4320-B242-96C3-3FD5537AB232}" type="datetimeFigureOut">
               <a:rPr lang="en-US" smtClean="0"/>
-              <a:t>7/18/18</a:t>
+              <a:t>7/19/18</a:t>
             </a:fld>
             <a:endParaRPr lang="en-US"/>
           </a:p>
@@ -3289,7 +3497,7 @@
           <a:p>
             <a:fld id="{C5E919E7-4320-B242-96C3-3FD5537AB232}" type="datetimeFigureOut">
               <a:rPr lang="en-US" smtClean="0"/>
-              <a:t>7/18/18</a:t>
+              <a:t>7/19/18</a:t>
             </a:fld>
             <a:endParaRPr lang="en-US"/>
           </a:p>
@@ -3554,7 +3762,7 @@
           <a:p>
             <a:fld id="{C5E919E7-4320-B242-96C3-3FD5537AB232}" type="datetimeFigureOut">
               <a:rPr lang="en-US" smtClean="0"/>
-              <a:t>7/18/18</a:t>
+              <a:t>7/19/18</a:t>
             </a:fld>
             <a:endParaRPr lang="en-US"/>
           </a:p>
@@ -3966,7 +4174,7 @@
           <a:p>
             <a:fld id="{C5E919E7-4320-B242-96C3-3FD5537AB232}" type="datetimeFigureOut">
               <a:rPr lang="en-US" smtClean="0"/>
-              <a:t>7/18/18</a:t>
+              <a:t>7/19/18</a:t>
             </a:fld>
             <a:endParaRPr lang="en-US"/>
           </a:p>
@@ -4107,7 +4315,7 @@
           <a:p>
             <a:fld id="{C5E919E7-4320-B242-96C3-3FD5537AB232}" type="datetimeFigureOut">
               <a:rPr lang="en-US" smtClean="0"/>
-              <a:t>7/18/18</a:t>
+              <a:t>7/19/18</a:t>
             </a:fld>
             <a:endParaRPr lang="en-US"/>
           </a:p>
@@ -4220,7 +4428,7 @@
           <a:p>
             <a:fld id="{C5E919E7-4320-B242-96C3-3FD5537AB232}" type="datetimeFigureOut">
               <a:rPr lang="en-US" smtClean="0"/>
-              <a:t>7/18/18</a:t>
+              <a:t>7/19/18</a:t>
             </a:fld>
             <a:endParaRPr lang="en-US"/>
           </a:p>
@@ -4531,7 +4739,7 @@
           <a:p>
             <a:fld id="{C5E919E7-4320-B242-96C3-3FD5537AB232}" type="datetimeFigureOut">
               <a:rPr lang="en-US" smtClean="0"/>
-              <a:t>7/18/18</a:t>
+              <a:t>7/19/18</a:t>
             </a:fld>
             <a:endParaRPr lang="en-US"/>
           </a:p>
@@ -4819,7 +5027,7 @@
           <a:p>
             <a:fld id="{C5E919E7-4320-B242-96C3-3FD5537AB232}" type="datetimeFigureOut">
               <a:rPr lang="en-US" smtClean="0"/>
-              <a:t>7/18/18</a:t>
+              <a:t>7/19/18</a:t>
             </a:fld>
             <a:endParaRPr lang="en-US"/>
           </a:p>
@@ -5060,7 +5268,7 @@
           <a:p>
             <a:fld id="{C5E919E7-4320-B242-96C3-3FD5537AB232}" type="datetimeFigureOut">
               <a:rPr lang="en-US" smtClean="0"/>
-              <a:t>7/18/18</a:t>
+              <a:t>7/19/18</a:t>
             </a:fld>
             <a:endParaRPr lang="en-US"/>
           </a:p>
@@ -6377,8 +6585,8 @@
           </a:p>
         </p:txBody>
       </p:sp>
-      <mc:AlternateContent xmlns:mc="http://schemas.openxmlformats.org/markup-compatibility/2006">
-        <mc:Choice xmlns:a14="http://schemas.microsoft.com/office/drawing/2010/main" Requires="a14">
+      <mc:AlternateContent xmlns:mc="http://schemas.openxmlformats.org/markup-compatibility/2006" xmlns:a14="http://schemas.microsoft.com/office/drawing/2010/main">
+        <mc:Choice Requires="a14">
           <p:sp>
             <p:nvSpPr>
               <p:cNvPr id="3" name="Content Placeholder 2">
@@ -6643,7 +6851,6 @@
                 <a:endParaRPr lang="en-US" dirty="0"/>
               </a:p>
               <a:p>
-                <a:pPr/>
                 <a:r>
                   <a:rPr lang="en-US" dirty="0"/>
                   <a:t>Using this as our initial angle estimates, I use my previously developed RELION algorithm to further refine the image.</a:t>
@@ -6652,7 +6859,7 @@
             </p:txBody>
           </p:sp>
         </mc:Choice>
-        <mc:Fallback>
+        <mc:Fallback xmlns="">
           <p:sp>
             <p:nvSpPr>
               <p:cNvPr id="3" name="Content Placeholder 2">
@@ -6727,7 +6934,7 @@
           <p:cNvPr id="2" name="Title 1">
             <a:extLst>
               <a:ext uri="{FF2B5EF4-FFF2-40B4-BE49-F238E27FC236}">
-                <a16:creationId xmlns:a16="http://schemas.microsoft.com/office/drawing/2014/main" id="{430CB877-7E63-1F4E-8DD7-5F2F5921C786}"/>
+                <a16:creationId xmlns:a16="http://schemas.microsoft.com/office/drawing/2014/main" id="{2DB67824-21B2-4D27-B3D1-84EA2DF15602}"/>
               </a:ext>
             </a:extLst>
           </p:cNvPr>
@@ -6745,79 +6952,1279 @@
           <a:p>
             <a:r>
               <a:rPr lang="en-US" dirty="0"/>
-              <a:t>Results</a:t>
+              <a:t>Low-pass filter the initial estimate</a:t>
             </a:r>
+            <a:endParaRPr lang="en-IN" dirty="0"/>
+          </a:p>
+        </p:txBody>
+      </p:sp>
+      <p:sp>
+        <p:nvSpPr>
+          <p:cNvPr id="3" name="Content Placeholder 2">
+            <a:extLst>
+              <a:ext uri="{FF2B5EF4-FFF2-40B4-BE49-F238E27FC236}">
+                <a16:creationId xmlns:a16="http://schemas.microsoft.com/office/drawing/2014/main" id="{6E376D0F-7A74-441C-8F9D-1FB02B288077}"/>
+              </a:ext>
+            </a:extLst>
+          </p:cNvPr>
+          <p:cNvSpPr>
+            <a:spLocks noGrp="1"/>
+          </p:cNvSpPr>
+          <p:nvPr>
+            <p:ph idx="1"/>
+          </p:nvPr>
+        </p:nvSpPr>
+        <p:spPr/>
+        <p:txBody>
+          <a:bodyPr/>
+          <a:lstStyle/>
+          <a:p>
+            <a:r>
+              <a:rPr lang="en-US" dirty="0"/>
+              <a:t>A initial estimate of the image is passed through an initial estimate for a smoothing effect and the higher order frequency terms can’t much influence the results. </a:t>
+            </a:r>
+          </a:p>
+          <a:p>
+            <a:r>
+              <a:rPr lang="en-US" dirty="0"/>
+              <a:t>The initial estimate:</a:t>
+            </a:r>
+          </a:p>
+          <a:p>
+            <a:endParaRPr lang="en-IN" dirty="0"/>
           </a:p>
         </p:txBody>
       </p:sp>
       <p:pic>
         <p:nvPicPr>
-          <p:cNvPr id="5" name="Content Placeholder 4">
+          <p:cNvPr id="5" name="Picture 4" descr="A close up of a logo&#10;&#10;Description generated with high confidence">
             <a:extLst>
               <a:ext uri="{FF2B5EF4-FFF2-40B4-BE49-F238E27FC236}">
-                <a16:creationId xmlns:a16="http://schemas.microsoft.com/office/drawing/2014/main" id="{FBD1FF75-76B7-8A41-AFED-DE551443EA47}"/>
+                <a16:creationId xmlns:a16="http://schemas.microsoft.com/office/drawing/2014/main" id="{28859F44-C1ED-40CC-8D8F-AC6F48C3558F}"/>
               </a:ext>
             </a:extLst>
           </p:cNvPr>
           <p:cNvPicPr>
-            <a:picLocks noGrp="1" noChangeAspect="1"/>
+            <a:picLocks noChangeAspect="1"/>
           </p:cNvPicPr>
-          <p:nvPr>
-            <p:ph idx="1"/>
-          </p:nvPr>
+          <p:nvPr/>
         </p:nvPicPr>
-        <p:blipFill>
+        <p:blipFill rotWithShape="1">
           <a:blip r:embed="rId2"/>
-          <a:stretch>
-            <a:fillRect/>
-          </a:stretch>
+          <a:srcRect l="36685" t="11170" r="37717" b="34537"/>
+          <a:stretch/>
         </p:blipFill>
         <p:spPr>
           <a:xfrm>
-            <a:off x="941895" y="1690688"/>
-            <a:ext cx="1346200" cy="1346200"/>
-          </a:xfrm>
-        </p:spPr>
-      </p:pic>
-      <p:sp>
-        <p:nvSpPr>
-          <p:cNvPr id="6" name="TextBox 5">
-            <a:extLst>
-              <a:ext uri="{FF2B5EF4-FFF2-40B4-BE49-F238E27FC236}">
-                <a16:creationId xmlns:a16="http://schemas.microsoft.com/office/drawing/2014/main" id="{81194699-5523-F349-B7C5-7ED536A4F6FF}"/>
-              </a:ext>
-            </a:extLst>
-          </p:cNvPr>
-          <p:cNvSpPr txBox="1"/>
-          <p:nvPr/>
-        </p:nvSpPr>
-        <p:spPr>
-          <a:xfrm>
-            <a:off x="838200" y="3167406"/>
-            <a:ext cx="1970988" cy="369332"/>
+            <a:off x="1023731" y="3518452"/>
+            <a:ext cx="3120888" cy="3140765"/>
           </a:xfrm>
           <a:prstGeom prst="rect">
             <a:avLst/>
           </a:prstGeom>
-          <a:noFill/>
         </p:spPr>
+      </p:pic>
+    </p:spTree>
+    <p:extLst>
+      <p:ext uri="{BB962C8B-B14F-4D97-AF65-F5344CB8AC3E}">
+        <p14:creationId xmlns:p14="http://schemas.microsoft.com/office/powerpoint/2010/main" val="1514776235"/>
+      </p:ext>
+    </p:extLst>
+  </p:cSld>
+  <p:clrMapOvr>
+    <a:masterClrMapping/>
+  </p:clrMapOvr>
+</p:sld>
+</file>
+
+<file path=ppt/slides/slide13.xml><?xml version="1.0" encoding="utf-8"?>
+<p:sld xmlns:a="http://schemas.openxmlformats.org/drawingml/2006/main" xmlns:r="http://schemas.openxmlformats.org/officeDocument/2006/relationships" xmlns:p="http://schemas.openxmlformats.org/presentationml/2006/main">
+  <p:cSld>
+    <p:spTree>
+      <p:nvGrpSpPr>
+        <p:cNvPr id="1" name=""/>
+        <p:cNvGrpSpPr/>
+        <p:nvPr/>
+      </p:nvGrpSpPr>
+      <p:grpSpPr>
+        <a:xfrm>
+          <a:off x="0" y="0"/>
+          <a:ext cx="0" cy="0"/>
+          <a:chOff x="0" y="0"/>
+          <a:chExt cx="0" cy="0"/>
+        </a:xfrm>
+      </p:grpSpPr>
+      <p:sp>
+        <p:nvSpPr>
+          <p:cNvPr id="2" name="Title 1">
+            <a:extLst>
+              <a:ext uri="{FF2B5EF4-FFF2-40B4-BE49-F238E27FC236}">
+                <a16:creationId xmlns:a16="http://schemas.microsoft.com/office/drawing/2014/main" id="{33C9A79C-8B04-4D92-987B-D890ADF5384A}"/>
+              </a:ext>
+            </a:extLst>
+          </p:cNvPr>
+          <p:cNvSpPr>
+            <a:spLocks noGrp="1"/>
+          </p:cNvSpPr>
+          <p:nvPr>
+            <p:ph type="title"/>
+          </p:nvPr>
+        </p:nvSpPr>
+        <p:spPr/>
         <p:txBody>
-          <a:bodyPr wrap="square" rtlCol="0">
-            <a:spAutoFit/>
-          </a:bodyPr>
+          <a:bodyPr/>
           <a:lstStyle/>
           <a:p>
             <a:r>
               <a:rPr lang="en-US" dirty="0"/>
-              <a:t>The initial estimate</a:t>
+              <a:t>However…</a:t>
             </a:r>
+            <a:endParaRPr lang="en-IN" dirty="0"/>
+          </a:p>
+        </p:txBody>
+      </p:sp>
+      <mc:AlternateContent xmlns:mc="http://schemas.openxmlformats.org/markup-compatibility/2006" xmlns:a14="http://schemas.microsoft.com/office/drawing/2010/main">
+        <mc:Choice Requires="a14">
+          <p:sp>
+            <p:nvSpPr>
+              <p:cNvPr id="3" name="Content Placeholder 2">
+                <a:extLst>
+                  <a:ext uri="{FF2B5EF4-FFF2-40B4-BE49-F238E27FC236}">
+                    <a16:creationId xmlns:a16="http://schemas.microsoft.com/office/drawing/2014/main" id="{F147D31D-0F5A-44A8-952E-5504F4AA2634}"/>
+                  </a:ext>
+                </a:extLst>
+              </p:cNvPr>
+              <p:cNvSpPr>
+                <a:spLocks noGrp="1"/>
+              </p:cNvSpPr>
+              <p:nvPr>
+                <p:ph idx="1"/>
+              </p:nvPr>
+            </p:nvSpPr>
+            <p:spPr/>
+            <p:txBody>
+              <a:bodyPr/>
+              <a:lstStyle/>
+              <a:p>
+                <a:r>
+                  <a:rPr lang="en-US" dirty="0"/>
+                  <a:t>The RELION algorithm fails to refine the image and give a more accurate structure for the structure.</a:t>
+                </a:r>
+              </a:p>
+              <a:p>
+                <a:r>
+                  <a:rPr lang="en-US" dirty="0"/>
+                  <a:t>The possible reasons are – </a:t>
+                </a:r>
+              </a:p>
+              <a:p>
+                <a:pPr lvl="1"/>
+                <a:r>
+                  <a:rPr lang="en-US" dirty="0"/>
+                  <a:t>The RELION algorithm has been designed to correct error in orientations upto </a:t>
+                </a:r>
+                <a14:m>
+                  <m:oMath xmlns:m="http://schemas.openxmlformats.org/officeDocument/2006/math">
+                    <m:r>
+                      <a:rPr lang="en-US" b="0" i="1" smtClean="0">
+                        <a:latin typeface="Cambria Math" panose="02040503050406030204" pitchFamily="18" charset="0"/>
+                      </a:rPr>
+                      <m:t>±</m:t>
+                    </m:r>
+                    <m:sSup>
+                      <m:sSupPr>
+                        <m:ctrlPr>
+                          <a:rPr lang="en-US" b="0" i="1" smtClean="0">
+                            <a:latin typeface="Cambria Math" panose="02040503050406030204" pitchFamily="18" charset="0"/>
+                          </a:rPr>
+                        </m:ctrlPr>
+                      </m:sSupPr>
+                      <m:e>
+                        <m:r>
+                          <a:rPr lang="en-US" b="0" i="1" smtClean="0">
+                            <a:latin typeface="Cambria Math" panose="02040503050406030204" pitchFamily="18" charset="0"/>
+                          </a:rPr>
+                          <m:t>5</m:t>
+                        </m:r>
+                      </m:e>
+                      <m:sup>
+                        <m:r>
+                          <a:rPr lang="en-US" b="0" i="1" smtClean="0">
+                            <a:latin typeface="Cambria Math" panose="02040503050406030204" pitchFamily="18" charset="0"/>
+                          </a:rPr>
+                          <m:t>𝑜</m:t>
+                        </m:r>
+                      </m:sup>
+                    </m:sSup>
+                  </m:oMath>
+                </a14:m>
+                <a:endParaRPr lang="en-US" dirty="0"/>
+              </a:p>
+              <a:p>
+                <a:pPr lvl="1"/>
+                <a:r>
+                  <a:rPr lang="en-US" dirty="0"/>
+                  <a:t>However the initial estimate for some angles differs from the original by upto </a:t>
+                </a:r>
+                <a14:m>
+                  <m:oMath xmlns:m="http://schemas.openxmlformats.org/officeDocument/2006/math">
+                    <m:sSup>
+                      <m:sSupPr>
+                        <m:ctrlPr>
+                          <a:rPr lang="en-US" b="0" i="1" smtClean="0">
+                            <a:latin typeface="Cambria Math" panose="02040503050406030204" pitchFamily="18" charset="0"/>
+                          </a:rPr>
+                        </m:ctrlPr>
+                      </m:sSupPr>
+                      <m:e>
+                        <m:r>
+                          <a:rPr lang="en-US" b="0" i="1" smtClean="0">
+                            <a:latin typeface="Cambria Math" panose="02040503050406030204" pitchFamily="18" charset="0"/>
+                          </a:rPr>
+                          <m:t>30</m:t>
+                        </m:r>
+                      </m:e>
+                      <m:sup>
+                        <m:r>
+                          <a:rPr lang="en-US" b="0" i="1" smtClean="0">
+                            <a:latin typeface="Cambria Math" panose="02040503050406030204" pitchFamily="18" charset="0"/>
+                          </a:rPr>
+                          <m:t>𝑜</m:t>
+                        </m:r>
+                      </m:sup>
+                    </m:sSup>
+                  </m:oMath>
+                </a14:m>
+                <a:endParaRPr lang="en-US" b="0" dirty="0"/>
+              </a:p>
+              <a:p>
+                <a:pPr lvl="1"/>
+                <a:r>
+                  <a:rPr lang="en-US" dirty="0"/>
+                  <a:t>This is why RELION failed to converge to correct structure. </a:t>
+                </a:r>
+                <a:endParaRPr lang="en-US" b="0" dirty="0"/>
+              </a:p>
+            </p:txBody>
+          </p:sp>
+        </mc:Choice>
+        <mc:Fallback xmlns="">
+          <p:sp>
+            <p:nvSpPr>
+              <p:cNvPr id="3" name="Content Placeholder 2">
+                <a:extLst>
+                  <a:ext uri="{FF2B5EF4-FFF2-40B4-BE49-F238E27FC236}">
+                    <a16:creationId xmlns:a16="http://schemas.microsoft.com/office/drawing/2014/main" id="{F147D31D-0F5A-44A8-952E-5504F4AA2634}"/>
+                  </a:ext>
+                </a:extLst>
+              </p:cNvPr>
+              <p:cNvSpPr>
+                <a:spLocks noGrp="1" noRot="1" noChangeAspect="1" noMove="1" noResize="1" noEditPoints="1" noAdjustHandles="1" noChangeArrowheads="1" noChangeShapeType="1" noTextEdit="1"/>
+              </p:cNvSpPr>
+              <p:nvPr>
+                <p:ph idx="1"/>
+              </p:nvPr>
+            </p:nvSpPr>
+            <p:spPr>
+              <a:blipFill>
+                <a:blip r:embed="rId2"/>
+                <a:stretch>
+                  <a:fillRect l="-1043" t="-2241" r="-812"/>
+                </a:stretch>
+              </a:blipFill>
+            </p:spPr>
+            <p:txBody>
+              <a:bodyPr/>
+              <a:lstStyle/>
+              <a:p>
+                <a:r>
+                  <a:rPr lang="en-IN">
+                    <a:noFill/>
+                  </a:rPr>
+                  <a:t> </a:t>
+                </a:r>
+              </a:p>
+            </p:txBody>
+          </p:sp>
+        </mc:Fallback>
+      </mc:AlternateContent>
+    </p:spTree>
+    <p:extLst>
+      <p:ext uri="{BB962C8B-B14F-4D97-AF65-F5344CB8AC3E}">
+        <p14:creationId xmlns:p14="http://schemas.microsoft.com/office/powerpoint/2010/main" val="1198141620"/>
+      </p:ext>
+    </p:extLst>
+  </p:cSld>
+  <p:clrMapOvr>
+    <a:masterClrMapping/>
+  </p:clrMapOvr>
+</p:sld>
+</file>
+
+<file path=ppt/slides/slide14.xml><?xml version="1.0" encoding="utf-8"?>
+<p:sld xmlns:a="http://schemas.openxmlformats.org/drawingml/2006/main" xmlns:r="http://schemas.openxmlformats.org/officeDocument/2006/relationships" xmlns:p="http://schemas.openxmlformats.org/presentationml/2006/main">
+  <p:cSld>
+    <p:spTree>
+      <p:nvGrpSpPr>
+        <p:cNvPr id="1" name=""/>
+        <p:cNvGrpSpPr/>
+        <p:nvPr/>
+      </p:nvGrpSpPr>
+      <p:grpSpPr>
+        <a:xfrm>
+          <a:off x="0" y="0"/>
+          <a:ext cx="0" cy="0"/>
+          <a:chOff x="0" y="0"/>
+          <a:chExt cx="0" cy="0"/>
+        </a:xfrm>
+      </p:grpSpPr>
+      <p:sp>
+        <p:nvSpPr>
+          <p:cNvPr id="2" name="Title 1">
+            <a:extLst>
+              <a:ext uri="{FF2B5EF4-FFF2-40B4-BE49-F238E27FC236}">
+                <a16:creationId xmlns:a16="http://schemas.microsoft.com/office/drawing/2014/main" id="{FFF6D825-F1E3-4B88-98B8-197A53FB9766}"/>
+              </a:ext>
+            </a:extLst>
+          </p:cNvPr>
+          <p:cNvSpPr>
+            <a:spLocks noGrp="1"/>
+          </p:cNvSpPr>
+          <p:nvPr>
+            <p:ph type="title"/>
+          </p:nvPr>
+        </p:nvSpPr>
+        <p:spPr/>
+        <p:txBody>
+          <a:bodyPr/>
+          <a:lstStyle/>
+          <a:p>
+            <a:r>
+              <a:rPr lang="en-US" dirty="0"/>
+              <a:t>How CryoSPARC deals with this?</a:t>
+            </a:r>
+            <a:endParaRPr lang="en-IN" dirty="0"/>
+          </a:p>
+        </p:txBody>
+      </p:sp>
+      <p:sp>
+        <p:nvSpPr>
+          <p:cNvPr id="3" name="Content Placeholder 2">
+            <a:extLst>
+              <a:ext uri="{FF2B5EF4-FFF2-40B4-BE49-F238E27FC236}">
+                <a16:creationId xmlns:a16="http://schemas.microsoft.com/office/drawing/2014/main" id="{00129BA9-DE29-4A23-AD29-C5E943B5D1AA}"/>
+              </a:ext>
+            </a:extLst>
+          </p:cNvPr>
+          <p:cNvSpPr>
+            <a:spLocks noGrp="1"/>
+          </p:cNvSpPr>
+          <p:nvPr>
+            <p:ph idx="1"/>
+          </p:nvPr>
+        </p:nvSpPr>
+        <p:spPr/>
+        <p:txBody>
+          <a:bodyPr/>
+          <a:lstStyle/>
+          <a:p>
+            <a:r>
+              <a:rPr lang="en-US" dirty="0"/>
+              <a:t>CryoSPARC knows that the initial estimate in the orientation may not be close to the actual estimate at all. </a:t>
+            </a:r>
+          </a:p>
+          <a:p>
+            <a:r>
+              <a:rPr lang="en-US" dirty="0"/>
+              <a:t>So CryoSPARC, in its refinement algorithm – Branch and bound algorithm, considers each orientation for each projection. It does not assume that the that the actual orientation may be close to the estimated orientation. </a:t>
+            </a:r>
+          </a:p>
+          <a:p>
+            <a:r>
+              <a:rPr lang="en-US" dirty="0"/>
+              <a:t>At the start it considers what is the best orientation for each projection by comparing only the frequency terms. This leads to save in computational time. Gradually it starts considering higher order frequency terms. </a:t>
+            </a:r>
+            <a:endParaRPr lang="en-IN" dirty="0"/>
           </a:p>
         </p:txBody>
       </p:sp>
     </p:spTree>
     <p:extLst>
       <p:ext uri="{BB962C8B-B14F-4D97-AF65-F5344CB8AC3E}">
-        <p14:creationId xmlns:p14="http://schemas.microsoft.com/office/powerpoint/2010/main" val="1384843664"/>
+        <p14:creationId xmlns:p14="http://schemas.microsoft.com/office/powerpoint/2010/main" val="799066559"/>
+      </p:ext>
+    </p:extLst>
+  </p:cSld>
+  <p:clrMapOvr>
+    <a:masterClrMapping/>
+  </p:clrMapOvr>
+</p:sld>
+</file>
+
+<file path=ppt/slides/slide15.xml><?xml version="1.0" encoding="utf-8"?>
+<p:sld xmlns:a="http://schemas.openxmlformats.org/drawingml/2006/main" xmlns:r="http://schemas.openxmlformats.org/officeDocument/2006/relationships" xmlns:p="http://schemas.openxmlformats.org/presentationml/2006/main">
+  <p:cSld>
+    <p:spTree>
+      <p:nvGrpSpPr>
+        <p:cNvPr id="1" name=""/>
+        <p:cNvGrpSpPr/>
+        <p:nvPr/>
+      </p:nvGrpSpPr>
+      <p:grpSpPr>
+        <a:xfrm>
+          <a:off x="0" y="0"/>
+          <a:ext cx="0" cy="0"/>
+          <a:chOff x="0" y="0"/>
+          <a:chExt cx="0" cy="0"/>
+        </a:xfrm>
+      </p:grpSpPr>
+      <p:sp>
+        <p:nvSpPr>
+          <p:cNvPr id="2" name="Title 1">
+            <a:extLst>
+              <a:ext uri="{FF2B5EF4-FFF2-40B4-BE49-F238E27FC236}">
+                <a16:creationId xmlns:a16="http://schemas.microsoft.com/office/drawing/2014/main" id="{6A6ED8EB-BDB4-4D66-B444-389B1259D07D}"/>
+              </a:ext>
+            </a:extLst>
+          </p:cNvPr>
+          <p:cNvSpPr>
+            <a:spLocks noGrp="1"/>
+          </p:cNvSpPr>
+          <p:nvPr>
+            <p:ph type="title"/>
+          </p:nvPr>
+        </p:nvSpPr>
+        <p:spPr/>
+        <p:txBody>
+          <a:bodyPr/>
+          <a:lstStyle/>
+          <a:p>
+            <a:r>
+              <a:rPr lang="en-US" dirty="0"/>
+              <a:t>Why can’t RELION do this?</a:t>
+            </a:r>
+            <a:endParaRPr lang="en-IN" dirty="0"/>
+          </a:p>
+        </p:txBody>
+      </p:sp>
+      <mc:AlternateContent xmlns:mc="http://schemas.openxmlformats.org/markup-compatibility/2006" xmlns:a14="http://schemas.microsoft.com/office/drawing/2010/main">
+        <mc:Choice Requires="a14">
+          <p:sp>
+            <p:nvSpPr>
+              <p:cNvPr id="3" name="Content Placeholder 2">
+                <a:extLst>
+                  <a:ext uri="{FF2B5EF4-FFF2-40B4-BE49-F238E27FC236}">
+                    <a16:creationId xmlns:a16="http://schemas.microsoft.com/office/drawing/2014/main" id="{5352361C-B324-4B9C-8442-BEBFF3750978}"/>
+                  </a:ext>
+                </a:extLst>
+              </p:cNvPr>
+              <p:cNvSpPr>
+                <a:spLocks noGrp="1"/>
+              </p:cNvSpPr>
+              <p:nvPr>
+                <p:ph idx="1"/>
+              </p:nvPr>
+            </p:nvSpPr>
+            <p:spPr/>
+            <p:txBody>
+              <a:bodyPr/>
+              <a:lstStyle/>
+              <a:p>
+                <a:r>
+                  <a:rPr lang="en-US" dirty="0"/>
+                  <a:t>RELION is computationally very expensive. Even for </a:t>
+                </a:r>
+                <a14:m>
+                  <m:oMath xmlns:m="http://schemas.openxmlformats.org/officeDocument/2006/math">
+                    <m:r>
+                      <a:rPr lang="en-US" b="0" i="1" smtClean="0">
+                        <a:latin typeface="Cambria Math" panose="02040503050406030204" pitchFamily="18" charset="0"/>
+                      </a:rPr>
+                      <m:t>±</m:t>
+                    </m:r>
+                    <m:sSup>
+                      <m:sSupPr>
+                        <m:ctrlPr>
+                          <a:rPr lang="en-US" b="0" i="1" smtClean="0">
+                            <a:latin typeface="Cambria Math" panose="02040503050406030204" pitchFamily="18" charset="0"/>
+                          </a:rPr>
+                        </m:ctrlPr>
+                      </m:sSupPr>
+                      <m:e>
+                        <m:r>
+                          <a:rPr lang="en-US" b="0" i="1" smtClean="0">
+                            <a:latin typeface="Cambria Math" panose="02040503050406030204" pitchFamily="18" charset="0"/>
+                          </a:rPr>
+                          <m:t>5</m:t>
+                        </m:r>
+                      </m:e>
+                      <m:sup>
+                        <m:r>
+                          <a:rPr lang="en-US" b="0" i="1" smtClean="0">
+                            <a:latin typeface="Cambria Math" panose="02040503050406030204" pitchFamily="18" charset="0"/>
+                          </a:rPr>
+                          <m:t>𝑜</m:t>
+                        </m:r>
+                      </m:sup>
+                    </m:sSup>
+                  </m:oMath>
+                </a14:m>
+                <a:r>
+                  <a:rPr lang="en-IN" dirty="0"/>
+                  <a:t> error in angles, RELION runs for 6-7 hours. Instead of the simple back-projection reconstruction in CryoSPARC, the reconstruction procedure in RELION is expensive. </a:t>
+                </a:r>
+              </a:p>
+              <a:p>
+                <a:r>
+                  <a:rPr lang="en-US" dirty="0"/>
+                  <a:t>T</a:t>
+                </a:r>
+                <a:r>
+                  <a:rPr lang="en-IN" dirty="0"/>
+                  <a:t>herefore considering each and every orientation for RELION would take days to run on a personal workstation. </a:t>
+                </a:r>
+              </a:p>
+              <a:p>
+                <a:r>
+                  <a:rPr lang="en-US" dirty="0"/>
+                  <a:t>W</a:t>
+                </a:r>
+                <a:r>
+                  <a:rPr lang="en-IN" dirty="0"/>
+                  <a:t>ith GPUs it may be possible to explore the entire space and it will be interesting to see how does RELION perform in those environments.</a:t>
+                </a:r>
+              </a:p>
+            </p:txBody>
+          </p:sp>
+        </mc:Choice>
+        <mc:Fallback xmlns="">
+          <p:sp>
+            <p:nvSpPr>
+              <p:cNvPr id="3" name="Content Placeholder 2">
+                <a:extLst>
+                  <a:ext uri="{FF2B5EF4-FFF2-40B4-BE49-F238E27FC236}">
+                    <a16:creationId xmlns:a16="http://schemas.microsoft.com/office/drawing/2014/main" id="{5352361C-B324-4B9C-8442-BEBFF3750978}"/>
+                  </a:ext>
+                </a:extLst>
+              </p:cNvPr>
+              <p:cNvSpPr>
+                <a:spLocks noGrp="1" noRot="1" noChangeAspect="1" noMove="1" noResize="1" noEditPoints="1" noAdjustHandles="1" noChangeArrowheads="1" noChangeShapeType="1" noTextEdit="1"/>
+              </p:cNvSpPr>
+              <p:nvPr>
+                <p:ph idx="1"/>
+              </p:nvPr>
+            </p:nvSpPr>
+            <p:spPr>
+              <a:blipFill>
+                <a:blip r:embed="rId2"/>
+                <a:stretch>
+                  <a:fillRect l="-1043" t="-2241" r="-1681"/>
+                </a:stretch>
+              </a:blipFill>
+            </p:spPr>
+            <p:txBody>
+              <a:bodyPr/>
+              <a:lstStyle/>
+              <a:p>
+                <a:r>
+                  <a:rPr lang="en-IN">
+                    <a:noFill/>
+                  </a:rPr>
+                  <a:t> </a:t>
+                </a:r>
+              </a:p>
+            </p:txBody>
+          </p:sp>
+        </mc:Fallback>
+      </mc:AlternateContent>
+    </p:spTree>
+    <p:extLst>
+      <p:ext uri="{BB962C8B-B14F-4D97-AF65-F5344CB8AC3E}">
+        <p14:creationId xmlns:p14="http://schemas.microsoft.com/office/powerpoint/2010/main" val="81866049"/>
+      </p:ext>
+    </p:extLst>
+  </p:cSld>
+  <p:clrMapOvr>
+    <a:masterClrMapping/>
+  </p:clrMapOvr>
+</p:sld>
+</file>
+
+<file path=ppt/slides/slide16.xml><?xml version="1.0" encoding="utf-8"?>
+<p:sld xmlns:a="http://schemas.openxmlformats.org/drawingml/2006/main" xmlns:r="http://schemas.openxmlformats.org/officeDocument/2006/relationships" xmlns:p="http://schemas.openxmlformats.org/presentationml/2006/main">
+  <p:cSld>
+    <p:bg>
+      <p:bgPr>
+        <a:solidFill>
+          <a:schemeClr val="bg1"/>
+        </a:solidFill>
+        <a:effectLst/>
+      </p:bgPr>
+    </p:bg>
+    <p:spTree>
+      <p:nvGrpSpPr>
+        <p:cNvPr id="1" name=""/>
+        <p:cNvGrpSpPr/>
+        <p:nvPr/>
+      </p:nvGrpSpPr>
+      <p:grpSpPr>
+        <a:xfrm>
+          <a:off x="0" y="0"/>
+          <a:ext cx="0" cy="0"/>
+          <a:chOff x="0" y="0"/>
+          <a:chExt cx="0" cy="0"/>
+        </a:xfrm>
+      </p:grpSpPr>
+      <p:sp useBgFill="1">
+        <p:nvSpPr>
+          <p:cNvPr id="10" name="Rectangle 9">
+            <a:extLst>
+              <a:ext uri="{FF2B5EF4-FFF2-40B4-BE49-F238E27FC236}">
+                <a16:creationId xmlns:a16="http://schemas.microsoft.com/office/drawing/2014/main" id="{559AE206-7EBA-4D33-8BC9-9D8158553F0E}"/>
+              </a:ext>
+              <a:ext uri="{C183D7F6-B498-43B3-948B-1728B52AA6E4}">
+                <adec:decorative xmlns:adec="http://schemas.microsoft.com/office/drawing/2017/decorative" val="1"/>
+              </a:ext>
+            </a:extLst>
+          </p:cNvPr>
+          <p:cNvSpPr>
+            <a:spLocks noGrp="1" noRot="1" noChangeAspect="1" noMove="1" noResize="1" noEditPoints="1" noAdjustHandles="1" noChangeArrowheads="1" noChangeShapeType="1" noTextEdit="1"/>
+          </p:cNvSpPr>
+          <p:nvPr>
+            <p:extLst>
+              <p:ext uri="{386F3935-93C4-4BCD-93E2-E3B085C9AB24}">
+                <p16:designElem xmlns:p16="http://schemas.microsoft.com/office/powerpoint/2015/main" val="1"/>
+              </p:ext>
+            </p:extLst>
+          </p:nvPr>
+        </p:nvSpPr>
+        <p:spPr>
+          <a:xfrm>
+            <a:off x="0" y="0"/>
+            <a:ext cx="12192000" cy="6858000"/>
+          </a:xfrm>
+          <a:prstGeom prst="rect">
+            <a:avLst/>
+          </a:prstGeom>
+          <a:ln>
+            <a:noFill/>
+          </a:ln>
+        </p:spPr>
+        <p:style>
+          <a:lnRef idx="2">
+            <a:schemeClr val="accent1">
+              <a:shade val="50000"/>
+            </a:schemeClr>
+          </a:lnRef>
+          <a:fillRef idx="1">
+            <a:schemeClr val="accent1"/>
+          </a:fillRef>
+          <a:effectRef idx="0">
+            <a:schemeClr val="accent1"/>
+          </a:effectRef>
+          <a:fontRef idx="minor">
+            <a:schemeClr val="lt1"/>
+          </a:fontRef>
+        </p:style>
+        <p:txBody>
+          <a:bodyPr rtlCol="0" anchor="ctr"/>
+          <a:lstStyle/>
+          <a:p>
+            <a:pPr marL="0" marR="0" lvl="0" indent="0" algn="ctr" defTabSz="914400" rtl="0" eaLnBrk="1" fontAlgn="auto" latinLnBrk="0" hangingPunct="1">
+              <a:lnSpc>
+                <a:spcPct val="100000"/>
+              </a:lnSpc>
+              <a:spcBef>
+                <a:spcPts val="0"/>
+              </a:spcBef>
+              <a:spcAft>
+                <a:spcPts val="0"/>
+              </a:spcAft>
+              <a:buClrTx/>
+              <a:buSzTx/>
+              <a:buFontTx/>
+              <a:buNone/>
+              <a:tabLst/>
+              <a:defRPr/>
+            </a:pPr>
+            <a:endParaRPr kumimoji="0" lang="en-US" sz="1800" b="0" i="0" u="none" strike="noStrike" kern="1200" cap="none" spc="0" normalizeH="0" baseline="0" noProof="0">
+              <a:ln>
+                <a:noFill/>
+              </a:ln>
+              <a:solidFill>
+                <a:prstClr val="white"/>
+              </a:solidFill>
+              <a:effectLst/>
+              <a:uLnTx/>
+              <a:uFillTx/>
+              <a:latin typeface="Calibri" panose="020F0502020204030204"/>
+              <a:ea typeface="+mn-ea"/>
+              <a:cs typeface="+mn-cs"/>
+            </a:endParaRPr>
+          </a:p>
+        </p:txBody>
+      </p:sp>
+      <p:sp>
+        <p:nvSpPr>
+          <p:cNvPr id="4" name="Title 3">
+            <a:extLst>
+              <a:ext uri="{FF2B5EF4-FFF2-40B4-BE49-F238E27FC236}">
+                <a16:creationId xmlns:a16="http://schemas.microsoft.com/office/drawing/2014/main" id="{35779B76-040E-4CBA-B5FD-04DEC1058AC3}"/>
+              </a:ext>
+            </a:extLst>
+          </p:cNvPr>
+          <p:cNvSpPr>
+            <a:spLocks noGrp="1"/>
+          </p:cNvSpPr>
+          <p:nvPr>
+            <p:ph type="ctrTitle"/>
+          </p:nvPr>
+        </p:nvSpPr>
+        <p:spPr>
+          <a:xfrm>
+            <a:off x="838199" y="4525347"/>
+            <a:ext cx="6801321" cy="1737360"/>
+          </a:xfrm>
+        </p:spPr>
+        <p:txBody>
+          <a:bodyPr anchor="ctr">
+            <a:normAutofit/>
+          </a:bodyPr>
+          <a:lstStyle/>
+          <a:p>
+            <a:pPr algn="r"/>
+            <a:r>
+              <a:rPr lang="en-US" dirty="0"/>
+              <a:t>Thank you!</a:t>
+            </a:r>
+            <a:endParaRPr lang="en-IN" dirty="0"/>
+          </a:p>
+        </p:txBody>
+      </p:sp>
+      <p:sp>
+        <p:nvSpPr>
+          <p:cNvPr id="5" name="Subtitle 4">
+            <a:extLst>
+              <a:ext uri="{FF2B5EF4-FFF2-40B4-BE49-F238E27FC236}">
+                <a16:creationId xmlns:a16="http://schemas.microsoft.com/office/drawing/2014/main" id="{825CE2CA-C3EB-4B50-97AB-AA20D22D0DF8}"/>
+              </a:ext>
+            </a:extLst>
+          </p:cNvPr>
+          <p:cNvSpPr>
+            <a:spLocks noGrp="1"/>
+          </p:cNvSpPr>
+          <p:nvPr>
+            <p:ph type="subTitle" idx="1"/>
+          </p:nvPr>
+        </p:nvSpPr>
+        <p:spPr>
+          <a:xfrm>
+            <a:off x="7961258" y="4525347"/>
+            <a:ext cx="3258675" cy="1737360"/>
+          </a:xfrm>
+        </p:spPr>
+        <p:txBody>
+          <a:bodyPr anchor="ctr">
+            <a:normAutofit/>
+          </a:bodyPr>
+          <a:lstStyle/>
+          <a:p>
+            <a:pPr algn="l"/>
+            <a:r>
+              <a:rPr lang="en-US" dirty="0"/>
+              <a:t>Professor Victor M. Panaretos</a:t>
+            </a:r>
+            <a:endParaRPr lang="en-IN"/>
+          </a:p>
+        </p:txBody>
+      </p:sp>
+      <p:sp>
+        <p:nvSpPr>
+          <p:cNvPr id="12" name="Oval 11">
+            <a:extLst>
+              <a:ext uri="{FF2B5EF4-FFF2-40B4-BE49-F238E27FC236}">
+                <a16:creationId xmlns:a16="http://schemas.microsoft.com/office/drawing/2014/main" id="{6437D937-A7F1-4011-92B4-328E5BE1B166}"/>
+              </a:ext>
+              <a:ext uri="{C183D7F6-B498-43B3-948B-1728B52AA6E4}">
+                <adec:decorative xmlns:adec="http://schemas.microsoft.com/office/drawing/2017/decorative" val="1"/>
+              </a:ext>
+            </a:extLst>
+          </p:cNvPr>
+          <p:cNvSpPr>
+            <a:spLocks noGrp="1" noRot="1" noChangeAspect="1" noMove="1" noResize="1" noEditPoints="1" noAdjustHandles="1" noChangeArrowheads="1" noChangeShapeType="1" noTextEdit="1"/>
+          </p:cNvSpPr>
+          <p:nvPr>
+            <p:extLst>
+              <p:ext uri="{386F3935-93C4-4BCD-93E2-E3B085C9AB24}">
+                <p16:designElem xmlns:p16="http://schemas.microsoft.com/office/powerpoint/2015/main" val="1"/>
+              </p:ext>
+            </p:extLst>
+          </p:nvPr>
+        </p:nvSpPr>
+        <p:spPr>
+          <a:xfrm>
+            <a:off x="588567" y="620480"/>
+            <a:ext cx="2243800" cy="2243796"/>
+          </a:xfrm>
+          <a:prstGeom prst="ellipse">
+            <a:avLst/>
+          </a:prstGeom>
+          <a:solidFill>
+            <a:schemeClr val="accent5"/>
+          </a:solidFill>
+          <a:ln>
+            <a:noFill/>
+          </a:ln>
+        </p:spPr>
+        <p:style>
+          <a:lnRef idx="2">
+            <a:schemeClr val="accent1">
+              <a:shade val="50000"/>
+            </a:schemeClr>
+          </a:lnRef>
+          <a:fillRef idx="1">
+            <a:schemeClr val="accent1"/>
+          </a:fillRef>
+          <a:effectRef idx="0">
+            <a:schemeClr val="accent1"/>
+          </a:effectRef>
+          <a:fontRef idx="minor">
+            <a:schemeClr val="lt1"/>
+          </a:fontRef>
+        </p:style>
+        <p:txBody>
+          <a:bodyPr rtlCol="0" anchor="ctr"/>
+          <a:lstStyle/>
+          <a:p>
+            <a:pPr marL="0" marR="0" lvl="0" indent="0" algn="ctr" defTabSz="914400" rtl="0" eaLnBrk="1" fontAlgn="auto" latinLnBrk="0" hangingPunct="1">
+              <a:lnSpc>
+                <a:spcPct val="100000"/>
+              </a:lnSpc>
+              <a:spcBef>
+                <a:spcPts val="0"/>
+              </a:spcBef>
+              <a:spcAft>
+                <a:spcPts val="0"/>
+              </a:spcAft>
+              <a:buClrTx/>
+              <a:buSzTx/>
+              <a:buFontTx/>
+              <a:buNone/>
+              <a:tabLst/>
+              <a:defRPr/>
+            </a:pPr>
+            <a:endParaRPr kumimoji="0" lang="en-US" sz="1800" b="0" i="0" u="none" strike="noStrike" kern="1200" cap="none" spc="0" normalizeH="0" baseline="0" noProof="0">
+              <a:ln>
+                <a:noFill/>
+              </a:ln>
+              <a:solidFill>
+                <a:prstClr val="white"/>
+              </a:solidFill>
+              <a:effectLst/>
+              <a:uLnTx/>
+              <a:uFillTx/>
+              <a:latin typeface="Calibri" panose="020F0502020204030204"/>
+              <a:ea typeface="+mn-ea"/>
+              <a:cs typeface="+mn-cs"/>
+            </a:endParaRPr>
+          </a:p>
+        </p:txBody>
+      </p:sp>
+      <p:sp>
+        <p:nvSpPr>
+          <p:cNvPr id="14" name="Oval 13">
+            <a:extLst>
+              <a:ext uri="{FF2B5EF4-FFF2-40B4-BE49-F238E27FC236}">
+                <a16:creationId xmlns:a16="http://schemas.microsoft.com/office/drawing/2014/main" id="{B672F332-AF08-46C6-94F0-77684310D7B7}"/>
+              </a:ext>
+              <a:ext uri="{C183D7F6-B498-43B3-948B-1728B52AA6E4}">
+                <adec:decorative xmlns:adec="http://schemas.microsoft.com/office/drawing/2017/decorative" val="1"/>
+              </a:ext>
+            </a:extLst>
+          </p:cNvPr>
+          <p:cNvSpPr>
+            <a:spLocks noGrp="1" noRot="1" noChangeAspect="1" noMove="1" noResize="1" noEditPoints="1" noAdjustHandles="1" noChangeArrowheads="1" noChangeShapeType="1" noTextEdit="1"/>
+          </p:cNvSpPr>
+          <p:nvPr>
+            <p:extLst>
+              <p:ext uri="{386F3935-93C4-4BCD-93E2-E3B085C9AB24}">
+                <p16:designElem xmlns:p16="http://schemas.microsoft.com/office/powerpoint/2015/main" val="1"/>
+              </p:ext>
+            </p:extLst>
+          </p:nvPr>
+        </p:nvSpPr>
+        <p:spPr>
+          <a:xfrm>
+            <a:off x="3395001" y="2466604"/>
+            <a:ext cx="962395" cy="962395"/>
+          </a:xfrm>
+          <a:prstGeom prst="ellipse">
+            <a:avLst/>
+          </a:prstGeom>
+          <a:solidFill>
+            <a:schemeClr val="accent4"/>
+          </a:solidFill>
+          <a:ln>
+            <a:noFill/>
+          </a:ln>
+        </p:spPr>
+        <p:style>
+          <a:lnRef idx="2">
+            <a:schemeClr val="accent1">
+              <a:shade val="50000"/>
+            </a:schemeClr>
+          </a:lnRef>
+          <a:fillRef idx="1">
+            <a:schemeClr val="accent1"/>
+          </a:fillRef>
+          <a:effectRef idx="0">
+            <a:schemeClr val="accent1"/>
+          </a:effectRef>
+          <a:fontRef idx="minor">
+            <a:schemeClr val="lt1"/>
+          </a:fontRef>
+        </p:style>
+        <p:txBody>
+          <a:bodyPr rtlCol="0" anchor="ctr"/>
+          <a:lstStyle/>
+          <a:p>
+            <a:pPr marL="0" marR="0" lvl="0" indent="0" algn="ctr" defTabSz="914400" rtl="0" eaLnBrk="1" fontAlgn="auto" latinLnBrk="0" hangingPunct="1">
+              <a:lnSpc>
+                <a:spcPct val="100000"/>
+              </a:lnSpc>
+              <a:spcBef>
+                <a:spcPts val="0"/>
+              </a:spcBef>
+              <a:spcAft>
+                <a:spcPts val="0"/>
+              </a:spcAft>
+              <a:buClrTx/>
+              <a:buSzTx/>
+              <a:buFontTx/>
+              <a:buNone/>
+              <a:tabLst/>
+              <a:defRPr/>
+            </a:pPr>
+            <a:endParaRPr kumimoji="0" lang="en-US" sz="1800" b="0" i="0" u="none" strike="noStrike" kern="1200" cap="none" spc="0" normalizeH="0" baseline="0" noProof="0">
+              <a:ln>
+                <a:noFill/>
+              </a:ln>
+              <a:solidFill>
+                <a:prstClr val="white"/>
+              </a:solidFill>
+              <a:effectLst/>
+              <a:uLnTx/>
+              <a:uFillTx/>
+              <a:latin typeface="Calibri" panose="020F0502020204030204"/>
+              <a:ea typeface="+mn-ea"/>
+              <a:cs typeface="+mn-cs"/>
+            </a:endParaRPr>
+          </a:p>
+        </p:txBody>
+      </p:sp>
+      <p:sp>
+        <p:nvSpPr>
+          <p:cNvPr id="16" name="Oval 15">
+            <a:extLst>
+              <a:ext uri="{FF2B5EF4-FFF2-40B4-BE49-F238E27FC236}">
+                <a16:creationId xmlns:a16="http://schemas.microsoft.com/office/drawing/2014/main" id="{34244EF8-D73A-40E1-BE73-D46E6B4B04ED}"/>
+              </a:ext>
+              <a:ext uri="{C183D7F6-B498-43B3-948B-1728B52AA6E4}">
+                <adec:decorative xmlns:adec="http://schemas.microsoft.com/office/drawing/2017/decorative" val="1"/>
+              </a:ext>
+            </a:extLst>
+          </p:cNvPr>
+          <p:cNvSpPr>
+            <a:spLocks noGrp="1" noRot="1" noChangeAspect="1" noMove="1" noResize="1" noEditPoints="1" noAdjustHandles="1" noChangeArrowheads="1" noChangeShapeType="1" noTextEdit="1"/>
+          </p:cNvSpPr>
+          <p:nvPr>
+            <p:extLst>
+              <p:ext uri="{386F3935-93C4-4BCD-93E2-E3B085C9AB24}">
+                <p16:designElem xmlns:p16="http://schemas.microsoft.com/office/powerpoint/2015/main" val="1"/>
+              </p:ext>
+            </p:extLst>
+          </p:nvPr>
+        </p:nvSpPr>
+        <p:spPr>
+          <a:xfrm>
+            <a:off x="5125829" y="2327988"/>
+            <a:ext cx="293695" cy="293695"/>
+          </a:xfrm>
+          <a:prstGeom prst="ellipse">
+            <a:avLst/>
+          </a:prstGeom>
+          <a:solidFill>
+            <a:schemeClr val="accent3"/>
+          </a:solidFill>
+          <a:ln>
+            <a:noFill/>
+          </a:ln>
+        </p:spPr>
+        <p:style>
+          <a:lnRef idx="2">
+            <a:schemeClr val="accent1">
+              <a:shade val="50000"/>
+            </a:schemeClr>
+          </a:lnRef>
+          <a:fillRef idx="1">
+            <a:schemeClr val="accent1"/>
+          </a:fillRef>
+          <a:effectRef idx="0">
+            <a:schemeClr val="accent1"/>
+          </a:effectRef>
+          <a:fontRef idx="minor">
+            <a:schemeClr val="lt1"/>
+          </a:fontRef>
+        </p:style>
+        <p:txBody>
+          <a:bodyPr rtlCol="0" anchor="ctr"/>
+          <a:lstStyle/>
+          <a:p>
+            <a:pPr marL="0" marR="0" lvl="0" indent="0" algn="ctr" defTabSz="914400" rtl="0" eaLnBrk="1" fontAlgn="auto" latinLnBrk="0" hangingPunct="1">
+              <a:lnSpc>
+                <a:spcPct val="100000"/>
+              </a:lnSpc>
+              <a:spcBef>
+                <a:spcPts val="0"/>
+              </a:spcBef>
+              <a:spcAft>
+                <a:spcPts val="0"/>
+              </a:spcAft>
+              <a:buClrTx/>
+              <a:buSzTx/>
+              <a:buFontTx/>
+              <a:buNone/>
+              <a:tabLst/>
+              <a:defRPr/>
+            </a:pPr>
+            <a:endParaRPr kumimoji="0" lang="en-US" sz="1800" b="0" i="0" u="none" strike="noStrike" kern="1200" cap="none" spc="0" normalizeH="0" baseline="0" noProof="0">
+              <a:ln>
+                <a:noFill/>
+              </a:ln>
+              <a:solidFill>
+                <a:prstClr val="white"/>
+              </a:solidFill>
+              <a:effectLst/>
+              <a:uLnTx/>
+              <a:uFillTx/>
+              <a:latin typeface="Calibri" panose="020F0502020204030204"/>
+              <a:ea typeface="+mn-ea"/>
+              <a:cs typeface="+mn-cs"/>
+            </a:endParaRPr>
+          </a:p>
+        </p:txBody>
+      </p:sp>
+      <p:sp>
+        <p:nvSpPr>
+          <p:cNvPr id="18" name="Freeform: Shape 17">
+            <a:extLst>
+              <a:ext uri="{FF2B5EF4-FFF2-40B4-BE49-F238E27FC236}">
+                <a16:creationId xmlns:a16="http://schemas.microsoft.com/office/drawing/2014/main" id="{AB84D7E8-4ECB-42D7-ADBF-01689B0F24AE}"/>
+              </a:ext>
+              <a:ext uri="{C183D7F6-B498-43B3-948B-1728B52AA6E4}">
+                <adec:decorative xmlns:adec="http://schemas.microsoft.com/office/drawing/2017/decorative" val="1"/>
+              </a:ext>
+            </a:extLst>
+          </p:cNvPr>
+          <p:cNvSpPr>
+            <a:spLocks noGrp="1" noRot="1" noChangeAspect="1" noMove="1" noResize="1" noEditPoints="1" noAdjustHandles="1" noChangeArrowheads="1" noChangeShapeType="1" noTextEdit="1"/>
+          </p:cNvSpPr>
+          <p:nvPr>
+            <p:extLst>
+              <p:ext uri="{386F3935-93C4-4BCD-93E2-E3B085C9AB24}">
+                <p16:designElem xmlns:p16="http://schemas.microsoft.com/office/powerpoint/2015/main" val="1"/>
+              </p:ext>
+            </p:extLst>
+          </p:nvPr>
+        </p:nvSpPr>
+        <p:spPr>
+          <a:xfrm>
+            <a:off x="6492113" y="0"/>
+            <a:ext cx="5699887" cy="4059244"/>
+          </a:xfrm>
+          <a:custGeom>
+            <a:avLst/>
+            <a:gdLst>
+              <a:gd name="connsiteX0" fmla="*/ 0 w 5699887"/>
+              <a:gd name="connsiteY0" fmla="*/ 0 h 4059244"/>
+              <a:gd name="connsiteX1" fmla="*/ 5699887 w 5699887"/>
+              <a:gd name="connsiteY1" fmla="*/ 0 h 4059244"/>
+              <a:gd name="connsiteX2" fmla="*/ 5699887 w 5699887"/>
+              <a:gd name="connsiteY2" fmla="*/ 3944096 h 4059244"/>
+              <a:gd name="connsiteX3" fmla="*/ 5525775 w 5699887"/>
+              <a:gd name="connsiteY3" fmla="*/ 3980429 h 4059244"/>
+              <a:gd name="connsiteX4" fmla="*/ 4663256 w 5699887"/>
+              <a:gd name="connsiteY4" fmla="*/ 4059244 h 4059244"/>
+              <a:gd name="connsiteX5" fmla="*/ 8566 w 5699887"/>
+              <a:gd name="connsiteY5" fmla="*/ 67422 h 4059244"/>
+            </a:gdLst>
+            <a:ahLst/>
+            <a:cxnLst>
+              <a:cxn ang="0">
+                <a:pos x="connsiteX0" y="connsiteY0"/>
+              </a:cxn>
+              <a:cxn ang="0">
+                <a:pos x="connsiteX1" y="connsiteY1"/>
+              </a:cxn>
+              <a:cxn ang="0">
+                <a:pos x="connsiteX2" y="connsiteY2"/>
+              </a:cxn>
+              <a:cxn ang="0">
+                <a:pos x="connsiteX3" y="connsiteY3"/>
+              </a:cxn>
+              <a:cxn ang="0">
+                <a:pos x="connsiteX4" y="connsiteY4"/>
+              </a:cxn>
+              <a:cxn ang="0">
+                <a:pos x="connsiteX5" y="connsiteY5"/>
+              </a:cxn>
+            </a:cxnLst>
+            <a:rect l="l" t="t" r="r" b="b"/>
+            <a:pathLst>
+              <a:path w="5699887" h="4059244">
+                <a:moveTo>
+                  <a:pt x="0" y="0"/>
+                </a:moveTo>
+                <a:lnTo>
+                  <a:pt x="5699887" y="0"/>
+                </a:lnTo>
+                <a:lnTo>
+                  <a:pt x="5699887" y="3944096"/>
+                </a:lnTo>
+                <a:lnTo>
+                  <a:pt x="5525775" y="3980429"/>
+                </a:lnTo>
+                <a:cubicBezTo>
+                  <a:pt x="5246154" y="4032190"/>
+                  <a:pt x="4957865" y="4059244"/>
+                  <a:pt x="4663256" y="4059244"/>
+                </a:cubicBezTo>
+                <a:cubicBezTo>
+                  <a:pt x="2306390" y="4059244"/>
+                  <a:pt x="353936" y="2327747"/>
+                  <a:pt x="8566" y="67422"/>
+                </a:cubicBezTo>
+                <a:close/>
+              </a:path>
+            </a:pathLst>
+          </a:custGeom>
+          <a:solidFill>
+            <a:srgbClr val="595959"/>
+          </a:solidFill>
+          <a:ln>
+            <a:noFill/>
+          </a:ln>
+        </p:spPr>
+        <p:style>
+          <a:lnRef idx="2">
+            <a:schemeClr val="accent1">
+              <a:shade val="50000"/>
+            </a:schemeClr>
+          </a:lnRef>
+          <a:fillRef idx="1">
+            <a:schemeClr val="accent1"/>
+          </a:fillRef>
+          <a:effectRef idx="0">
+            <a:schemeClr val="accent1"/>
+          </a:effectRef>
+          <a:fontRef idx="minor">
+            <a:schemeClr val="lt1"/>
+          </a:fontRef>
+        </p:style>
+        <p:txBody>
+          <a:bodyPr rtlCol="0" anchor="ctr"/>
+          <a:lstStyle/>
+          <a:p>
+            <a:pPr marL="0" marR="0" lvl="0" indent="0" algn="ctr" defTabSz="914400" rtl="0" eaLnBrk="1" fontAlgn="auto" latinLnBrk="0" hangingPunct="1">
+              <a:lnSpc>
+                <a:spcPct val="100000"/>
+              </a:lnSpc>
+              <a:spcBef>
+                <a:spcPts val="0"/>
+              </a:spcBef>
+              <a:spcAft>
+                <a:spcPts val="0"/>
+              </a:spcAft>
+              <a:buClrTx/>
+              <a:buSzTx/>
+              <a:buFontTx/>
+              <a:buNone/>
+              <a:tabLst/>
+              <a:defRPr/>
+            </a:pPr>
+            <a:endParaRPr kumimoji="0" lang="en-US" sz="1800" b="0" i="0" u="none" strike="noStrike" kern="1200" cap="none" spc="0" normalizeH="0" baseline="0" noProof="0">
+              <a:ln>
+                <a:noFill/>
+              </a:ln>
+              <a:solidFill>
+                <a:prstClr val="white"/>
+              </a:solidFill>
+              <a:effectLst/>
+              <a:uLnTx/>
+              <a:uFillTx/>
+              <a:latin typeface="Calibri" panose="020F0502020204030204"/>
+              <a:ea typeface="+mn-ea"/>
+              <a:cs typeface="+mn-cs"/>
+            </a:endParaRPr>
+          </a:p>
+        </p:txBody>
+      </p:sp>
+      <p:cxnSp>
+        <p:nvCxnSpPr>
+          <p:cNvPr id="20" name="Straight Connector 19">
+            <a:extLst>
+              <a:ext uri="{FF2B5EF4-FFF2-40B4-BE49-F238E27FC236}">
+                <a16:creationId xmlns:a16="http://schemas.microsoft.com/office/drawing/2014/main" id="{9E8E38ED-369A-44C2-B635-0BED0E48A6E8}"/>
+              </a:ext>
+              <a:ext uri="{C183D7F6-B498-43B3-948B-1728B52AA6E4}">
+                <adec:decorative xmlns:adec="http://schemas.microsoft.com/office/drawing/2017/decorative" val="1"/>
+              </a:ext>
+            </a:extLst>
+          </p:cNvPr>
+          <p:cNvCxnSpPr>
+            <a:cxnSpLocks noGrp="1" noRot="1" noChangeAspect="1" noMove="1" noResize="1" noEditPoints="1" noAdjustHandles="1" noChangeArrowheads="1" noChangeShapeType="1"/>
+          </p:cNvCxnSpPr>
+          <p:nvPr>
+            <p:extLst>
+              <p:ext uri="{386F3935-93C4-4BCD-93E2-E3B085C9AB24}">
+                <p16:designElem xmlns:p16="http://schemas.microsoft.com/office/powerpoint/2015/main" val="1"/>
+              </p:ext>
+            </p:extLst>
+          </p:nvPr>
+        </p:nvCxnSpPr>
+        <p:spPr>
+          <a:xfrm>
+            <a:off x="7800392" y="4525347"/>
+            <a:ext cx="0" cy="1737360"/>
+          </a:xfrm>
+          <a:prstGeom prst="line">
+            <a:avLst/>
+          </a:prstGeom>
+          <a:ln w="19050" cap="sq">
+            <a:solidFill>
+              <a:schemeClr val="tx1"/>
+            </a:solidFill>
+          </a:ln>
+        </p:spPr>
+        <p:style>
+          <a:lnRef idx="1">
+            <a:schemeClr val="accent1"/>
+          </a:lnRef>
+          <a:fillRef idx="0">
+            <a:schemeClr val="accent1"/>
+          </a:fillRef>
+          <a:effectRef idx="0">
+            <a:schemeClr val="accent1"/>
+          </a:effectRef>
+          <a:fontRef idx="minor">
+            <a:schemeClr val="tx1"/>
+          </a:fontRef>
+        </p:style>
+      </p:cxnSp>
+    </p:spTree>
+    <p:extLst>
+      <p:ext uri="{BB962C8B-B14F-4D97-AF65-F5344CB8AC3E}">
+        <p14:creationId xmlns:p14="http://schemas.microsoft.com/office/powerpoint/2010/main" val="3226350802"/>
       </p:ext>
     </p:extLst>
   </p:cSld>
@@ -6878,8 +8285,8 @@
           </a:p>
         </p:txBody>
       </p:sp>
-      <mc:AlternateContent xmlns:mc="http://schemas.openxmlformats.org/markup-compatibility/2006">
-        <mc:Choice xmlns:a14="http://schemas.microsoft.com/office/drawing/2010/main" Requires="a14">
+      <mc:AlternateContent xmlns:mc="http://schemas.openxmlformats.org/markup-compatibility/2006" xmlns:a14="http://schemas.microsoft.com/office/drawing/2010/main">
+        <mc:Choice Requires="a14">
           <p:sp>
             <p:nvSpPr>
               <p:cNvPr id="3" name="Content Placeholder 2">
@@ -7268,7 +8675,7 @@
             </p:txBody>
           </p:sp>
         </mc:Choice>
-        <mc:Fallback>
+        <mc:Fallback xmlns="">
           <p:sp>
             <p:nvSpPr>
               <p:cNvPr id="3" name="Content Placeholder 2">
@@ -7376,8 +8783,8 @@
           </a:p>
         </p:txBody>
       </p:sp>
-      <mc:AlternateContent xmlns:mc="http://schemas.openxmlformats.org/markup-compatibility/2006">
-        <mc:Choice xmlns:a14="http://schemas.microsoft.com/office/drawing/2010/main" Requires="a14">
+      <mc:AlternateContent xmlns:mc="http://schemas.openxmlformats.org/markup-compatibility/2006" xmlns:a14="http://schemas.microsoft.com/office/drawing/2010/main">
+        <mc:Choice Requires="a14">
           <p:sp>
             <p:nvSpPr>
               <p:cNvPr id="3" name="Content Placeholder 2">
@@ -7978,7 +9385,7 @@
             </p:txBody>
           </p:sp>
         </mc:Choice>
-        <mc:Fallback>
+        <mc:Fallback xmlns="">
           <p:sp>
             <p:nvSpPr>
               <p:cNvPr id="3" name="Content Placeholder 2">
@@ -8692,8 +10099,8 @@
           </a:stretch>
         </p:blipFill>
         <p:spPr>
-          <a:xfrm>
-            <a:off x="1188189" y="2348910"/>
+          <a:xfrm flipV="1">
+            <a:off x="1219720" y="2359420"/>
             <a:ext cx="1905000" cy="1905000"/>
           </a:xfrm>
           <a:prstGeom prst="rect">
